--- a/06-Azure Notebooks alapok/MI-6 - Azure Notebooks.pptx
+++ b/06-Azure Notebooks alapok/MI-6 - Azure Notebooks.pptx
@@ -6,10 +6,10 @@
     <p:sldMasterId id="2147483682" r:id="rId5"/>
   </p:sldMasterIdLst>
   <p:notesMasterIdLst>
-    <p:notesMasterId r:id="rId29"/>
+    <p:notesMasterId r:id="rId54"/>
   </p:notesMasterIdLst>
   <p:handoutMasterIdLst>
-    <p:handoutMasterId r:id="rId30"/>
+    <p:handoutMasterId r:id="rId55"/>
   </p:handoutMasterIdLst>
   <p:sldIdLst>
     <p:sldId id="354" r:id="rId6"/>
@@ -34,7 +34,32 @@
     <p:sldId id="373" r:id="rId25"/>
     <p:sldId id="374" r:id="rId26"/>
     <p:sldId id="375" r:id="rId27"/>
-    <p:sldId id="353" r:id="rId28"/>
+    <p:sldId id="377" r:id="rId28"/>
+    <p:sldId id="283" r:id="rId29"/>
+    <p:sldId id="284" r:id="rId30"/>
+    <p:sldId id="285" r:id="rId31"/>
+    <p:sldId id="378" r:id="rId32"/>
+    <p:sldId id="379" r:id="rId33"/>
+    <p:sldId id="380" r:id="rId34"/>
+    <p:sldId id="381" r:id="rId35"/>
+    <p:sldId id="382" r:id="rId36"/>
+    <p:sldId id="383" r:id="rId37"/>
+    <p:sldId id="384" r:id="rId38"/>
+    <p:sldId id="385" r:id="rId39"/>
+    <p:sldId id="386" r:id="rId40"/>
+    <p:sldId id="387" r:id="rId41"/>
+    <p:sldId id="388" r:id="rId42"/>
+    <p:sldId id="389" r:id="rId43"/>
+    <p:sldId id="390" r:id="rId44"/>
+    <p:sldId id="391" r:id="rId45"/>
+    <p:sldId id="392" r:id="rId46"/>
+    <p:sldId id="393" r:id="rId47"/>
+    <p:sldId id="394" r:id="rId48"/>
+    <p:sldId id="395" r:id="rId49"/>
+    <p:sldId id="396" r:id="rId50"/>
+    <p:sldId id="397" r:id="rId51"/>
+    <p:sldId id="398" r:id="rId52"/>
+    <p:sldId id="353" r:id="rId53"/>
   </p:sldIdLst>
   <p:sldSz cx="12192000" cy="6858000"/>
   <p:notesSz cx="6858000" cy="9144000"/>
@@ -238,7 +263,7 @@
           <a:p>
             <a:fld id="{CC1CFA94-4B28-41BF-8DE1-7EAEEFF71797}" type="datetimeFigureOut">
               <a:rPr lang="hu-HU" smtClean="0"/>
-              <a:t>2019. 04. 23.</a:t>
+              <a:t>2020. 06. 30.</a:t>
             </a:fld>
             <a:endParaRPr lang="hu-HU"/>
           </a:p>
@@ -415,7 +440,7 @@
           <a:p>
             <a:fld id="{845EA756-BD24-1B47-9390-448DC521E8F4}" type="datetimeFigureOut">
               <a:rPr lang="en-US" smtClean="0"/>
-              <a:t>4/23/2019</a:t>
+              <a:t>6/30/20</a:t>
             </a:fld>
             <a:endParaRPr lang="en-US"/>
           </a:p>
@@ -1018,6 +1043,170 @@
       </p:grpSpPr>
       <p:sp>
         <p:nvSpPr>
+          <p:cNvPr id="2" name="Diakép helye 1"/>
+          <p:cNvSpPr>
+            <a:spLocks noGrp="1" noRot="1" noChangeAspect="1"/>
+          </p:cNvSpPr>
+          <p:nvPr>
+            <p:ph type="sldImg"/>
+          </p:nvPr>
+        </p:nvSpPr>
+        <p:spPr/>
+      </p:sp>
+      <p:sp>
+        <p:nvSpPr>
+          <p:cNvPr id="3" name="Jegyzetek helye 2"/>
+          <p:cNvSpPr>
+            <a:spLocks noGrp="1"/>
+          </p:cNvSpPr>
+          <p:nvPr>
+            <p:ph type="body" idx="1"/>
+          </p:nvPr>
+        </p:nvSpPr>
+        <p:spPr/>
+        <p:txBody>
+          <a:bodyPr/>
+          <a:lstStyle/>
+          <a:p>
+            <a:pPr marL="0" marR="0" lvl="0" indent="0" algn="l" defTabSz="914400" rtl="0" eaLnBrk="1" fontAlgn="auto" latinLnBrk="0" hangingPunct="1">
+              <a:lnSpc>
+                <a:spcPct val="100000"/>
+              </a:lnSpc>
+              <a:spcBef>
+                <a:spcPts val="0"/>
+              </a:spcBef>
+              <a:spcAft>
+                <a:spcPts val="0"/>
+              </a:spcAft>
+              <a:buClrTx/>
+              <a:buSzTx/>
+              <a:buFontTx/>
+              <a:buNone/>
+              <a:tabLst/>
+              <a:defRPr/>
+            </a:pPr>
+            <a:r>
+              <a:rPr lang="hu-HU" sz="1200" kern="1200" dirty="0">
+                <a:solidFill>
+                  <a:schemeClr val="tx1"/>
+                </a:solidFill>
+                <a:effectLst/>
+                <a:latin typeface="+mn-lt"/>
+                <a:ea typeface="+mn-ea"/>
+                <a:cs typeface="+mn-cs"/>
+              </a:rPr>
+              <a:t>Az ábrázolásnál álljunk meg egy kicsit és nézzük meg, hogy miért az oszlopdiagram volt a jó választás most, nézzük meg a </a:t>
+            </a:r>
+            <a:r>
+              <a:rPr lang="hu-HU" sz="1200" kern="1200" dirty="0" err="1">
+                <a:solidFill>
+                  <a:schemeClr val="tx1"/>
+                </a:solidFill>
+                <a:effectLst/>
+                <a:latin typeface="+mn-lt"/>
+                <a:ea typeface="+mn-ea"/>
+                <a:cs typeface="+mn-cs"/>
+              </a:rPr>
+              <a:t>plot</a:t>
+            </a:r>
+            <a:r>
+              <a:rPr lang="hu-HU" sz="1200" kern="1200" dirty="0">
+                <a:solidFill>
+                  <a:schemeClr val="tx1"/>
+                </a:solidFill>
+                <a:effectLst/>
+                <a:latin typeface="+mn-lt"/>
+                <a:ea typeface="+mn-ea"/>
+                <a:cs typeface="+mn-cs"/>
+              </a:rPr>
+              <a:t>() függvényt (</a:t>
+            </a:r>
+            <a:r>
+              <a:rPr lang="hu-HU" sz="1200" u="sng" kern="1200" dirty="0">
+                <a:solidFill>
+                  <a:schemeClr val="tx1"/>
+                </a:solidFill>
+                <a:effectLst/>
+                <a:latin typeface="+mn-lt"/>
+                <a:ea typeface="+mn-ea"/>
+                <a:cs typeface="+mn-cs"/>
+                <a:hlinkClick r:id="rId3"/>
+              </a:rPr>
+              <a:t>https://pandas.pydata.org/pandas-docs/stable/generated/pandas.DataFrame.plot.html#pandas.DataFrame.plot</a:t>
+            </a:r>
+            <a:r>
+              <a:rPr lang="hu-HU" sz="1200" kern="1200" dirty="0">
+                <a:solidFill>
+                  <a:schemeClr val="tx1"/>
+                </a:solidFill>
+                <a:effectLst/>
+                <a:latin typeface="+mn-lt"/>
+                <a:ea typeface="+mn-ea"/>
+                <a:cs typeface="+mn-cs"/>
+              </a:rPr>
+              <a:t>): </a:t>
+            </a:r>
+          </a:p>
+          <a:p>
+            <a:endParaRPr lang="hu-HU" dirty="0"/>
+          </a:p>
+        </p:txBody>
+      </p:sp>
+      <p:sp>
+        <p:nvSpPr>
+          <p:cNvPr id="4" name="Dia számának helye 3"/>
+          <p:cNvSpPr>
+            <a:spLocks noGrp="1"/>
+          </p:cNvSpPr>
+          <p:nvPr>
+            <p:ph type="sldNum" sz="quarter" idx="5"/>
+          </p:nvPr>
+        </p:nvSpPr>
+        <p:spPr/>
+        <p:txBody>
+          <a:bodyPr/>
+          <a:lstStyle/>
+          <a:p>
+            <a:fld id="{EA62CEE8-0B49-3F42-AE17-BFB0B230F701}" type="slidenum">
+              <a:rPr lang="en-US" smtClean="0"/>
+              <a:t>37</a:t>
+            </a:fld>
+            <a:endParaRPr lang="en-US"/>
+          </a:p>
+        </p:txBody>
+      </p:sp>
+    </p:spTree>
+    <p:extLst>
+      <p:ext uri="{BB962C8B-B14F-4D97-AF65-F5344CB8AC3E}">
+        <p14:creationId xmlns:p14="http://schemas.microsoft.com/office/powerpoint/2010/main" val="2928618038"/>
+      </p:ext>
+    </p:extLst>
+  </p:cSld>
+  <p:clrMapOvr>
+    <a:masterClrMapping/>
+  </p:clrMapOvr>
+</p:notes>
+</file>
+
+<file path=ppt/notesSlides/notesSlide5.xml><?xml version="1.0" encoding="utf-8"?>
+<p:notes xmlns:a="http://schemas.openxmlformats.org/drawingml/2006/main" xmlns:r="http://schemas.openxmlformats.org/officeDocument/2006/relationships" xmlns:p="http://schemas.openxmlformats.org/presentationml/2006/main">
+  <p:cSld>
+    <p:spTree>
+      <p:nvGrpSpPr>
+        <p:cNvPr id="1" name=""/>
+        <p:cNvGrpSpPr/>
+        <p:nvPr/>
+      </p:nvGrpSpPr>
+      <p:grpSpPr>
+        <a:xfrm>
+          <a:off x="0" y="0"/>
+          <a:ext cx="0" cy="0"/>
+          <a:chOff x="0" y="0"/>
+          <a:chExt cx="0" cy="0"/>
+        </a:xfrm>
+      </p:grpSpPr>
+      <p:sp>
+        <p:nvSpPr>
           <p:cNvPr id="2" name="Slide Image Placeholder 1"/>
           <p:cNvSpPr>
             <a:spLocks noGrp="1" noRot="1" noChangeAspect="1"/>
@@ -1137,7 +1326,7 @@
           <a:p>
             <a:fld id="{D18B56EA-E28F-4F92-9F16-7A6F2501B303}" type="datetime8">
               <a:rPr lang="en-US" smtClean="0"/>
-              <a:t>4/23/2019 2:03 AM</a:t>
+              <a:t>6/30/20 10:03 PM</a:t>
             </a:fld>
             <a:endParaRPr lang="en-US" dirty="0"/>
           </a:p>
@@ -1161,7 +1350,7 @@
             <a:fld id="{B4008EB6-D09E-4580-8CD6-DDB14511944F}" type="slidenum">
               <a:rPr lang="en-US" smtClean="0"/>
               <a:pPr/>
-              <a:t>23</a:t>
+              <a:t>48</a:t>
             </a:fld>
             <a:endParaRPr lang="en-US" dirty="0"/>
           </a:p>
@@ -1394,7 +1583,7 @@
             <a:fld id="{BDC6CC35-9E77-E043-AA55-7F9B9B29F780}" type="datetime1">
               <a:rPr lang="en-GB" smtClean="0"/>
               <a:pPr/>
-              <a:t>23/04/2019</a:t>
+              <a:t>30/06/2020</a:t>
             </a:fld>
             <a:endParaRPr lang="en-US" dirty="0"/>
           </a:p>
@@ -1474,7 +1663,7 @@
   <p:clrMapOvr>
     <a:masterClrMapping/>
   </p:clrMapOvr>
-  <p:extLst mod="1">
+  <p:extLst>
     <p:ext uri="{DCECCB84-F9BA-43D5-87BE-67443E8EF086}">
       <p15:sldGuideLst xmlns:p15="http://schemas.microsoft.com/office/powerpoint/2012/main">
         <p15:guide id="1" orient="horz" pos="2160">
@@ -3389,7 +3578,7 @@
           <a:p>
             <a:fld id="{CEB7485A-BE62-4EF1-9888-A2D86A0CFD64}" type="datetimeFigureOut">
               <a:rPr lang="en-GB" smtClean="0"/>
-              <a:t>23/04/2019</a:t>
+              <a:t>30/06/2020</a:t>
             </a:fld>
             <a:endParaRPr lang="en-GB"/>
           </a:p>
@@ -3773,7 +3962,7 @@
           <a:p>
             <a:fld id="{48A87A34-81AB-432B-8DAE-1953F412C126}" type="datetimeFigureOut">
               <a:rPr lang="en-US" dirty="0"/>
-              <a:t>4/23/2019</a:t>
+              <a:t>6/30/20</a:t>
             </a:fld>
             <a:endParaRPr lang="en-US" dirty="0"/>
           </a:p>
@@ -4121,7 +4310,7 @@
           <a:p>
             <a:fld id="{48A87A34-81AB-432B-8DAE-1953F412C126}" type="datetimeFigureOut">
               <a:rPr lang="en-US" dirty="0"/>
-              <a:t>4/23/2019</a:t>
+              <a:t>6/30/20</a:t>
             </a:fld>
             <a:endParaRPr lang="en-US" dirty="0"/>
           </a:p>
@@ -4327,7 +4516,7 @@
           <a:p>
             <a:fld id="{CEB7485A-BE62-4EF1-9888-A2D86A0CFD64}" type="datetimeFigureOut">
               <a:rPr lang="en-GB" smtClean="0"/>
-              <a:t>23/04/2019</a:t>
+              <a:t>30/06/2020</a:t>
             </a:fld>
             <a:endParaRPr lang="en-GB"/>
           </a:p>
@@ -4520,7 +4709,7 @@
           <a:p>
             <a:fld id="{CEB7485A-BE62-4EF1-9888-A2D86A0CFD64}" type="datetimeFigureOut">
               <a:rPr lang="en-GB" smtClean="0"/>
-              <a:t>23/04/2019</a:t>
+              <a:t>30/06/2020</a:t>
             </a:fld>
             <a:endParaRPr lang="en-GB"/>
           </a:p>
@@ -4715,7 +4904,7 @@
           <a:p>
             <a:fld id="{B8E49ED0-4378-184F-BAC9-EC5E0D3E65AD}" type="datetime1">
               <a:rPr lang="en-GB" smtClean="0"/>
-              <a:t>23/04/2019</a:t>
+              <a:t>30/06/2020</a:t>
             </a:fld>
             <a:endParaRPr lang="en-US" dirty="0"/>
           </a:p>
@@ -4822,7 +5011,7 @@
   <p:clrMapOvr>
     <a:masterClrMapping/>
   </p:clrMapOvr>
-  <p:extLst mod="1">
+  <p:extLst>
     <p:ext uri="{DCECCB84-F9BA-43D5-87BE-67443E8EF086}">
       <p15:sldGuideLst xmlns:p15="http://schemas.microsoft.com/office/powerpoint/2012/main">
         <p15:guide id="1" orient="horz" pos="2160">
@@ -5024,7 +5213,7 @@
           <a:p>
             <a:fld id="{CEB7485A-BE62-4EF1-9888-A2D86A0CFD64}" type="datetimeFigureOut">
               <a:rPr lang="en-GB" smtClean="0"/>
-              <a:t>23/04/2019</a:t>
+              <a:t>30/06/2020</a:t>
             </a:fld>
             <a:endParaRPr lang="en-GB"/>
           </a:p>
@@ -5273,7 +5462,7 @@
           <a:p>
             <a:fld id="{CEB7485A-BE62-4EF1-9888-A2D86A0CFD64}" type="datetimeFigureOut">
               <a:rPr lang="en-GB" smtClean="0"/>
-              <a:t>23/04/2019</a:t>
+              <a:t>30/06/2020</a:t>
             </a:fld>
             <a:endParaRPr lang="en-GB"/>
           </a:p>
@@ -5678,7 +5867,7 @@
           <a:p>
             <a:fld id="{CEB7485A-BE62-4EF1-9888-A2D86A0CFD64}" type="datetimeFigureOut">
               <a:rPr lang="en-GB" smtClean="0"/>
-              <a:t>23/04/2019</a:t>
+              <a:t>30/06/2020</a:t>
             </a:fld>
             <a:endParaRPr lang="en-GB"/>
           </a:p>
@@ -5799,7 +5988,7 @@
           <a:p>
             <a:fld id="{CEB7485A-BE62-4EF1-9888-A2D86A0CFD64}" type="datetimeFigureOut">
               <a:rPr lang="en-GB" smtClean="0"/>
-              <a:t>23/04/2019</a:t>
+              <a:t>30/06/2020</a:t>
             </a:fld>
             <a:endParaRPr lang="en-GB"/>
           </a:p>
@@ -5897,7 +6086,7 @@
           <a:p>
             <a:fld id="{CEB7485A-BE62-4EF1-9888-A2D86A0CFD64}" type="datetimeFigureOut">
               <a:rPr lang="en-GB" smtClean="0"/>
-              <a:t>23/04/2019</a:t>
+              <a:t>30/06/2020</a:t>
             </a:fld>
             <a:endParaRPr lang="en-GB"/>
           </a:p>
@@ -6177,7 +6366,7 @@
           <a:p>
             <a:fld id="{CEB7485A-BE62-4EF1-9888-A2D86A0CFD64}" type="datetimeFigureOut">
               <a:rPr lang="en-GB" smtClean="0"/>
-              <a:t>23/04/2019</a:t>
+              <a:t>30/06/2020</a:t>
             </a:fld>
             <a:endParaRPr lang="en-GB"/>
           </a:p>
@@ -6437,7 +6626,7 @@
           <a:p>
             <a:fld id="{CEB7485A-BE62-4EF1-9888-A2D86A0CFD64}" type="datetimeFigureOut">
               <a:rPr lang="en-GB" smtClean="0"/>
-              <a:t>23/04/2019</a:t>
+              <a:t>30/06/2020</a:t>
             </a:fld>
             <a:endParaRPr lang="en-GB"/>
           </a:p>
@@ -6610,7 +6799,7 @@
           <a:p>
             <a:fld id="{CEB7485A-BE62-4EF1-9888-A2D86A0CFD64}" type="datetimeFigureOut">
               <a:rPr lang="en-GB" smtClean="0"/>
-              <a:t>23/04/2019</a:t>
+              <a:t>30/06/2020</a:t>
             </a:fld>
             <a:endParaRPr lang="en-GB"/>
           </a:p>
@@ -6793,7 +6982,7 @@
           <a:p>
             <a:fld id="{CEB7485A-BE62-4EF1-9888-A2D86A0CFD64}" type="datetimeFigureOut">
               <a:rPr lang="en-GB" smtClean="0"/>
-              <a:t>23/04/2019</a:t>
+              <a:t>30/06/2020</a:t>
             </a:fld>
             <a:endParaRPr lang="en-GB"/>
           </a:p>
@@ -7010,7 +7199,7 @@
           <a:p>
             <a:fld id="{D2EFAB54-C557-0D4E-B6BE-F7AC3FB5D82C}" type="datetime1">
               <a:rPr lang="en-GB" smtClean="0"/>
-              <a:t>23/04/2019</a:t>
+              <a:t>30/06/2020</a:t>
             </a:fld>
             <a:endParaRPr lang="en-US"/>
           </a:p>
@@ -7113,7 +7302,7 @@
   <p:clrMapOvr>
     <a:masterClrMapping/>
   </p:clrMapOvr>
-  <p:extLst mod="1">
+  <p:extLst>
     <p:ext uri="{DCECCB84-F9BA-43D5-87BE-67443E8EF086}">
       <p15:sldGuideLst xmlns:p15="http://schemas.microsoft.com/office/powerpoint/2012/main">
         <p15:guide id="1" orient="horz" pos="2160">
@@ -7415,7 +7604,7 @@
           <a:p>
             <a:fld id="{5BD6804A-7A1E-4142-BD7F-9506B517C44B}" type="datetime1">
               <a:rPr lang="en-GB" smtClean="0"/>
-              <a:t>23/04/2019</a:t>
+              <a:t>30/06/2020</a:t>
             </a:fld>
             <a:endParaRPr lang="en-US"/>
           </a:p>
@@ -7518,7 +7707,7 @@
   <p:clrMapOvr>
     <a:masterClrMapping/>
   </p:clrMapOvr>
-  <p:extLst mod="1">
+  <p:extLst>
     <p:ext uri="{DCECCB84-F9BA-43D5-87BE-67443E8EF086}">
       <p15:sldGuideLst xmlns:p15="http://schemas.microsoft.com/office/powerpoint/2012/main">
         <p15:guide id="1" orient="horz" pos="2160" userDrawn="1">
@@ -7675,7 +7864,7 @@
           <a:p>
             <a:fld id="{D2EFAB54-C557-0D4E-B6BE-F7AC3FB5D82C}" type="datetime1">
               <a:rPr lang="en-GB" smtClean="0"/>
-              <a:t>23/04/2019</a:t>
+              <a:t>30/06/2020</a:t>
             </a:fld>
             <a:endParaRPr lang="en-US"/>
           </a:p>
@@ -7743,7 +7932,7 @@
   <p:clrMapOvr>
     <a:masterClrMapping/>
   </p:clrMapOvr>
-  <p:extLst mod="1">
+  <p:extLst>
     <p:ext uri="{DCECCB84-F9BA-43D5-87BE-67443E8EF086}">
       <p15:sldGuideLst xmlns:p15="http://schemas.microsoft.com/office/powerpoint/2012/main">
         <p15:guide id="1" orient="horz" pos="2160">
@@ -7831,7 +8020,7 @@
           <a:p>
             <a:fld id="{5BD6804A-7A1E-4142-BD7F-9506B517C44B}" type="datetime1">
               <a:rPr lang="en-GB" smtClean="0"/>
-              <a:t>23/04/2019</a:t>
+              <a:t>30/06/2020</a:t>
             </a:fld>
             <a:endParaRPr lang="en-US"/>
           </a:p>
@@ -7963,7 +8152,7 @@
   <p:clrMapOvr>
     <a:masterClrMapping/>
   </p:clrMapOvr>
-  <p:extLst mod="1">
+  <p:extLst>
     <p:ext uri="{DCECCB84-F9BA-43D5-87BE-67443E8EF086}">
       <p15:sldGuideLst xmlns:p15="http://schemas.microsoft.com/office/powerpoint/2012/main">
         <p15:guide id="1" orient="horz" pos="2160">
@@ -8009,7 +8198,7 @@
   <p:clrMapOvr>
     <a:masterClrMapping/>
   </p:clrMapOvr>
-  <p:extLst mod="1">
+  <p:extLst>
     <p:ext uri="{DCECCB84-F9BA-43D5-87BE-67443E8EF086}">
       <p15:sldGuideLst xmlns:p15="http://schemas.microsoft.com/office/powerpoint/2012/main">
         <p15:guide id="1" orient="horz" pos="2160">
@@ -8412,7 +8601,7 @@
           <a:p>
             <a:fld id="{70BCE39A-1595-2A46-A5F2-0C90A4649103}" type="datetime1">
               <a:rPr lang="en-GB" smtClean="0"/>
-              <a:t>23/04/2019</a:t>
+              <a:t>30/06/2020</a:t>
             </a:fld>
             <a:endParaRPr lang="en-US"/>
           </a:p>
@@ -8959,7 +9148,7 @@
           <a:p>
             <a:fld id="{CEB7485A-BE62-4EF1-9888-A2D86A0CFD64}" type="datetimeFigureOut">
               <a:rPr lang="en-GB" smtClean="0"/>
-              <a:t>23/04/2019</a:t>
+              <a:t>30/06/2020</a:t>
             </a:fld>
             <a:endParaRPr lang="en-GB"/>
           </a:p>
@@ -10093,7 +10282,14 @@
             <a:pPr marL="0" indent="0">
               <a:buNone/>
             </a:pPr>
-            <a:endParaRPr lang="hu-HU" sz="2800" dirty="0"/>
+            <a:r>
+              <a:rPr lang="hu-HU" sz="2800" dirty="0" err="1"/>
+              <a:t>Tarcsi</a:t>
+            </a:r>
+            <a:r>
+              <a:rPr lang="hu-HU" sz="2800" dirty="0"/>
+              <a:t> Ádám</a:t>
+            </a:r>
           </a:p>
         </p:txBody>
       </p:sp>
@@ -13979,108 +14175,3722 @@
       </p:grpSpPr>
       <p:sp>
         <p:nvSpPr>
-          <p:cNvPr id="3" name="Title 2"/>
-          <p:cNvSpPr>
-            <a:spLocks noGrp="1"/>
-          </p:cNvSpPr>
-          <p:nvPr>
-            <p:ph type="ctrTitle"/>
-          </p:nvPr>
-        </p:nvSpPr>
-        <p:spPr>
-          <a:xfrm>
-            <a:off x="1220632" y="3348238"/>
-            <a:ext cx="9106263" cy="1200158"/>
-          </a:xfrm>
-        </p:spPr>
-        <p:txBody>
-          <a:bodyPr/>
-          <a:lstStyle/>
-          <a:p>
-            <a:r>
-              <a:rPr lang="hu-HU" dirty="0"/>
-              <a:t>Köszönöm a figyelmet!</a:t>
-            </a:r>
-            <a:endParaRPr lang="en-US" dirty="0"/>
-          </a:p>
-        </p:txBody>
-      </p:sp>
-      <p:sp>
-        <p:nvSpPr>
-          <p:cNvPr id="4" name="Title 6">
+          <p:cNvPr id="6" name="Cím 5">
             <a:extLst>
               <a:ext uri="{FF2B5EF4-FFF2-40B4-BE49-F238E27FC236}">
-                <a16:creationId xmlns:a16="http://schemas.microsoft.com/office/drawing/2014/main" id="{34BDD74C-5263-464C-AA3C-D945D23978FF}"/>
+                <a16:creationId xmlns:a16="http://schemas.microsoft.com/office/drawing/2014/main" id="{1BD559F1-F8D9-42C3-ABF5-3B7C13D45011}"/>
               </a:ext>
             </a:extLst>
           </p:cNvPr>
-          <p:cNvSpPr txBox="1">
-            <a:spLocks/>
-          </p:cNvSpPr>
-          <p:nvPr/>
-        </p:nvSpPr>
-        <p:spPr>
-          <a:xfrm>
-            <a:off x="4448153" y="4548395"/>
-            <a:ext cx="6060413" cy="927693"/>
-          </a:xfrm>
-          <a:prstGeom prst="rect">
-            <a:avLst/>
-          </a:prstGeom>
-        </p:spPr>
-        <p:txBody>
-          <a:bodyPr vert="horz" lIns="457135" tIns="45713" rIns="457135" bIns="45713" rtlCol="0" anchor="ctr">
-            <a:noAutofit/>
-          </a:bodyPr>
-          <a:lstStyle>
-            <a:lvl1pPr algn="ctr" defTabSz="914400" rtl="0" eaLnBrk="1" latinLnBrk="0" hangingPunct="1">
-              <a:lnSpc>
-                <a:spcPct val="90000"/>
-              </a:lnSpc>
-              <a:spcBef>
-                <a:spcPct val="0"/>
-              </a:spcBef>
-              <a:buNone/>
-              <a:defRPr lang="en-US" sz="3200" b="1" i="0" kern="1200" spc="300" dirty="0">
-                <a:solidFill>
-                  <a:schemeClr val="tx1">
-                    <a:lumMod val="85000"/>
-                    <a:lumOff val="15000"/>
-                  </a:schemeClr>
-                </a:solidFill>
-                <a:latin typeface="+mj-lt"/>
-                <a:ea typeface="+mn-ea"/>
-                <a:cs typeface="Segoe UI Semilight" panose="020B0402040204020203" pitchFamily="34" charset="0"/>
-              </a:defRPr>
-            </a:lvl1pPr>
-          </a:lstStyle>
-          <a:p>
-            <a:endParaRPr lang="en-US" dirty="0"/>
+          <p:cNvSpPr>
+            <a:spLocks noGrp="1"/>
+          </p:cNvSpPr>
+          <p:nvPr>
+            <p:ph type="title"/>
+          </p:nvPr>
+        </p:nvSpPr>
+        <p:spPr/>
+        <p:txBody>
+          <a:bodyPr/>
+          <a:lstStyle/>
+          <a:p>
+            <a:r>
+              <a:rPr lang="hu-HU" dirty="0"/>
+              <a:t>Feladat lépésről-lépésre</a:t>
+            </a:r>
+          </a:p>
+        </p:txBody>
+      </p:sp>
+      <p:sp>
+        <p:nvSpPr>
+          <p:cNvPr id="2" name="Szöveg helye 1">
+            <a:extLst>
+              <a:ext uri="{FF2B5EF4-FFF2-40B4-BE49-F238E27FC236}">
+                <a16:creationId xmlns:a16="http://schemas.microsoft.com/office/drawing/2014/main" id="{EA137606-5F55-44BF-AE27-D68761214173}"/>
+              </a:ext>
+            </a:extLst>
+          </p:cNvPr>
+          <p:cNvSpPr>
+            <a:spLocks noGrp="1"/>
+          </p:cNvSpPr>
+          <p:nvPr>
+            <p:ph type="body" idx="1"/>
+          </p:nvPr>
+        </p:nvSpPr>
+        <p:spPr/>
+        <p:txBody>
+          <a:bodyPr/>
+          <a:lstStyle/>
+          <a:p>
+            <a:endParaRPr lang="hu-HU"/>
+          </a:p>
+        </p:txBody>
+      </p:sp>
+      <p:sp>
+        <p:nvSpPr>
+          <p:cNvPr id="3" name="Dia számának helye 2">
+            <a:extLst>
+              <a:ext uri="{FF2B5EF4-FFF2-40B4-BE49-F238E27FC236}">
+                <a16:creationId xmlns:a16="http://schemas.microsoft.com/office/drawing/2014/main" id="{58B9102A-67C5-4D91-8C57-67843E12D4E3}"/>
+              </a:ext>
+            </a:extLst>
+          </p:cNvPr>
+          <p:cNvSpPr>
+            <a:spLocks noGrp="1"/>
+          </p:cNvSpPr>
+          <p:nvPr>
+            <p:ph type="sldNum" sz="quarter" idx="12"/>
+          </p:nvPr>
+        </p:nvSpPr>
+        <p:spPr/>
+        <p:txBody>
+          <a:bodyPr/>
+          <a:lstStyle/>
+          <a:p>
+            <a:fld id="{5AE1514C-5E56-4738-A1FF-4B1CFD2A3E36}" type="slidenum">
+              <a:rPr lang="en-US" smtClean="0"/>
+              <a:t>23</a:t>
+            </a:fld>
+            <a:endParaRPr lang="en-US"/>
           </a:p>
         </p:txBody>
       </p:sp>
     </p:spTree>
     <p:extLst>
       <p:ext uri="{BB962C8B-B14F-4D97-AF65-F5344CB8AC3E}">
-        <p14:creationId xmlns:p14="http://schemas.microsoft.com/office/powerpoint/2010/main" val="3492825300"/>
+        <p14:creationId xmlns:p14="http://schemas.microsoft.com/office/powerpoint/2010/main" val="3952839058"/>
       </p:ext>
     </p:extLst>
   </p:cSld>
   <p:clrMapOvr>
     <a:masterClrMapping/>
   </p:clrMapOvr>
-  <mc:AlternateContent xmlns:mc="http://schemas.openxmlformats.org/markup-compatibility/2006" xmlns:p14="http://schemas.microsoft.com/office/powerpoint/2010/main">
-    <mc:Choice Requires="p14">
-      <p:transition spd="med" p14:dur="700">
-        <p:fade/>
-      </p:transition>
-    </mc:Choice>
-    <mc:Fallback xmlns="">
-      <p:transition spd="med">
-        <p:fade/>
-      </p:transition>
-    </mc:Fallback>
-  </mc:AlternateContent>
+</p:sld>
+</file>
+
+<file path=ppt/slides/slide24.xml><?xml version="1.0" encoding="utf-8"?>
+<p:sld xmlns:a="http://schemas.openxmlformats.org/drawingml/2006/main" xmlns:r="http://schemas.openxmlformats.org/officeDocument/2006/relationships" xmlns:p="http://schemas.openxmlformats.org/presentationml/2006/main">
+  <p:cSld>
+    <p:spTree>
+      <p:nvGrpSpPr>
+        <p:cNvPr id="1" name=""/>
+        <p:cNvGrpSpPr/>
+        <p:nvPr/>
+      </p:nvGrpSpPr>
+      <p:grpSpPr>
+        <a:xfrm>
+          <a:off x="0" y="0"/>
+          <a:ext cx="0" cy="0"/>
+          <a:chOff x="0" y="0"/>
+          <a:chExt cx="0" cy="0"/>
+        </a:xfrm>
+      </p:grpSpPr>
+      <p:sp>
+        <p:nvSpPr>
+          <p:cNvPr id="4" name="Cím 3">
+            <a:extLst>
+              <a:ext uri="{FF2B5EF4-FFF2-40B4-BE49-F238E27FC236}">
+                <a16:creationId xmlns:a16="http://schemas.microsoft.com/office/drawing/2014/main" id="{9AEBF683-8BAD-44D3-BF57-D1FAE09F844A}"/>
+              </a:ext>
+            </a:extLst>
+          </p:cNvPr>
+          <p:cNvSpPr>
+            <a:spLocks noGrp="1"/>
+          </p:cNvSpPr>
+          <p:nvPr>
+            <p:ph type="title"/>
+          </p:nvPr>
+        </p:nvSpPr>
+        <p:spPr/>
+        <p:txBody>
+          <a:bodyPr/>
+          <a:lstStyle/>
+          <a:p>
+            <a:r>
+              <a:rPr lang="hu-HU" dirty="0"/>
+              <a:t>Feladat: Hitelképesség megállapítása</a:t>
+            </a:r>
+          </a:p>
+        </p:txBody>
+      </p:sp>
+      <p:sp>
+        <p:nvSpPr>
+          <p:cNvPr id="5" name="Tartalom helye 4">
+            <a:extLst>
+              <a:ext uri="{FF2B5EF4-FFF2-40B4-BE49-F238E27FC236}">
+                <a16:creationId xmlns:a16="http://schemas.microsoft.com/office/drawing/2014/main" id="{24166978-9186-4FD9-8FB5-4E78D0576BFF}"/>
+              </a:ext>
+            </a:extLst>
+          </p:cNvPr>
+          <p:cNvSpPr>
+            <a:spLocks noGrp="1"/>
+          </p:cNvSpPr>
+          <p:nvPr>
+            <p:ph idx="1"/>
+          </p:nvPr>
+        </p:nvSpPr>
+        <p:spPr/>
+        <p:txBody>
+          <a:bodyPr/>
+          <a:lstStyle/>
+          <a:p>
+            <a:r>
+              <a:rPr lang="hu-HU" dirty="0"/>
+              <a:t>A múlt adatai alapján (loan.csv) jelezzük előre, hogy kinek érdemes hitelt adni.</a:t>
+            </a:r>
+          </a:p>
+          <a:p>
+            <a:r>
+              <a:rPr lang="hu-HU" dirty="0"/>
+              <a:t>Melyek azok a jellemzők, melyek segíthetnek megállapítani, hogy valaki vissza fogja-e fizetni a hitelt?</a:t>
+            </a:r>
+          </a:p>
+        </p:txBody>
+      </p:sp>
+    </p:spTree>
+    <p:extLst>
+      <p:ext uri="{BB962C8B-B14F-4D97-AF65-F5344CB8AC3E}">
+        <p14:creationId xmlns:p14="http://schemas.microsoft.com/office/powerpoint/2010/main" val="1081372050"/>
+      </p:ext>
+    </p:extLst>
+  </p:cSld>
+  <p:clrMapOvr>
+    <a:masterClrMapping/>
+  </p:clrMapOvr>
+</p:sld>
+</file>
+
+<file path=ppt/slides/slide25.xml><?xml version="1.0" encoding="utf-8"?>
+<p:sld xmlns:a="http://schemas.openxmlformats.org/drawingml/2006/main" xmlns:r="http://schemas.openxmlformats.org/officeDocument/2006/relationships" xmlns:p="http://schemas.openxmlformats.org/presentationml/2006/main">
+  <p:cSld>
+    <p:spTree>
+      <p:nvGrpSpPr>
+        <p:cNvPr id="1" name=""/>
+        <p:cNvGrpSpPr/>
+        <p:nvPr/>
+      </p:nvGrpSpPr>
+      <p:grpSpPr>
+        <a:xfrm>
+          <a:off x="0" y="0"/>
+          <a:ext cx="0" cy="0"/>
+          <a:chOff x="0" y="0"/>
+          <a:chExt cx="0" cy="0"/>
+        </a:xfrm>
+      </p:grpSpPr>
+      <p:sp>
+        <p:nvSpPr>
+          <p:cNvPr id="2" name="Cím 1">
+            <a:extLst>
+              <a:ext uri="{FF2B5EF4-FFF2-40B4-BE49-F238E27FC236}">
+                <a16:creationId xmlns:a16="http://schemas.microsoft.com/office/drawing/2014/main" id="{215242C5-723A-4236-8E04-C777703C5D06}"/>
+              </a:ext>
+            </a:extLst>
+          </p:cNvPr>
+          <p:cNvSpPr>
+            <a:spLocks noGrp="1"/>
+          </p:cNvSpPr>
+          <p:nvPr>
+            <p:ph type="title"/>
+          </p:nvPr>
+        </p:nvSpPr>
+        <p:spPr/>
+        <p:txBody>
+          <a:bodyPr/>
+          <a:lstStyle/>
+          <a:p>
+            <a:r>
+              <a:rPr lang="hu-HU" dirty="0"/>
+              <a:t>Az </a:t>
+            </a:r>
+            <a:r>
+              <a:rPr lang="hu-HU" dirty="0" err="1"/>
+              <a:t>adaszerkezet</a:t>
+            </a:r>
+            <a:endParaRPr lang="hu-HU" dirty="0"/>
+          </a:p>
+        </p:txBody>
+      </p:sp>
+      <p:graphicFrame>
+        <p:nvGraphicFramePr>
+          <p:cNvPr id="4" name="Tartalom helye 3">
+            <a:extLst>
+              <a:ext uri="{FF2B5EF4-FFF2-40B4-BE49-F238E27FC236}">
+                <a16:creationId xmlns:a16="http://schemas.microsoft.com/office/drawing/2014/main" id="{2AA822D0-9CD6-49D7-8FB9-24842A675542}"/>
+              </a:ext>
+            </a:extLst>
+          </p:cNvPr>
+          <p:cNvGraphicFramePr>
+            <a:graphicFrameLocks noGrp="1"/>
+          </p:cNvGraphicFramePr>
+          <p:nvPr>
+            <p:ph idx="1"/>
+          </p:nvPr>
+        </p:nvGraphicFramePr>
+        <p:xfrm>
+          <a:off x="791679" y="1491916"/>
+          <a:ext cx="10578163" cy="4884834"/>
+        </p:xfrm>
+        <a:graphic>
+          <a:graphicData uri="http://schemas.openxmlformats.org/drawingml/2006/table">
+            <a:tbl>
+              <a:tblPr firstRow="1" firstCol="1" bandRow="1">
+                <a:tableStyleId>{5C22544A-7EE6-4342-B048-85BDC9FD1C3A}</a:tableStyleId>
+              </a:tblPr>
+              <a:tblGrid>
+                <a:gridCol w="2644541">
+                  <a:extLst>
+                    <a:ext uri="{9D8B030D-6E8A-4147-A177-3AD203B41FA5}">
+                      <a16:colId xmlns:a16="http://schemas.microsoft.com/office/drawing/2014/main" val="4262203553"/>
+                    </a:ext>
+                  </a:extLst>
+                </a:gridCol>
+                <a:gridCol w="7933622">
+                  <a:extLst>
+                    <a:ext uri="{9D8B030D-6E8A-4147-A177-3AD203B41FA5}">
+                      <a16:colId xmlns:a16="http://schemas.microsoft.com/office/drawing/2014/main" val="442122255"/>
+                    </a:ext>
+                  </a:extLst>
+                </a:gridCol>
+              </a:tblGrid>
+              <a:tr h="300299">
+                <a:tc>
+                  <a:txBody>
+                    <a:bodyPr/>
+                    <a:lstStyle/>
+                    <a:p>
+                      <a:pPr>
+                        <a:lnSpc>
+                          <a:spcPct val="115000"/>
+                        </a:lnSpc>
+                        <a:spcAft>
+                          <a:spcPts val="1000"/>
+                        </a:spcAft>
+                      </a:pPr>
+                      <a:r>
+                        <a:rPr lang="en-US" sz="1600">
+                          <a:effectLst/>
+                        </a:rPr>
+                        <a:t>Variable</a:t>
+                      </a:r>
+                      <a:endParaRPr lang="hu-HU" sz="1400">
+                        <a:effectLst/>
+                        <a:latin typeface="Calibri" panose="020F0502020204030204" pitchFamily="34" charset="0"/>
+                        <a:ea typeface="Calibri" panose="020F0502020204030204" pitchFamily="34" charset="0"/>
+                        <a:cs typeface="Times New Roman" panose="02020603050405020304" pitchFamily="18" charset="0"/>
+                      </a:endParaRPr>
+                    </a:p>
+                  </a:txBody>
+                  <a:tcPr marL="9525" marR="9525" marT="9525" marB="9525" anchor="ctr"/>
+                </a:tc>
+                <a:tc>
+                  <a:txBody>
+                    <a:bodyPr/>
+                    <a:lstStyle/>
+                    <a:p>
+                      <a:pPr>
+                        <a:lnSpc>
+                          <a:spcPct val="115000"/>
+                        </a:lnSpc>
+                        <a:spcAft>
+                          <a:spcPts val="1000"/>
+                        </a:spcAft>
+                      </a:pPr>
+                      <a:r>
+                        <a:rPr lang="en-US" sz="1600">
+                          <a:effectLst/>
+                        </a:rPr>
+                        <a:t>Leírás, megjegyzés</a:t>
+                      </a:r>
+                      <a:endParaRPr lang="hu-HU" sz="1400">
+                        <a:effectLst/>
+                        <a:latin typeface="Calibri" panose="020F0502020204030204" pitchFamily="34" charset="0"/>
+                        <a:ea typeface="Calibri" panose="020F0502020204030204" pitchFamily="34" charset="0"/>
+                        <a:cs typeface="Times New Roman" panose="02020603050405020304" pitchFamily="18" charset="0"/>
+                      </a:endParaRPr>
+                    </a:p>
+                  </a:txBody>
+                  <a:tcPr marL="9525" marR="9525" marT="9525" marB="9525" anchor="ctr"/>
+                </a:tc>
+                <a:extLst>
+                  <a:ext uri="{0D108BD9-81ED-4DB2-BD59-A6C34878D82A}">
+                    <a16:rowId xmlns:a16="http://schemas.microsoft.com/office/drawing/2014/main" val="475191125"/>
+                  </a:ext>
+                </a:extLst>
+              </a:tr>
+              <a:tr h="287962">
+                <a:tc>
+                  <a:txBody>
+                    <a:bodyPr/>
+                    <a:lstStyle/>
+                    <a:p>
+                      <a:pPr>
+                        <a:lnSpc>
+                          <a:spcPct val="115000"/>
+                        </a:lnSpc>
+                        <a:spcAft>
+                          <a:spcPts val="1000"/>
+                        </a:spcAft>
+                      </a:pPr>
+                      <a:r>
+                        <a:rPr lang="en-US" sz="1600">
+                          <a:effectLst/>
+                        </a:rPr>
+                        <a:t>Loan_ID</a:t>
+                      </a:r>
+                      <a:endParaRPr lang="hu-HU" sz="1400">
+                        <a:effectLst/>
+                        <a:latin typeface="Calibri" panose="020F0502020204030204" pitchFamily="34" charset="0"/>
+                        <a:ea typeface="Calibri" panose="020F0502020204030204" pitchFamily="34" charset="0"/>
+                        <a:cs typeface="Times New Roman" panose="02020603050405020304" pitchFamily="18" charset="0"/>
+                      </a:endParaRPr>
+                    </a:p>
+                  </a:txBody>
+                  <a:tcPr marL="9525" marR="9525" marT="9525" marB="9525" anchor="ctr"/>
+                </a:tc>
+                <a:tc>
+                  <a:txBody>
+                    <a:bodyPr/>
+                    <a:lstStyle/>
+                    <a:p>
+                      <a:pPr>
+                        <a:lnSpc>
+                          <a:spcPct val="115000"/>
+                        </a:lnSpc>
+                        <a:spcAft>
+                          <a:spcPts val="1000"/>
+                        </a:spcAft>
+                      </a:pPr>
+                      <a:r>
+                        <a:rPr lang="en-US" sz="1600">
+                          <a:effectLst/>
+                        </a:rPr>
+                        <a:t>Egyedi hitel azonosító</a:t>
+                      </a:r>
+                      <a:endParaRPr lang="hu-HU" sz="1400">
+                        <a:effectLst/>
+                        <a:latin typeface="Calibri" panose="020F0502020204030204" pitchFamily="34" charset="0"/>
+                        <a:ea typeface="Calibri" panose="020F0502020204030204" pitchFamily="34" charset="0"/>
+                        <a:cs typeface="Times New Roman" panose="02020603050405020304" pitchFamily="18" charset="0"/>
+                      </a:endParaRPr>
+                    </a:p>
+                  </a:txBody>
+                  <a:tcPr marL="9525" marR="9525" marT="9525" marB="9525" anchor="ctr"/>
+                </a:tc>
+                <a:extLst>
+                  <a:ext uri="{0D108BD9-81ED-4DB2-BD59-A6C34878D82A}">
+                    <a16:rowId xmlns:a16="http://schemas.microsoft.com/office/drawing/2014/main" val="3451400537"/>
+                  </a:ext>
+                </a:extLst>
+              </a:tr>
+              <a:tr h="287962">
+                <a:tc>
+                  <a:txBody>
+                    <a:bodyPr/>
+                    <a:lstStyle/>
+                    <a:p>
+                      <a:pPr>
+                        <a:lnSpc>
+                          <a:spcPct val="115000"/>
+                        </a:lnSpc>
+                        <a:spcAft>
+                          <a:spcPts val="1000"/>
+                        </a:spcAft>
+                      </a:pPr>
+                      <a:r>
+                        <a:rPr lang="en-US" sz="1600">
+                          <a:effectLst/>
+                        </a:rPr>
+                        <a:t>Gender</a:t>
+                      </a:r>
+                      <a:endParaRPr lang="hu-HU" sz="1400">
+                        <a:effectLst/>
+                        <a:latin typeface="Calibri" panose="020F0502020204030204" pitchFamily="34" charset="0"/>
+                        <a:ea typeface="Calibri" panose="020F0502020204030204" pitchFamily="34" charset="0"/>
+                        <a:cs typeface="Times New Roman" panose="02020603050405020304" pitchFamily="18" charset="0"/>
+                      </a:endParaRPr>
+                    </a:p>
+                  </a:txBody>
+                  <a:tcPr marL="9525" marR="9525" marT="9525" marB="9525" anchor="ctr"/>
+                </a:tc>
+                <a:tc>
+                  <a:txBody>
+                    <a:bodyPr/>
+                    <a:lstStyle/>
+                    <a:p>
+                      <a:pPr>
+                        <a:lnSpc>
+                          <a:spcPct val="115000"/>
+                        </a:lnSpc>
+                        <a:spcAft>
+                          <a:spcPts val="1000"/>
+                        </a:spcAft>
+                      </a:pPr>
+                      <a:r>
+                        <a:rPr lang="en-US" sz="1600">
+                          <a:effectLst/>
+                        </a:rPr>
+                        <a:t>Nem (Male/Female)</a:t>
+                      </a:r>
+                      <a:endParaRPr lang="hu-HU" sz="1400">
+                        <a:effectLst/>
+                        <a:latin typeface="Calibri" panose="020F0502020204030204" pitchFamily="34" charset="0"/>
+                        <a:ea typeface="Calibri" panose="020F0502020204030204" pitchFamily="34" charset="0"/>
+                        <a:cs typeface="Times New Roman" panose="02020603050405020304" pitchFamily="18" charset="0"/>
+                      </a:endParaRPr>
+                    </a:p>
+                  </a:txBody>
+                  <a:tcPr marL="9525" marR="9525" marT="9525" marB="9525" anchor="ctr"/>
+                </a:tc>
+                <a:extLst>
+                  <a:ext uri="{0D108BD9-81ED-4DB2-BD59-A6C34878D82A}">
+                    <a16:rowId xmlns:a16="http://schemas.microsoft.com/office/drawing/2014/main" val="152353729"/>
+                  </a:ext>
+                </a:extLst>
+              </a:tr>
+              <a:tr h="287962">
+                <a:tc>
+                  <a:txBody>
+                    <a:bodyPr/>
+                    <a:lstStyle/>
+                    <a:p>
+                      <a:pPr>
+                        <a:lnSpc>
+                          <a:spcPct val="115000"/>
+                        </a:lnSpc>
+                        <a:spcAft>
+                          <a:spcPts val="1000"/>
+                        </a:spcAft>
+                      </a:pPr>
+                      <a:r>
+                        <a:rPr lang="en-US" sz="1600">
+                          <a:effectLst/>
+                        </a:rPr>
+                        <a:t>Married</a:t>
+                      </a:r>
+                      <a:endParaRPr lang="hu-HU" sz="1400">
+                        <a:effectLst/>
+                        <a:latin typeface="Calibri" panose="020F0502020204030204" pitchFamily="34" charset="0"/>
+                        <a:ea typeface="Calibri" panose="020F0502020204030204" pitchFamily="34" charset="0"/>
+                        <a:cs typeface="Times New Roman" panose="02020603050405020304" pitchFamily="18" charset="0"/>
+                      </a:endParaRPr>
+                    </a:p>
+                  </a:txBody>
+                  <a:tcPr marL="9525" marR="9525" marT="9525" marB="9525" anchor="ctr"/>
+                </a:tc>
+                <a:tc>
+                  <a:txBody>
+                    <a:bodyPr/>
+                    <a:lstStyle/>
+                    <a:p>
+                      <a:pPr>
+                        <a:lnSpc>
+                          <a:spcPct val="115000"/>
+                        </a:lnSpc>
+                        <a:spcAft>
+                          <a:spcPts val="1000"/>
+                        </a:spcAft>
+                      </a:pPr>
+                      <a:r>
+                        <a:rPr lang="en-US" sz="1600" dirty="0">
+                          <a:effectLst/>
+                        </a:rPr>
+                        <a:t>Az </a:t>
+                      </a:r>
+                      <a:r>
+                        <a:rPr lang="en-US" sz="1600" dirty="0" err="1">
+                          <a:effectLst/>
+                        </a:rPr>
+                        <a:t>igénylő</a:t>
+                      </a:r>
+                      <a:r>
+                        <a:rPr lang="en-US" sz="1600" dirty="0">
+                          <a:effectLst/>
+                        </a:rPr>
+                        <a:t> </a:t>
+                      </a:r>
+                      <a:r>
+                        <a:rPr lang="en-US" sz="1600" dirty="0" err="1">
+                          <a:effectLst/>
+                        </a:rPr>
+                        <a:t>házas</a:t>
+                      </a:r>
+                      <a:r>
+                        <a:rPr lang="en-US" sz="1600" dirty="0">
+                          <a:effectLst/>
+                        </a:rPr>
+                        <a:t>-e? (Y/N)</a:t>
+                      </a:r>
+                      <a:endParaRPr lang="hu-HU" sz="1400" dirty="0">
+                        <a:effectLst/>
+                        <a:latin typeface="Calibri" panose="020F0502020204030204" pitchFamily="34" charset="0"/>
+                        <a:ea typeface="Calibri" panose="020F0502020204030204" pitchFamily="34" charset="0"/>
+                        <a:cs typeface="Times New Roman" panose="02020603050405020304" pitchFamily="18" charset="0"/>
+                      </a:endParaRPr>
+                    </a:p>
+                  </a:txBody>
+                  <a:tcPr marL="9525" marR="9525" marT="9525" marB="9525" anchor="ctr"/>
+                </a:tc>
+                <a:extLst>
+                  <a:ext uri="{0D108BD9-81ED-4DB2-BD59-A6C34878D82A}">
+                    <a16:rowId xmlns:a16="http://schemas.microsoft.com/office/drawing/2014/main" val="1648167178"/>
+                  </a:ext>
+                </a:extLst>
+              </a:tr>
+              <a:tr h="287962">
+                <a:tc>
+                  <a:txBody>
+                    <a:bodyPr/>
+                    <a:lstStyle/>
+                    <a:p>
+                      <a:pPr>
+                        <a:lnSpc>
+                          <a:spcPct val="115000"/>
+                        </a:lnSpc>
+                        <a:spcAft>
+                          <a:spcPts val="1000"/>
+                        </a:spcAft>
+                      </a:pPr>
+                      <a:r>
+                        <a:rPr lang="en-US" sz="1600">
+                          <a:effectLst/>
+                        </a:rPr>
+                        <a:t>Dependents</a:t>
+                      </a:r>
+                      <a:endParaRPr lang="hu-HU" sz="1400">
+                        <a:effectLst/>
+                        <a:latin typeface="Calibri" panose="020F0502020204030204" pitchFamily="34" charset="0"/>
+                        <a:ea typeface="Calibri" panose="020F0502020204030204" pitchFamily="34" charset="0"/>
+                        <a:cs typeface="Times New Roman" panose="02020603050405020304" pitchFamily="18" charset="0"/>
+                      </a:endParaRPr>
+                    </a:p>
+                  </a:txBody>
+                  <a:tcPr marL="9525" marR="9525" marT="9525" marB="9525" anchor="ctr"/>
+                </a:tc>
+                <a:tc>
+                  <a:txBody>
+                    <a:bodyPr/>
+                    <a:lstStyle/>
+                    <a:p>
+                      <a:pPr>
+                        <a:lnSpc>
+                          <a:spcPct val="115000"/>
+                        </a:lnSpc>
+                        <a:spcAft>
+                          <a:spcPts val="1000"/>
+                        </a:spcAft>
+                      </a:pPr>
+                      <a:r>
+                        <a:rPr lang="en-US" sz="1600">
+                          <a:effectLst/>
+                        </a:rPr>
+                        <a:t>Eltartottak száma</a:t>
+                      </a:r>
+                      <a:endParaRPr lang="hu-HU" sz="1400">
+                        <a:effectLst/>
+                        <a:latin typeface="Calibri" panose="020F0502020204030204" pitchFamily="34" charset="0"/>
+                        <a:ea typeface="Calibri" panose="020F0502020204030204" pitchFamily="34" charset="0"/>
+                        <a:cs typeface="Times New Roman" panose="02020603050405020304" pitchFamily="18" charset="0"/>
+                      </a:endParaRPr>
+                    </a:p>
+                  </a:txBody>
+                  <a:tcPr marL="9525" marR="9525" marT="9525" marB="9525" anchor="ctr"/>
+                </a:tc>
+                <a:extLst>
+                  <a:ext uri="{0D108BD9-81ED-4DB2-BD59-A6C34878D82A}">
+                    <a16:rowId xmlns:a16="http://schemas.microsoft.com/office/drawing/2014/main" val="1126428863"/>
+                  </a:ext>
+                </a:extLst>
+              </a:tr>
+              <a:tr h="568305">
+                <a:tc>
+                  <a:txBody>
+                    <a:bodyPr/>
+                    <a:lstStyle/>
+                    <a:p>
+                      <a:pPr>
+                        <a:lnSpc>
+                          <a:spcPct val="115000"/>
+                        </a:lnSpc>
+                        <a:spcAft>
+                          <a:spcPts val="1000"/>
+                        </a:spcAft>
+                      </a:pPr>
+                      <a:r>
+                        <a:rPr lang="en-US" sz="1600">
+                          <a:effectLst/>
+                        </a:rPr>
+                        <a:t>Education</a:t>
+                      </a:r>
+                      <a:endParaRPr lang="hu-HU" sz="1400">
+                        <a:effectLst/>
+                        <a:latin typeface="Calibri" panose="020F0502020204030204" pitchFamily="34" charset="0"/>
+                        <a:ea typeface="Calibri" panose="020F0502020204030204" pitchFamily="34" charset="0"/>
+                        <a:cs typeface="Times New Roman" panose="02020603050405020304" pitchFamily="18" charset="0"/>
+                      </a:endParaRPr>
+                    </a:p>
+                  </a:txBody>
+                  <a:tcPr marL="9525" marR="9525" marT="9525" marB="9525" anchor="ctr"/>
+                </a:tc>
+                <a:tc>
+                  <a:txBody>
+                    <a:bodyPr/>
+                    <a:lstStyle/>
+                    <a:p>
+                      <a:pPr>
+                        <a:lnSpc>
+                          <a:spcPct val="115000"/>
+                        </a:lnSpc>
+                        <a:spcAft>
+                          <a:spcPts val="1000"/>
+                        </a:spcAft>
+                      </a:pPr>
+                      <a:r>
+                        <a:rPr lang="en-US" sz="1600">
+                          <a:effectLst/>
+                        </a:rPr>
+                        <a:t>Igénylő iskolázottsága, végzettsége (Graduate/ Under Graduate)</a:t>
+                      </a:r>
+                      <a:endParaRPr lang="hu-HU" sz="1400">
+                        <a:effectLst/>
+                        <a:latin typeface="Calibri" panose="020F0502020204030204" pitchFamily="34" charset="0"/>
+                        <a:ea typeface="Calibri" panose="020F0502020204030204" pitchFamily="34" charset="0"/>
+                        <a:cs typeface="Times New Roman" panose="02020603050405020304" pitchFamily="18" charset="0"/>
+                      </a:endParaRPr>
+                    </a:p>
+                  </a:txBody>
+                  <a:tcPr marL="9525" marR="9525" marT="9525" marB="9525" anchor="ctr"/>
+                </a:tc>
+                <a:extLst>
+                  <a:ext uri="{0D108BD9-81ED-4DB2-BD59-A6C34878D82A}">
+                    <a16:rowId xmlns:a16="http://schemas.microsoft.com/office/drawing/2014/main" val="181803998"/>
+                  </a:ext>
+                </a:extLst>
+              </a:tr>
+              <a:tr h="287962">
+                <a:tc>
+                  <a:txBody>
+                    <a:bodyPr/>
+                    <a:lstStyle/>
+                    <a:p>
+                      <a:pPr>
+                        <a:lnSpc>
+                          <a:spcPct val="115000"/>
+                        </a:lnSpc>
+                        <a:spcAft>
+                          <a:spcPts val="1000"/>
+                        </a:spcAft>
+                      </a:pPr>
+                      <a:r>
+                        <a:rPr lang="en-US" sz="1600">
+                          <a:effectLst/>
+                        </a:rPr>
+                        <a:t>Self_Employed</a:t>
+                      </a:r>
+                      <a:endParaRPr lang="hu-HU" sz="1400">
+                        <a:effectLst/>
+                        <a:latin typeface="Calibri" panose="020F0502020204030204" pitchFamily="34" charset="0"/>
+                        <a:ea typeface="Calibri" panose="020F0502020204030204" pitchFamily="34" charset="0"/>
+                        <a:cs typeface="Times New Roman" panose="02020603050405020304" pitchFamily="18" charset="0"/>
+                      </a:endParaRPr>
+                    </a:p>
+                  </a:txBody>
+                  <a:tcPr marL="9525" marR="9525" marT="9525" marB="9525" anchor="ctr"/>
+                </a:tc>
+                <a:tc>
+                  <a:txBody>
+                    <a:bodyPr/>
+                    <a:lstStyle/>
+                    <a:p>
+                      <a:pPr>
+                        <a:lnSpc>
+                          <a:spcPct val="115000"/>
+                        </a:lnSpc>
+                        <a:spcAft>
+                          <a:spcPts val="1000"/>
+                        </a:spcAft>
+                      </a:pPr>
+                      <a:r>
+                        <a:rPr lang="en-US" sz="1600">
+                          <a:effectLst/>
+                        </a:rPr>
+                        <a:t>Önfoglalkoztatott-e? (Y/N)</a:t>
+                      </a:r>
+                      <a:endParaRPr lang="hu-HU" sz="1400">
+                        <a:effectLst/>
+                        <a:latin typeface="Calibri" panose="020F0502020204030204" pitchFamily="34" charset="0"/>
+                        <a:ea typeface="Calibri" panose="020F0502020204030204" pitchFamily="34" charset="0"/>
+                        <a:cs typeface="Times New Roman" panose="02020603050405020304" pitchFamily="18" charset="0"/>
+                      </a:endParaRPr>
+                    </a:p>
+                  </a:txBody>
+                  <a:tcPr marL="9525" marR="9525" marT="9525" marB="9525" anchor="ctr"/>
+                </a:tc>
+                <a:extLst>
+                  <a:ext uri="{0D108BD9-81ED-4DB2-BD59-A6C34878D82A}">
+                    <a16:rowId xmlns:a16="http://schemas.microsoft.com/office/drawing/2014/main" val="2415143350"/>
+                  </a:ext>
+                </a:extLst>
+              </a:tr>
+              <a:tr h="287962">
+                <a:tc>
+                  <a:txBody>
+                    <a:bodyPr/>
+                    <a:lstStyle/>
+                    <a:p>
+                      <a:pPr>
+                        <a:lnSpc>
+                          <a:spcPct val="115000"/>
+                        </a:lnSpc>
+                        <a:spcAft>
+                          <a:spcPts val="1000"/>
+                        </a:spcAft>
+                      </a:pPr>
+                      <a:r>
+                        <a:rPr lang="en-US" sz="1600">
+                          <a:effectLst/>
+                        </a:rPr>
+                        <a:t>ApplicantIncome</a:t>
+                      </a:r>
+                      <a:endParaRPr lang="hu-HU" sz="1400">
+                        <a:effectLst/>
+                        <a:latin typeface="Calibri" panose="020F0502020204030204" pitchFamily="34" charset="0"/>
+                        <a:ea typeface="Calibri" panose="020F0502020204030204" pitchFamily="34" charset="0"/>
+                        <a:cs typeface="Times New Roman" panose="02020603050405020304" pitchFamily="18" charset="0"/>
+                      </a:endParaRPr>
+                    </a:p>
+                  </a:txBody>
+                  <a:tcPr marL="9525" marR="9525" marT="9525" marB="9525" anchor="ctr"/>
+                </a:tc>
+                <a:tc>
+                  <a:txBody>
+                    <a:bodyPr/>
+                    <a:lstStyle/>
+                    <a:p>
+                      <a:pPr>
+                        <a:lnSpc>
+                          <a:spcPct val="115000"/>
+                        </a:lnSpc>
+                        <a:spcAft>
+                          <a:spcPts val="1000"/>
+                        </a:spcAft>
+                      </a:pPr>
+                      <a:r>
+                        <a:rPr lang="en-US" sz="1600">
+                          <a:effectLst/>
+                        </a:rPr>
+                        <a:t>Igénylő havi bevétele</a:t>
+                      </a:r>
+                      <a:endParaRPr lang="hu-HU" sz="1400">
+                        <a:effectLst/>
+                        <a:latin typeface="Calibri" panose="020F0502020204030204" pitchFamily="34" charset="0"/>
+                        <a:ea typeface="Calibri" panose="020F0502020204030204" pitchFamily="34" charset="0"/>
+                        <a:cs typeface="Times New Roman" panose="02020603050405020304" pitchFamily="18" charset="0"/>
+                      </a:endParaRPr>
+                    </a:p>
+                  </a:txBody>
+                  <a:tcPr marL="9525" marR="9525" marT="9525" marB="9525" anchor="ctr"/>
+                </a:tc>
+                <a:extLst>
+                  <a:ext uri="{0D108BD9-81ED-4DB2-BD59-A6C34878D82A}">
+                    <a16:rowId xmlns:a16="http://schemas.microsoft.com/office/drawing/2014/main" val="2496894070"/>
+                  </a:ext>
+                </a:extLst>
+              </a:tr>
+              <a:tr h="568305">
+                <a:tc>
+                  <a:txBody>
+                    <a:bodyPr/>
+                    <a:lstStyle/>
+                    <a:p>
+                      <a:pPr>
+                        <a:lnSpc>
+                          <a:spcPct val="115000"/>
+                        </a:lnSpc>
+                        <a:spcAft>
+                          <a:spcPts val="1000"/>
+                        </a:spcAft>
+                      </a:pPr>
+                      <a:r>
+                        <a:rPr lang="en-US" sz="1600">
+                          <a:effectLst/>
+                        </a:rPr>
+                        <a:t>CoapplicantIncome</a:t>
+                      </a:r>
+                      <a:endParaRPr lang="hu-HU" sz="1400">
+                        <a:effectLst/>
+                        <a:latin typeface="Calibri" panose="020F0502020204030204" pitchFamily="34" charset="0"/>
+                        <a:ea typeface="Calibri" panose="020F0502020204030204" pitchFamily="34" charset="0"/>
+                        <a:cs typeface="Times New Roman" panose="02020603050405020304" pitchFamily="18" charset="0"/>
+                      </a:endParaRPr>
+                    </a:p>
+                  </a:txBody>
+                  <a:tcPr marL="9525" marR="9525" marT="9525" marB="9525" anchor="ctr"/>
+                </a:tc>
+                <a:tc>
+                  <a:txBody>
+                    <a:bodyPr/>
+                    <a:lstStyle/>
+                    <a:p>
+                      <a:pPr>
+                        <a:lnSpc>
+                          <a:spcPct val="115000"/>
+                        </a:lnSpc>
+                        <a:spcAft>
+                          <a:spcPts val="1000"/>
+                        </a:spcAft>
+                      </a:pPr>
+                      <a:r>
+                        <a:rPr lang="en-US" sz="1600">
+                          <a:effectLst/>
+                        </a:rPr>
+                        <a:t>Igénylőtárs bevétele</a:t>
+                      </a:r>
+                      <a:endParaRPr lang="hu-HU" sz="1400">
+                        <a:effectLst/>
+                        <a:latin typeface="Calibri" panose="020F0502020204030204" pitchFamily="34" charset="0"/>
+                        <a:ea typeface="Calibri" panose="020F0502020204030204" pitchFamily="34" charset="0"/>
+                        <a:cs typeface="Times New Roman" panose="02020603050405020304" pitchFamily="18" charset="0"/>
+                      </a:endParaRPr>
+                    </a:p>
+                  </a:txBody>
+                  <a:tcPr marL="9525" marR="9525" marT="9525" marB="9525" anchor="ctr"/>
+                </a:tc>
+                <a:extLst>
+                  <a:ext uri="{0D108BD9-81ED-4DB2-BD59-A6C34878D82A}">
+                    <a16:rowId xmlns:a16="http://schemas.microsoft.com/office/drawing/2014/main" val="1288251100"/>
+                  </a:ext>
+                </a:extLst>
+              </a:tr>
+              <a:tr h="287962">
+                <a:tc>
+                  <a:txBody>
+                    <a:bodyPr/>
+                    <a:lstStyle/>
+                    <a:p>
+                      <a:pPr>
+                        <a:lnSpc>
+                          <a:spcPct val="115000"/>
+                        </a:lnSpc>
+                        <a:spcAft>
+                          <a:spcPts val="1000"/>
+                        </a:spcAft>
+                      </a:pPr>
+                      <a:r>
+                        <a:rPr lang="en-US" sz="1600">
+                          <a:effectLst/>
+                        </a:rPr>
+                        <a:t>LoanAmount</a:t>
+                      </a:r>
+                      <a:endParaRPr lang="hu-HU" sz="1400">
+                        <a:effectLst/>
+                        <a:latin typeface="Calibri" panose="020F0502020204030204" pitchFamily="34" charset="0"/>
+                        <a:ea typeface="Calibri" panose="020F0502020204030204" pitchFamily="34" charset="0"/>
+                        <a:cs typeface="Times New Roman" panose="02020603050405020304" pitchFamily="18" charset="0"/>
+                      </a:endParaRPr>
+                    </a:p>
+                  </a:txBody>
+                  <a:tcPr marL="9525" marR="9525" marT="9525" marB="9525" anchor="ctr"/>
+                </a:tc>
+                <a:tc>
+                  <a:txBody>
+                    <a:bodyPr/>
+                    <a:lstStyle/>
+                    <a:p>
+                      <a:pPr>
+                        <a:lnSpc>
+                          <a:spcPct val="115000"/>
+                        </a:lnSpc>
+                        <a:spcAft>
+                          <a:spcPts val="1000"/>
+                        </a:spcAft>
+                      </a:pPr>
+                      <a:r>
+                        <a:rPr lang="en-US" sz="1600">
+                          <a:effectLst/>
+                        </a:rPr>
+                        <a:t>Hitelösszeg (ezer $)</a:t>
+                      </a:r>
+                      <a:endParaRPr lang="hu-HU" sz="1400">
+                        <a:effectLst/>
+                        <a:latin typeface="Calibri" panose="020F0502020204030204" pitchFamily="34" charset="0"/>
+                        <a:ea typeface="Calibri" panose="020F0502020204030204" pitchFamily="34" charset="0"/>
+                        <a:cs typeface="Times New Roman" panose="02020603050405020304" pitchFamily="18" charset="0"/>
+                      </a:endParaRPr>
+                    </a:p>
+                  </a:txBody>
+                  <a:tcPr marL="9525" marR="9525" marT="9525" marB="9525" anchor="ctr"/>
+                </a:tc>
+                <a:extLst>
+                  <a:ext uri="{0D108BD9-81ED-4DB2-BD59-A6C34878D82A}">
+                    <a16:rowId xmlns:a16="http://schemas.microsoft.com/office/drawing/2014/main" val="873984280"/>
+                  </a:ext>
+                </a:extLst>
+              </a:tr>
+              <a:tr h="568305">
+                <a:tc>
+                  <a:txBody>
+                    <a:bodyPr/>
+                    <a:lstStyle/>
+                    <a:p>
+                      <a:pPr>
+                        <a:lnSpc>
+                          <a:spcPct val="115000"/>
+                        </a:lnSpc>
+                        <a:spcAft>
+                          <a:spcPts val="1000"/>
+                        </a:spcAft>
+                      </a:pPr>
+                      <a:r>
+                        <a:rPr lang="en-US" sz="1600">
+                          <a:effectLst/>
+                        </a:rPr>
+                        <a:t>Loan_Amount_Term</a:t>
+                      </a:r>
+                      <a:endParaRPr lang="hu-HU" sz="1400">
+                        <a:effectLst/>
+                        <a:latin typeface="Calibri" panose="020F0502020204030204" pitchFamily="34" charset="0"/>
+                        <a:ea typeface="Calibri" panose="020F0502020204030204" pitchFamily="34" charset="0"/>
+                        <a:cs typeface="Times New Roman" panose="02020603050405020304" pitchFamily="18" charset="0"/>
+                      </a:endParaRPr>
+                    </a:p>
+                  </a:txBody>
+                  <a:tcPr marL="9525" marR="9525" marT="9525" marB="9525" anchor="ctr"/>
+                </a:tc>
+                <a:tc>
+                  <a:txBody>
+                    <a:bodyPr/>
+                    <a:lstStyle/>
+                    <a:p>
+                      <a:pPr>
+                        <a:lnSpc>
+                          <a:spcPct val="115000"/>
+                        </a:lnSpc>
+                        <a:spcAft>
+                          <a:spcPts val="1000"/>
+                        </a:spcAft>
+                      </a:pPr>
+                      <a:r>
+                        <a:rPr lang="en-US" sz="1600">
+                          <a:effectLst/>
+                        </a:rPr>
+                        <a:t>A hitel futamideje hónapokban</a:t>
+                      </a:r>
+                      <a:endParaRPr lang="hu-HU" sz="1400">
+                        <a:effectLst/>
+                        <a:latin typeface="Calibri" panose="020F0502020204030204" pitchFamily="34" charset="0"/>
+                        <a:ea typeface="Calibri" panose="020F0502020204030204" pitchFamily="34" charset="0"/>
+                        <a:cs typeface="Times New Roman" panose="02020603050405020304" pitchFamily="18" charset="0"/>
+                      </a:endParaRPr>
+                    </a:p>
+                  </a:txBody>
+                  <a:tcPr marL="9525" marR="9525" marT="9525" marB="9525" anchor="ctr"/>
+                </a:tc>
+                <a:extLst>
+                  <a:ext uri="{0D108BD9-81ED-4DB2-BD59-A6C34878D82A}">
+                    <a16:rowId xmlns:a16="http://schemas.microsoft.com/office/drawing/2014/main" val="610005844"/>
+                  </a:ext>
+                </a:extLst>
+              </a:tr>
+              <a:tr h="287962">
+                <a:tc>
+                  <a:txBody>
+                    <a:bodyPr/>
+                    <a:lstStyle/>
+                    <a:p>
+                      <a:pPr>
+                        <a:lnSpc>
+                          <a:spcPct val="115000"/>
+                        </a:lnSpc>
+                        <a:spcAft>
+                          <a:spcPts val="1000"/>
+                        </a:spcAft>
+                      </a:pPr>
+                      <a:r>
+                        <a:rPr lang="en-US" sz="1600">
+                          <a:effectLst/>
+                        </a:rPr>
+                        <a:t>Credit_History</a:t>
+                      </a:r>
+                      <a:endParaRPr lang="hu-HU" sz="1400">
+                        <a:effectLst/>
+                        <a:latin typeface="Calibri" panose="020F0502020204030204" pitchFamily="34" charset="0"/>
+                        <a:ea typeface="Calibri" panose="020F0502020204030204" pitchFamily="34" charset="0"/>
+                        <a:cs typeface="Times New Roman" panose="02020603050405020304" pitchFamily="18" charset="0"/>
+                      </a:endParaRPr>
+                    </a:p>
+                  </a:txBody>
+                  <a:tcPr marL="9525" marR="9525" marT="9525" marB="9525" anchor="ctr"/>
+                </a:tc>
+                <a:tc>
+                  <a:txBody>
+                    <a:bodyPr/>
+                    <a:lstStyle/>
+                    <a:p>
+                      <a:pPr>
+                        <a:lnSpc>
+                          <a:spcPct val="115000"/>
+                        </a:lnSpc>
+                        <a:spcAft>
+                          <a:spcPts val="1000"/>
+                        </a:spcAft>
+                      </a:pPr>
+                      <a:r>
+                        <a:rPr lang="en-US" sz="1600">
+                          <a:effectLst/>
+                        </a:rPr>
+                        <a:t>Hiteltörténet (1 ha van, 0, ha nincs)</a:t>
+                      </a:r>
+                      <a:endParaRPr lang="hu-HU" sz="1400">
+                        <a:effectLst/>
+                        <a:latin typeface="Calibri" panose="020F0502020204030204" pitchFamily="34" charset="0"/>
+                        <a:ea typeface="Calibri" panose="020F0502020204030204" pitchFamily="34" charset="0"/>
+                        <a:cs typeface="Times New Roman" panose="02020603050405020304" pitchFamily="18" charset="0"/>
+                      </a:endParaRPr>
+                    </a:p>
+                  </a:txBody>
+                  <a:tcPr marL="9525" marR="9525" marT="9525" marB="9525" anchor="ctr"/>
+                </a:tc>
+                <a:extLst>
+                  <a:ext uri="{0D108BD9-81ED-4DB2-BD59-A6C34878D82A}">
+                    <a16:rowId xmlns:a16="http://schemas.microsoft.com/office/drawing/2014/main" val="1423219324"/>
+                  </a:ext>
+                </a:extLst>
+              </a:tr>
+              <a:tr h="287962">
+                <a:tc>
+                  <a:txBody>
+                    <a:bodyPr/>
+                    <a:lstStyle/>
+                    <a:p>
+                      <a:pPr>
+                        <a:lnSpc>
+                          <a:spcPct val="115000"/>
+                        </a:lnSpc>
+                        <a:spcAft>
+                          <a:spcPts val="1000"/>
+                        </a:spcAft>
+                      </a:pPr>
+                      <a:r>
+                        <a:rPr lang="en-US" sz="1600">
+                          <a:effectLst/>
+                        </a:rPr>
+                        <a:t>Property_Area</a:t>
+                      </a:r>
+                      <a:endParaRPr lang="hu-HU" sz="1400">
+                        <a:effectLst/>
+                        <a:latin typeface="Calibri" panose="020F0502020204030204" pitchFamily="34" charset="0"/>
+                        <a:ea typeface="Calibri" panose="020F0502020204030204" pitchFamily="34" charset="0"/>
+                        <a:cs typeface="Times New Roman" panose="02020603050405020304" pitchFamily="18" charset="0"/>
+                      </a:endParaRPr>
+                    </a:p>
+                  </a:txBody>
+                  <a:tcPr marL="9525" marR="9525" marT="9525" marB="9525" anchor="ctr"/>
+                </a:tc>
+                <a:tc>
+                  <a:txBody>
+                    <a:bodyPr/>
+                    <a:lstStyle/>
+                    <a:p>
+                      <a:pPr>
+                        <a:lnSpc>
+                          <a:spcPct val="115000"/>
+                        </a:lnSpc>
+                        <a:spcAft>
+                          <a:spcPts val="1000"/>
+                        </a:spcAft>
+                      </a:pPr>
+                      <a:r>
+                        <a:rPr lang="en-US" sz="1600">
+                          <a:effectLst/>
+                        </a:rPr>
+                        <a:t>Ingatlan lakókörnyezete: Urban/ Semi Urban/ Rural</a:t>
+                      </a:r>
+                      <a:endParaRPr lang="hu-HU" sz="1400">
+                        <a:effectLst/>
+                        <a:latin typeface="Calibri" panose="020F0502020204030204" pitchFamily="34" charset="0"/>
+                        <a:ea typeface="Calibri" panose="020F0502020204030204" pitchFamily="34" charset="0"/>
+                        <a:cs typeface="Times New Roman" panose="02020603050405020304" pitchFamily="18" charset="0"/>
+                      </a:endParaRPr>
+                    </a:p>
+                  </a:txBody>
+                  <a:tcPr marL="9525" marR="9525" marT="9525" marB="9525" anchor="ctr"/>
+                </a:tc>
+                <a:extLst>
+                  <a:ext uri="{0D108BD9-81ED-4DB2-BD59-A6C34878D82A}">
+                    <a16:rowId xmlns:a16="http://schemas.microsoft.com/office/drawing/2014/main" val="3582862313"/>
+                  </a:ext>
+                </a:extLst>
+              </a:tr>
+              <a:tr h="287962">
+                <a:tc>
+                  <a:txBody>
+                    <a:bodyPr/>
+                    <a:lstStyle/>
+                    <a:p>
+                      <a:pPr>
+                        <a:lnSpc>
+                          <a:spcPct val="115000"/>
+                        </a:lnSpc>
+                        <a:spcAft>
+                          <a:spcPts val="1000"/>
+                        </a:spcAft>
+                      </a:pPr>
+                      <a:r>
+                        <a:rPr lang="en-US" sz="1600">
+                          <a:effectLst/>
+                        </a:rPr>
+                        <a:t>Loan_Status</a:t>
+                      </a:r>
+                      <a:endParaRPr lang="hu-HU" sz="1400">
+                        <a:effectLst/>
+                        <a:latin typeface="Calibri" panose="020F0502020204030204" pitchFamily="34" charset="0"/>
+                        <a:ea typeface="Calibri" panose="020F0502020204030204" pitchFamily="34" charset="0"/>
+                        <a:cs typeface="Times New Roman" panose="02020603050405020304" pitchFamily="18" charset="0"/>
+                      </a:endParaRPr>
+                    </a:p>
+                  </a:txBody>
+                  <a:tcPr marL="9525" marR="9525" marT="9525" marB="9525" anchor="ctr"/>
+                </a:tc>
+                <a:tc>
+                  <a:txBody>
+                    <a:bodyPr/>
+                    <a:lstStyle/>
+                    <a:p>
+                      <a:pPr>
+                        <a:lnSpc>
+                          <a:spcPct val="115000"/>
+                        </a:lnSpc>
+                        <a:spcAft>
+                          <a:spcPts val="1000"/>
+                        </a:spcAft>
+                      </a:pPr>
+                      <a:r>
+                        <a:rPr lang="en-US" sz="1600" dirty="0" err="1">
+                          <a:effectLst/>
+                        </a:rPr>
+                        <a:t>Hitelkérelmet</a:t>
+                      </a:r>
+                      <a:r>
+                        <a:rPr lang="en-US" sz="1600" dirty="0">
+                          <a:effectLst/>
+                        </a:rPr>
+                        <a:t> </a:t>
+                      </a:r>
+                      <a:r>
+                        <a:rPr lang="en-US" sz="1600" dirty="0" err="1">
+                          <a:effectLst/>
+                        </a:rPr>
+                        <a:t>elfogadták</a:t>
+                      </a:r>
+                      <a:r>
+                        <a:rPr lang="en-US" sz="1600" dirty="0">
+                          <a:effectLst/>
+                        </a:rPr>
+                        <a:t>-e? (0/1)</a:t>
+                      </a:r>
+                      <a:endParaRPr lang="hu-HU" sz="1400" dirty="0">
+                        <a:effectLst/>
+                        <a:latin typeface="Calibri" panose="020F0502020204030204" pitchFamily="34" charset="0"/>
+                        <a:ea typeface="Calibri" panose="020F0502020204030204" pitchFamily="34" charset="0"/>
+                        <a:cs typeface="Times New Roman" panose="02020603050405020304" pitchFamily="18" charset="0"/>
+                      </a:endParaRPr>
+                    </a:p>
+                  </a:txBody>
+                  <a:tcPr marL="9525" marR="9525" marT="9525" marB="9525" anchor="ctr"/>
+                </a:tc>
+                <a:extLst>
+                  <a:ext uri="{0D108BD9-81ED-4DB2-BD59-A6C34878D82A}">
+                    <a16:rowId xmlns:a16="http://schemas.microsoft.com/office/drawing/2014/main" val="2802171658"/>
+                  </a:ext>
+                </a:extLst>
+              </a:tr>
+            </a:tbl>
+          </a:graphicData>
+        </a:graphic>
+      </p:graphicFrame>
+    </p:spTree>
+    <p:extLst>
+      <p:ext uri="{BB962C8B-B14F-4D97-AF65-F5344CB8AC3E}">
+        <p14:creationId xmlns:p14="http://schemas.microsoft.com/office/powerpoint/2010/main" val="3350276010"/>
+      </p:ext>
+    </p:extLst>
+  </p:cSld>
+  <p:clrMapOvr>
+    <a:masterClrMapping/>
+  </p:clrMapOvr>
+</p:sld>
+</file>
+
+<file path=ppt/slides/slide26.xml><?xml version="1.0" encoding="utf-8"?>
+<p:sld xmlns:a="http://schemas.openxmlformats.org/drawingml/2006/main" xmlns:r="http://schemas.openxmlformats.org/officeDocument/2006/relationships" xmlns:p="http://schemas.openxmlformats.org/presentationml/2006/main">
+  <p:cSld>
+    <p:spTree>
+      <p:nvGrpSpPr>
+        <p:cNvPr id="1" name=""/>
+        <p:cNvGrpSpPr/>
+        <p:nvPr/>
+      </p:nvGrpSpPr>
+      <p:grpSpPr>
+        <a:xfrm>
+          <a:off x="0" y="0"/>
+          <a:ext cx="0" cy="0"/>
+          <a:chOff x="0" y="0"/>
+          <a:chExt cx="0" cy="0"/>
+        </a:xfrm>
+      </p:grpSpPr>
+      <p:sp>
+        <p:nvSpPr>
+          <p:cNvPr id="2" name="Cím 1">
+            <a:extLst>
+              <a:ext uri="{FF2B5EF4-FFF2-40B4-BE49-F238E27FC236}">
+                <a16:creationId xmlns:a16="http://schemas.microsoft.com/office/drawing/2014/main" id="{C271AAD6-30FE-4232-8C1B-B2250C429477}"/>
+              </a:ext>
+            </a:extLst>
+          </p:cNvPr>
+          <p:cNvSpPr>
+            <a:spLocks noGrp="1"/>
+          </p:cNvSpPr>
+          <p:nvPr>
+            <p:ph type="title"/>
+          </p:nvPr>
+        </p:nvSpPr>
+        <p:spPr/>
+        <p:txBody>
+          <a:bodyPr/>
+          <a:lstStyle/>
+          <a:p>
+            <a:r>
+              <a:rPr lang="hu-HU" dirty="0"/>
+              <a:t>Hitelkérelem</a:t>
+            </a:r>
+          </a:p>
+        </p:txBody>
+      </p:sp>
+      <p:sp>
+        <p:nvSpPr>
+          <p:cNvPr id="3" name="Tartalom helye 2">
+            <a:extLst>
+              <a:ext uri="{FF2B5EF4-FFF2-40B4-BE49-F238E27FC236}">
+                <a16:creationId xmlns:a16="http://schemas.microsoft.com/office/drawing/2014/main" id="{0B4DBABA-8382-4C50-B7FF-40E3DB12AE6E}"/>
+              </a:ext>
+            </a:extLst>
+          </p:cNvPr>
+          <p:cNvSpPr>
+            <a:spLocks noGrp="1"/>
+          </p:cNvSpPr>
+          <p:nvPr>
+            <p:ph idx="1"/>
+          </p:nvPr>
+        </p:nvSpPr>
+        <p:spPr/>
+        <p:txBody>
+          <a:bodyPr/>
+          <a:lstStyle/>
+          <a:p>
+            <a:r>
+              <a:rPr lang="hu-HU" dirty="0"/>
+              <a:t>Mi a hitelkérelem folyamata?</a:t>
+            </a:r>
+          </a:p>
+          <a:p>
+            <a:r>
+              <a:rPr lang="hu-HU" dirty="0"/>
+              <a:t>Hogyan, milyen szempontok alapján bírálnak el hitelkérelmet?</a:t>
+            </a:r>
+          </a:p>
+          <a:p>
+            <a:r>
+              <a:rPr lang="hu-HU" dirty="0"/>
+              <a:t>Melyek lehetnek azok a tényezők, amelyek meghatározzák (előre jelezhetik), hogy ki milyen adós?</a:t>
+            </a:r>
+          </a:p>
+          <a:p>
+            <a:r>
+              <a:rPr lang="hu-HU" dirty="0"/>
+              <a:t>Az adósbesorolásnak milyen fokozatai lehetnek?</a:t>
+            </a:r>
+          </a:p>
+          <a:p>
+            <a:r>
+              <a:rPr lang="hu-HU" dirty="0"/>
+              <a:t>Vannak olyan paraméterek, melyekből előre tudom jelezni, hogy ki mennyire lesz képes visszafizetni a hitelét?</a:t>
+            </a:r>
+          </a:p>
+          <a:p>
+            <a:r>
+              <a:rPr lang="hu-HU" dirty="0"/>
+              <a:t>Vannak olyan paraméterek, melyek meghatározzák, hogy mennyi egy </a:t>
+            </a:r>
+            <a:r>
+              <a:rPr lang="hu-HU"/>
+              <a:t>ügyfél fizetése.</a:t>
+            </a:r>
+          </a:p>
+        </p:txBody>
+      </p:sp>
+    </p:spTree>
+    <p:extLst>
+      <p:ext uri="{BB962C8B-B14F-4D97-AF65-F5344CB8AC3E}">
+        <p14:creationId xmlns:p14="http://schemas.microsoft.com/office/powerpoint/2010/main" val="1874210433"/>
+      </p:ext>
+    </p:extLst>
+  </p:cSld>
+  <p:clrMapOvr>
+    <a:masterClrMapping/>
+  </p:clrMapOvr>
+</p:sld>
+</file>
+
+<file path=ppt/slides/slide27.xml><?xml version="1.0" encoding="utf-8"?>
+<p:sld xmlns:a="http://schemas.openxmlformats.org/drawingml/2006/main" xmlns:r="http://schemas.openxmlformats.org/officeDocument/2006/relationships" xmlns:p="http://schemas.openxmlformats.org/presentationml/2006/main">
+  <p:cSld>
+    <p:spTree>
+      <p:nvGrpSpPr>
+        <p:cNvPr id="1" name=""/>
+        <p:cNvGrpSpPr/>
+        <p:nvPr/>
+      </p:nvGrpSpPr>
+      <p:grpSpPr>
+        <a:xfrm>
+          <a:off x="0" y="0"/>
+          <a:ext cx="0" cy="0"/>
+          <a:chOff x="0" y="0"/>
+          <a:chExt cx="0" cy="0"/>
+        </a:xfrm>
+      </p:grpSpPr>
+      <p:sp>
+        <p:nvSpPr>
+          <p:cNvPr id="5" name="Cím 4">
+            <a:extLst>
+              <a:ext uri="{FF2B5EF4-FFF2-40B4-BE49-F238E27FC236}">
+                <a16:creationId xmlns:a16="http://schemas.microsoft.com/office/drawing/2014/main" id="{E7B55BA7-C2F9-4931-9F8A-159763F0A610}"/>
+              </a:ext>
+            </a:extLst>
+          </p:cNvPr>
+          <p:cNvSpPr>
+            <a:spLocks noGrp="1"/>
+          </p:cNvSpPr>
+          <p:nvPr>
+            <p:ph type="title"/>
+          </p:nvPr>
+        </p:nvSpPr>
+        <p:spPr/>
+        <p:txBody>
+          <a:bodyPr>
+            <a:normAutofit fontScale="90000"/>
+          </a:bodyPr>
+          <a:lstStyle/>
+          <a:p>
+            <a:r>
+              <a:rPr lang="hu-HU" dirty="0"/>
+              <a:t>Hiányzó értékek és alapvető statisztikai információk</a:t>
+            </a:r>
+          </a:p>
+        </p:txBody>
+      </p:sp>
+      <p:sp>
+        <p:nvSpPr>
+          <p:cNvPr id="6" name="Tartalom helye 5">
+            <a:extLst>
+              <a:ext uri="{FF2B5EF4-FFF2-40B4-BE49-F238E27FC236}">
+                <a16:creationId xmlns:a16="http://schemas.microsoft.com/office/drawing/2014/main" id="{72641962-9E8E-4591-8325-B9EBFEA4CC44}"/>
+              </a:ext>
+            </a:extLst>
+          </p:cNvPr>
+          <p:cNvSpPr>
+            <a:spLocks noGrp="1"/>
+          </p:cNvSpPr>
+          <p:nvPr>
+            <p:ph idx="1"/>
+          </p:nvPr>
+        </p:nvSpPr>
+        <p:spPr/>
+        <p:txBody>
+          <a:bodyPr/>
+          <a:lstStyle/>
+          <a:p>
+            <a:r>
+              <a:rPr lang="hu-HU" dirty="0"/>
+              <a:t>A </a:t>
+            </a:r>
+            <a:r>
+              <a:rPr lang="hu-HU" dirty="0" err="1"/>
+              <a:t>Pandas</a:t>
+            </a:r>
+            <a:r>
+              <a:rPr lang="hu-HU" dirty="0"/>
+              <a:t> </a:t>
+            </a:r>
+            <a:r>
+              <a:rPr lang="hu-HU" dirty="0" err="1"/>
+              <a:t>describe</a:t>
+            </a:r>
+            <a:r>
+              <a:rPr lang="hu-HU" dirty="0"/>
+              <a:t>() függvénye a </a:t>
+            </a:r>
+            <a:r>
+              <a:rPr lang="hu-HU" dirty="0" err="1"/>
+              <a:t>DataFrame</a:t>
+            </a:r>
+            <a:r>
+              <a:rPr lang="hu-HU" dirty="0"/>
+              <a:t> számokat tartalmazó adatairól ad nekünk egy gyors áttekintést.</a:t>
+            </a:r>
+          </a:p>
+          <a:p>
+            <a:endParaRPr lang="hu-HU" dirty="0"/>
+          </a:p>
+          <a:p>
+            <a:r>
+              <a:rPr lang="hu-HU" dirty="0"/>
+              <a:t>Mit </a:t>
+            </a:r>
+            <a:r>
+              <a:rPr lang="hu-HU" dirty="0" err="1"/>
+              <a:t>vehetünk</a:t>
+            </a:r>
+            <a:r>
+              <a:rPr lang="hu-HU" dirty="0"/>
+              <a:t> észre általánosságban?</a:t>
+            </a:r>
+          </a:p>
+          <a:p>
+            <a:pPr lvl="1"/>
+            <a:r>
+              <a:rPr lang="hu-HU" dirty="0"/>
+              <a:t>Hiányzó adatokat</a:t>
+            </a:r>
+          </a:p>
+          <a:p>
+            <a:pPr lvl="1"/>
+            <a:r>
+              <a:rPr lang="hu-HU" dirty="0"/>
+              <a:t>Statisztikai információkat kapunk: </a:t>
+            </a:r>
+            <a:r>
+              <a:rPr lang="hu-HU" dirty="0" err="1"/>
+              <a:t>count</a:t>
+            </a:r>
+            <a:r>
+              <a:rPr lang="hu-HU" dirty="0"/>
+              <a:t>, </a:t>
+            </a:r>
+            <a:r>
+              <a:rPr lang="hu-HU" dirty="0" err="1"/>
+              <a:t>mean</a:t>
+            </a:r>
+            <a:r>
+              <a:rPr lang="hu-HU" dirty="0"/>
+              <a:t>, </a:t>
+            </a:r>
+            <a:r>
+              <a:rPr lang="hu-HU" dirty="0" err="1"/>
+              <a:t>std</a:t>
+            </a:r>
+            <a:r>
+              <a:rPr lang="hu-HU" dirty="0"/>
+              <a:t>, min, </a:t>
+            </a:r>
+            <a:r>
+              <a:rPr lang="hu-HU" dirty="0" err="1"/>
+              <a:t>max</a:t>
+            </a:r>
+            <a:r>
+              <a:rPr lang="hu-HU" dirty="0"/>
+              <a:t>, 25%, 50%, 75%, </a:t>
+            </a:r>
+            <a:r>
+              <a:rPr lang="hu-HU" dirty="0" err="1"/>
+              <a:t>max</a:t>
+            </a:r>
+            <a:r>
+              <a:rPr lang="hu-HU" dirty="0"/>
+              <a:t>.</a:t>
+            </a:r>
+          </a:p>
+          <a:p>
+            <a:endParaRPr lang="hu-HU" dirty="0"/>
+          </a:p>
+          <a:p>
+            <a:r>
+              <a:rPr lang="hu-HU" dirty="0"/>
+              <a:t>Jelen esetben: </a:t>
+            </a:r>
+          </a:p>
+        </p:txBody>
+      </p:sp>
+      <p:sp>
+        <p:nvSpPr>
+          <p:cNvPr id="4" name="Dia számának helye 3">
+            <a:extLst>
+              <a:ext uri="{FF2B5EF4-FFF2-40B4-BE49-F238E27FC236}">
+                <a16:creationId xmlns:a16="http://schemas.microsoft.com/office/drawing/2014/main" id="{E5466E75-D45A-4280-92CB-AF70461F01C7}"/>
+              </a:ext>
+            </a:extLst>
+          </p:cNvPr>
+          <p:cNvSpPr>
+            <a:spLocks noGrp="1"/>
+          </p:cNvSpPr>
+          <p:nvPr>
+            <p:ph type="sldNum" sz="quarter" idx="12"/>
+          </p:nvPr>
+        </p:nvSpPr>
+        <p:spPr/>
+        <p:txBody>
+          <a:bodyPr/>
+          <a:lstStyle/>
+          <a:p>
+            <a:fld id="{6D22F896-40B5-4ADD-8801-0D06FADFA095}" type="slidenum">
+              <a:rPr lang="en-US" smtClean="0"/>
+              <a:t>27</a:t>
+            </a:fld>
+            <a:endParaRPr lang="en-US" dirty="0"/>
+          </a:p>
+        </p:txBody>
+      </p:sp>
+      <p:graphicFrame>
+        <p:nvGraphicFramePr>
+          <p:cNvPr id="7" name="Táblázat 6">
+            <a:extLst>
+              <a:ext uri="{FF2B5EF4-FFF2-40B4-BE49-F238E27FC236}">
+                <a16:creationId xmlns:a16="http://schemas.microsoft.com/office/drawing/2014/main" id="{75C3E5CE-2A38-49BB-AF8F-8F8895D24ACF}"/>
+              </a:ext>
+            </a:extLst>
+          </p:cNvPr>
+          <p:cNvGraphicFramePr>
+            <a:graphicFrameLocks noGrp="1"/>
+          </p:cNvGraphicFramePr>
+          <p:nvPr/>
+        </p:nvGraphicFramePr>
+        <p:xfrm>
+          <a:off x="791679" y="3926268"/>
+          <a:ext cx="10515600" cy="2613156"/>
+        </p:xfrm>
+        <a:graphic>
+          <a:graphicData uri="http://schemas.openxmlformats.org/drawingml/2006/table">
+            <a:tbl>
+              <a:tblPr firstRow="1" firstCol="1" bandRow="1">
+                <a:tableStyleId>{5C22544A-7EE6-4342-B048-85BDC9FD1C3A}</a:tableStyleId>
+              </a:tblPr>
+              <a:tblGrid>
+                <a:gridCol w="1752600">
+                  <a:extLst>
+                    <a:ext uri="{9D8B030D-6E8A-4147-A177-3AD203B41FA5}">
+                      <a16:colId xmlns:a16="http://schemas.microsoft.com/office/drawing/2014/main" val="3468085326"/>
+                    </a:ext>
+                  </a:extLst>
+                </a:gridCol>
+                <a:gridCol w="1752600">
+                  <a:extLst>
+                    <a:ext uri="{9D8B030D-6E8A-4147-A177-3AD203B41FA5}">
+                      <a16:colId xmlns:a16="http://schemas.microsoft.com/office/drawing/2014/main" val="20928158"/>
+                    </a:ext>
+                  </a:extLst>
+                </a:gridCol>
+                <a:gridCol w="1752600">
+                  <a:extLst>
+                    <a:ext uri="{9D8B030D-6E8A-4147-A177-3AD203B41FA5}">
+                      <a16:colId xmlns:a16="http://schemas.microsoft.com/office/drawing/2014/main" val="2320720817"/>
+                    </a:ext>
+                  </a:extLst>
+                </a:gridCol>
+                <a:gridCol w="1752600">
+                  <a:extLst>
+                    <a:ext uri="{9D8B030D-6E8A-4147-A177-3AD203B41FA5}">
+                      <a16:colId xmlns:a16="http://schemas.microsoft.com/office/drawing/2014/main" val="3698194080"/>
+                    </a:ext>
+                  </a:extLst>
+                </a:gridCol>
+                <a:gridCol w="1752600">
+                  <a:extLst>
+                    <a:ext uri="{9D8B030D-6E8A-4147-A177-3AD203B41FA5}">
+                      <a16:colId xmlns:a16="http://schemas.microsoft.com/office/drawing/2014/main" val="2742573684"/>
+                    </a:ext>
+                  </a:extLst>
+                </a:gridCol>
+                <a:gridCol w="1752600">
+                  <a:extLst>
+                    <a:ext uri="{9D8B030D-6E8A-4147-A177-3AD203B41FA5}">
+                      <a16:colId xmlns:a16="http://schemas.microsoft.com/office/drawing/2014/main" val="881020029"/>
+                    </a:ext>
+                  </a:extLst>
+                </a:gridCol>
+              </a:tblGrid>
+              <a:tr h="0">
+                <a:tc>
+                  <a:txBody>
+                    <a:bodyPr/>
+                    <a:lstStyle/>
+                    <a:p>
+                      <a:pPr>
+                        <a:lnSpc>
+                          <a:spcPct val="115000"/>
+                        </a:lnSpc>
+                      </a:pPr>
+                      <a:endParaRPr lang="hu-HU" sz="2000">
+                        <a:effectLst/>
+                        <a:latin typeface="Calibri" panose="020F0502020204030204" pitchFamily="34" charset="0"/>
+                        <a:cs typeface="Times New Roman" panose="02020603050405020304" pitchFamily="18" charset="0"/>
+                      </a:endParaRPr>
+                    </a:p>
+                  </a:txBody>
+                  <a:tcPr marL="9525" marR="9525" marT="9525" marB="9525" anchor="ctr"/>
+                </a:tc>
+                <a:tc>
+                  <a:txBody>
+                    <a:bodyPr/>
+                    <a:lstStyle/>
+                    <a:p>
+                      <a:pPr algn="ctr">
+                        <a:lnSpc>
+                          <a:spcPct val="115000"/>
+                        </a:lnSpc>
+                        <a:spcAft>
+                          <a:spcPts val="0"/>
+                        </a:spcAft>
+                      </a:pPr>
+                      <a:r>
+                        <a:rPr lang="hu-HU" sz="1600">
+                          <a:effectLst/>
+                        </a:rPr>
+                        <a:t>ApplicantIncome</a:t>
+                      </a:r>
+                      <a:endParaRPr lang="hu-HU" sz="2000">
+                        <a:effectLst/>
+                        <a:latin typeface="Calibri" panose="020F0502020204030204" pitchFamily="34" charset="0"/>
+                        <a:ea typeface="Calibri" panose="020F0502020204030204" pitchFamily="34" charset="0"/>
+                        <a:cs typeface="Times New Roman" panose="02020603050405020304" pitchFamily="18" charset="0"/>
+                      </a:endParaRPr>
+                    </a:p>
+                  </a:txBody>
+                  <a:tcPr marL="9525" marR="9525" marT="9525" marB="9525" anchor="ctr"/>
+                </a:tc>
+                <a:tc>
+                  <a:txBody>
+                    <a:bodyPr/>
+                    <a:lstStyle/>
+                    <a:p>
+                      <a:pPr algn="ctr">
+                        <a:lnSpc>
+                          <a:spcPct val="115000"/>
+                        </a:lnSpc>
+                        <a:spcAft>
+                          <a:spcPts val="0"/>
+                        </a:spcAft>
+                      </a:pPr>
+                      <a:r>
+                        <a:rPr lang="hu-HU" sz="1600">
+                          <a:effectLst/>
+                        </a:rPr>
+                        <a:t>CoapplicantIncome</a:t>
+                      </a:r>
+                      <a:endParaRPr lang="hu-HU" sz="2000">
+                        <a:effectLst/>
+                        <a:latin typeface="Calibri" panose="020F0502020204030204" pitchFamily="34" charset="0"/>
+                        <a:ea typeface="Calibri" panose="020F0502020204030204" pitchFamily="34" charset="0"/>
+                        <a:cs typeface="Times New Roman" panose="02020603050405020304" pitchFamily="18" charset="0"/>
+                      </a:endParaRPr>
+                    </a:p>
+                  </a:txBody>
+                  <a:tcPr marL="9525" marR="9525" marT="9525" marB="9525" anchor="ctr"/>
+                </a:tc>
+                <a:tc>
+                  <a:txBody>
+                    <a:bodyPr/>
+                    <a:lstStyle/>
+                    <a:p>
+                      <a:pPr algn="ctr">
+                        <a:lnSpc>
+                          <a:spcPct val="115000"/>
+                        </a:lnSpc>
+                        <a:spcAft>
+                          <a:spcPts val="0"/>
+                        </a:spcAft>
+                      </a:pPr>
+                      <a:r>
+                        <a:rPr lang="hu-HU" sz="1600">
+                          <a:effectLst/>
+                        </a:rPr>
+                        <a:t>LoanAmount</a:t>
+                      </a:r>
+                      <a:endParaRPr lang="hu-HU" sz="2000">
+                        <a:effectLst/>
+                        <a:latin typeface="Calibri" panose="020F0502020204030204" pitchFamily="34" charset="0"/>
+                        <a:ea typeface="Calibri" panose="020F0502020204030204" pitchFamily="34" charset="0"/>
+                        <a:cs typeface="Times New Roman" panose="02020603050405020304" pitchFamily="18" charset="0"/>
+                      </a:endParaRPr>
+                    </a:p>
+                  </a:txBody>
+                  <a:tcPr marL="9525" marR="9525" marT="9525" marB="9525" anchor="ctr"/>
+                </a:tc>
+                <a:tc>
+                  <a:txBody>
+                    <a:bodyPr/>
+                    <a:lstStyle/>
+                    <a:p>
+                      <a:pPr algn="ctr">
+                        <a:lnSpc>
+                          <a:spcPct val="115000"/>
+                        </a:lnSpc>
+                        <a:spcAft>
+                          <a:spcPts val="0"/>
+                        </a:spcAft>
+                      </a:pPr>
+                      <a:r>
+                        <a:rPr lang="hu-HU" sz="1600">
+                          <a:effectLst/>
+                        </a:rPr>
+                        <a:t>Loan_Amount_Term</a:t>
+                      </a:r>
+                      <a:endParaRPr lang="hu-HU" sz="2000">
+                        <a:effectLst/>
+                        <a:latin typeface="Calibri" panose="020F0502020204030204" pitchFamily="34" charset="0"/>
+                        <a:ea typeface="Calibri" panose="020F0502020204030204" pitchFamily="34" charset="0"/>
+                        <a:cs typeface="Times New Roman" panose="02020603050405020304" pitchFamily="18" charset="0"/>
+                      </a:endParaRPr>
+                    </a:p>
+                  </a:txBody>
+                  <a:tcPr marL="9525" marR="9525" marT="9525" marB="9525" anchor="ctr"/>
+                </a:tc>
+                <a:tc>
+                  <a:txBody>
+                    <a:bodyPr/>
+                    <a:lstStyle/>
+                    <a:p>
+                      <a:pPr algn="ctr">
+                        <a:lnSpc>
+                          <a:spcPct val="115000"/>
+                        </a:lnSpc>
+                        <a:spcAft>
+                          <a:spcPts val="0"/>
+                        </a:spcAft>
+                      </a:pPr>
+                      <a:r>
+                        <a:rPr lang="hu-HU" sz="1600">
+                          <a:effectLst/>
+                        </a:rPr>
+                        <a:t>Credit_History</a:t>
+                      </a:r>
+                      <a:endParaRPr lang="hu-HU" sz="2000">
+                        <a:effectLst/>
+                        <a:latin typeface="Calibri" panose="020F0502020204030204" pitchFamily="34" charset="0"/>
+                        <a:ea typeface="Calibri" panose="020F0502020204030204" pitchFamily="34" charset="0"/>
+                        <a:cs typeface="Times New Roman" panose="02020603050405020304" pitchFamily="18" charset="0"/>
+                      </a:endParaRPr>
+                    </a:p>
+                  </a:txBody>
+                  <a:tcPr marL="9525" marR="9525" marT="9525" marB="9525" anchor="ctr"/>
+                </a:tc>
+                <a:extLst>
+                  <a:ext uri="{0D108BD9-81ED-4DB2-BD59-A6C34878D82A}">
+                    <a16:rowId xmlns:a16="http://schemas.microsoft.com/office/drawing/2014/main" val="3774780712"/>
+                  </a:ext>
+                </a:extLst>
+              </a:tr>
+              <a:tr h="0">
+                <a:tc>
+                  <a:txBody>
+                    <a:bodyPr/>
+                    <a:lstStyle/>
+                    <a:p>
+                      <a:pPr algn="ctr">
+                        <a:lnSpc>
+                          <a:spcPct val="115000"/>
+                        </a:lnSpc>
+                        <a:spcAft>
+                          <a:spcPts val="0"/>
+                        </a:spcAft>
+                      </a:pPr>
+                      <a:r>
+                        <a:rPr lang="hu-HU" sz="1600">
+                          <a:effectLst/>
+                        </a:rPr>
+                        <a:t>count</a:t>
+                      </a:r>
+                      <a:endParaRPr lang="hu-HU" sz="2000">
+                        <a:effectLst/>
+                        <a:latin typeface="Calibri" panose="020F0502020204030204" pitchFamily="34" charset="0"/>
+                        <a:ea typeface="Calibri" panose="020F0502020204030204" pitchFamily="34" charset="0"/>
+                        <a:cs typeface="Times New Roman" panose="02020603050405020304" pitchFamily="18" charset="0"/>
+                      </a:endParaRPr>
+                    </a:p>
+                  </a:txBody>
+                  <a:tcPr marL="9525" marR="9525" marT="9525" marB="9525" anchor="ctr"/>
+                </a:tc>
+                <a:tc>
+                  <a:txBody>
+                    <a:bodyPr/>
+                    <a:lstStyle/>
+                    <a:p>
+                      <a:pPr>
+                        <a:lnSpc>
+                          <a:spcPct val="115000"/>
+                        </a:lnSpc>
+                        <a:spcAft>
+                          <a:spcPts val="0"/>
+                        </a:spcAft>
+                      </a:pPr>
+                      <a:r>
+                        <a:rPr lang="hu-HU" sz="1600">
+                          <a:effectLst/>
+                        </a:rPr>
+                        <a:t>614.000000</a:t>
+                      </a:r>
+                      <a:endParaRPr lang="hu-HU" sz="2000">
+                        <a:effectLst/>
+                        <a:latin typeface="Calibri" panose="020F0502020204030204" pitchFamily="34" charset="0"/>
+                        <a:ea typeface="Calibri" panose="020F0502020204030204" pitchFamily="34" charset="0"/>
+                        <a:cs typeface="Times New Roman" panose="02020603050405020304" pitchFamily="18" charset="0"/>
+                      </a:endParaRPr>
+                    </a:p>
+                  </a:txBody>
+                  <a:tcPr marL="9525" marR="9525" marT="9525" marB="9525" anchor="ctr"/>
+                </a:tc>
+                <a:tc>
+                  <a:txBody>
+                    <a:bodyPr/>
+                    <a:lstStyle/>
+                    <a:p>
+                      <a:pPr>
+                        <a:lnSpc>
+                          <a:spcPct val="115000"/>
+                        </a:lnSpc>
+                        <a:spcAft>
+                          <a:spcPts val="0"/>
+                        </a:spcAft>
+                      </a:pPr>
+                      <a:r>
+                        <a:rPr lang="hu-HU" sz="1600">
+                          <a:effectLst/>
+                        </a:rPr>
+                        <a:t>614.000000</a:t>
+                      </a:r>
+                      <a:endParaRPr lang="hu-HU" sz="2000">
+                        <a:effectLst/>
+                        <a:latin typeface="Calibri" panose="020F0502020204030204" pitchFamily="34" charset="0"/>
+                        <a:ea typeface="Calibri" panose="020F0502020204030204" pitchFamily="34" charset="0"/>
+                        <a:cs typeface="Times New Roman" panose="02020603050405020304" pitchFamily="18" charset="0"/>
+                      </a:endParaRPr>
+                    </a:p>
+                  </a:txBody>
+                  <a:tcPr marL="9525" marR="9525" marT="9525" marB="9525" anchor="ctr"/>
+                </a:tc>
+                <a:tc>
+                  <a:txBody>
+                    <a:bodyPr/>
+                    <a:lstStyle/>
+                    <a:p>
+                      <a:pPr>
+                        <a:lnSpc>
+                          <a:spcPct val="115000"/>
+                        </a:lnSpc>
+                        <a:spcAft>
+                          <a:spcPts val="0"/>
+                        </a:spcAft>
+                      </a:pPr>
+                      <a:r>
+                        <a:rPr lang="hu-HU" sz="1600">
+                          <a:effectLst/>
+                        </a:rPr>
+                        <a:t>592.000000</a:t>
+                      </a:r>
+                      <a:endParaRPr lang="hu-HU" sz="2000">
+                        <a:effectLst/>
+                        <a:latin typeface="Calibri" panose="020F0502020204030204" pitchFamily="34" charset="0"/>
+                        <a:ea typeface="Calibri" panose="020F0502020204030204" pitchFamily="34" charset="0"/>
+                        <a:cs typeface="Times New Roman" panose="02020603050405020304" pitchFamily="18" charset="0"/>
+                      </a:endParaRPr>
+                    </a:p>
+                  </a:txBody>
+                  <a:tcPr marL="9525" marR="9525" marT="9525" marB="9525" anchor="ctr"/>
+                </a:tc>
+                <a:tc>
+                  <a:txBody>
+                    <a:bodyPr/>
+                    <a:lstStyle/>
+                    <a:p>
+                      <a:pPr>
+                        <a:lnSpc>
+                          <a:spcPct val="115000"/>
+                        </a:lnSpc>
+                        <a:spcAft>
+                          <a:spcPts val="0"/>
+                        </a:spcAft>
+                      </a:pPr>
+                      <a:r>
+                        <a:rPr lang="hu-HU" sz="1600">
+                          <a:effectLst/>
+                        </a:rPr>
+                        <a:t>600.00000</a:t>
+                      </a:r>
+                      <a:endParaRPr lang="hu-HU" sz="2000">
+                        <a:effectLst/>
+                        <a:latin typeface="Calibri" panose="020F0502020204030204" pitchFamily="34" charset="0"/>
+                        <a:ea typeface="Calibri" panose="020F0502020204030204" pitchFamily="34" charset="0"/>
+                        <a:cs typeface="Times New Roman" panose="02020603050405020304" pitchFamily="18" charset="0"/>
+                      </a:endParaRPr>
+                    </a:p>
+                  </a:txBody>
+                  <a:tcPr marL="9525" marR="9525" marT="9525" marB="9525" anchor="ctr"/>
+                </a:tc>
+                <a:tc>
+                  <a:txBody>
+                    <a:bodyPr/>
+                    <a:lstStyle/>
+                    <a:p>
+                      <a:pPr>
+                        <a:lnSpc>
+                          <a:spcPct val="115000"/>
+                        </a:lnSpc>
+                        <a:spcAft>
+                          <a:spcPts val="0"/>
+                        </a:spcAft>
+                      </a:pPr>
+                      <a:r>
+                        <a:rPr lang="hu-HU" sz="1600">
+                          <a:effectLst/>
+                        </a:rPr>
+                        <a:t>564.000000</a:t>
+                      </a:r>
+                      <a:endParaRPr lang="hu-HU" sz="2000">
+                        <a:effectLst/>
+                        <a:latin typeface="Calibri" panose="020F0502020204030204" pitchFamily="34" charset="0"/>
+                        <a:ea typeface="Calibri" panose="020F0502020204030204" pitchFamily="34" charset="0"/>
+                        <a:cs typeface="Times New Roman" panose="02020603050405020304" pitchFamily="18" charset="0"/>
+                      </a:endParaRPr>
+                    </a:p>
+                  </a:txBody>
+                  <a:tcPr marL="9525" marR="9525" marT="9525" marB="9525" anchor="ctr"/>
+                </a:tc>
+                <a:extLst>
+                  <a:ext uri="{0D108BD9-81ED-4DB2-BD59-A6C34878D82A}">
+                    <a16:rowId xmlns:a16="http://schemas.microsoft.com/office/drawing/2014/main" val="2689863985"/>
+                  </a:ext>
+                </a:extLst>
+              </a:tr>
+              <a:tr h="0">
+                <a:tc>
+                  <a:txBody>
+                    <a:bodyPr/>
+                    <a:lstStyle/>
+                    <a:p>
+                      <a:pPr algn="ctr">
+                        <a:lnSpc>
+                          <a:spcPct val="115000"/>
+                        </a:lnSpc>
+                        <a:spcAft>
+                          <a:spcPts val="0"/>
+                        </a:spcAft>
+                      </a:pPr>
+                      <a:r>
+                        <a:rPr lang="hu-HU" sz="1600">
+                          <a:effectLst/>
+                        </a:rPr>
+                        <a:t>mean</a:t>
+                      </a:r>
+                      <a:endParaRPr lang="hu-HU" sz="2000">
+                        <a:effectLst/>
+                        <a:latin typeface="Calibri" panose="020F0502020204030204" pitchFamily="34" charset="0"/>
+                        <a:ea typeface="Calibri" panose="020F0502020204030204" pitchFamily="34" charset="0"/>
+                        <a:cs typeface="Times New Roman" panose="02020603050405020304" pitchFamily="18" charset="0"/>
+                      </a:endParaRPr>
+                    </a:p>
+                  </a:txBody>
+                  <a:tcPr marL="9525" marR="9525" marT="9525" marB="9525" anchor="ctr"/>
+                </a:tc>
+                <a:tc>
+                  <a:txBody>
+                    <a:bodyPr/>
+                    <a:lstStyle/>
+                    <a:p>
+                      <a:pPr>
+                        <a:lnSpc>
+                          <a:spcPct val="115000"/>
+                        </a:lnSpc>
+                        <a:spcAft>
+                          <a:spcPts val="0"/>
+                        </a:spcAft>
+                      </a:pPr>
+                      <a:r>
+                        <a:rPr lang="hu-HU" sz="1600">
+                          <a:effectLst/>
+                        </a:rPr>
+                        <a:t>5403.459283</a:t>
+                      </a:r>
+                      <a:endParaRPr lang="hu-HU" sz="2000">
+                        <a:effectLst/>
+                        <a:latin typeface="Calibri" panose="020F0502020204030204" pitchFamily="34" charset="0"/>
+                        <a:ea typeface="Calibri" panose="020F0502020204030204" pitchFamily="34" charset="0"/>
+                        <a:cs typeface="Times New Roman" panose="02020603050405020304" pitchFamily="18" charset="0"/>
+                      </a:endParaRPr>
+                    </a:p>
+                  </a:txBody>
+                  <a:tcPr marL="9525" marR="9525" marT="9525" marB="9525" anchor="ctr"/>
+                </a:tc>
+                <a:tc>
+                  <a:txBody>
+                    <a:bodyPr/>
+                    <a:lstStyle/>
+                    <a:p>
+                      <a:pPr>
+                        <a:lnSpc>
+                          <a:spcPct val="115000"/>
+                        </a:lnSpc>
+                        <a:spcAft>
+                          <a:spcPts val="0"/>
+                        </a:spcAft>
+                      </a:pPr>
+                      <a:r>
+                        <a:rPr lang="hu-HU" sz="1600">
+                          <a:effectLst/>
+                        </a:rPr>
+                        <a:t>1621.245798</a:t>
+                      </a:r>
+                      <a:endParaRPr lang="hu-HU" sz="2000">
+                        <a:effectLst/>
+                        <a:latin typeface="Calibri" panose="020F0502020204030204" pitchFamily="34" charset="0"/>
+                        <a:ea typeface="Calibri" panose="020F0502020204030204" pitchFamily="34" charset="0"/>
+                        <a:cs typeface="Times New Roman" panose="02020603050405020304" pitchFamily="18" charset="0"/>
+                      </a:endParaRPr>
+                    </a:p>
+                  </a:txBody>
+                  <a:tcPr marL="9525" marR="9525" marT="9525" marB="9525" anchor="ctr"/>
+                </a:tc>
+                <a:tc>
+                  <a:txBody>
+                    <a:bodyPr/>
+                    <a:lstStyle/>
+                    <a:p>
+                      <a:pPr>
+                        <a:lnSpc>
+                          <a:spcPct val="115000"/>
+                        </a:lnSpc>
+                        <a:spcAft>
+                          <a:spcPts val="0"/>
+                        </a:spcAft>
+                      </a:pPr>
+                      <a:r>
+                        <a:rPr lang="hu-HU" sz="1600">
+                          <a:effectLst/>
+                        </a:rPr>
+                        <a:t>146.412162</a:t>
+                      </a:r>
+                      <a:endParaRPr lang="hu-HU" sz="2000">
+                        <a:effectLst/>
+                        <a:latin typeface="Calibri" panose="020F0502020204030204" pitchFamily="34" charset="0"/>
+                        <a:ea typeface="Calibri" panose="020F0502020204030204" pitchFamily="34" charset="0"/>
+                        <a:cs typeface="Times New Roman" panose="02020603050405020304" pitchFamily="18" charset="0"/>
+                      </a:endParaRPr>
+                    </a:p>
+                  </a:txBody>
+                  <a:tcPr marL="9525" marR="9525" marT="9525" marB="9525" anchor="ctr"/>
+                </a:tc>
+                <a:tc>
+                  <a:txBody>
+                    <a:bodyPr/>
+                    <a:lstStyle/>
+                    <a:p>
+                      <a:pPr>
+                        <a:lnSpc>
+                          <a:spcPct val="115000"/>
+                        </a:lnSpc>
+                        <a:spcAft>
+                          <a:spcPts val="0"/>
+                        </a:spcAft>
+                      </a:pPr>
+                      <a:r>
+                        <a:rPr lang="hu-HU" sz="1600">
+                          <a:effectLst/>
+                        </a:rPr>
+                        <a:t>342.00000</a:t>
+                      </a:r>
+                      <a:endParaRPr lang="hu-HU" sz="2000">
+                        <a:effectLst/>
+                        <a:latin typeface="Calibri" panose="020F0502020204030204" pitchFamily="34" charset="0"/>
+                        <a:ea typeface="Calibri" panose="020F0502020204030204" pitchFamily="34" charset="0"/>
+                        <a:cs typeface="Times New Roman" panose="02020603050405020304" pitchFamily="18" charset="0"/>
+                      </a:endParaRPr>
+                    </a:p>
+                  </a:txBody>
+                  <a:tcPr marL="9525" marR="9525" marT="9525" marB="9525" anchor="ctr"/>
+                </a:tc>
+                <a:tc>
+                  <a:txBody>
+                    <a:bodyPr/>
+                    <a:lstStyle/>
+                    <a:p>
+                      <a:pPr>
+                        <a:lnSpc>
+                          <a:spcPct val="115000"/>
+                        </a:lnSpc>
+                        <a:spcAft>
+                          <a:spcPts val="0"/>
+                        </a:spcAft>
+                      </a:pPr>
+                      <a:r>
+                        <a:rPr lang="hu-HU" sz="1600">
+                          <a:effectLst/>
+                        </a:rPr>
+                        <a:t>0.842199</a:t>
+                      </a:r>
+                      <a:endParaRPr lang="hu-HU" sz="2000">
+                        <a:effectLst/>
+                        <a:latin typeface="Calibri" panose="020F0502020204030204" pitchFamily="34" charset="0"/>
+                        <a:ea typeface="Calibri" panose="020F0502020204030204" pitchFamily="34" charset="0"/>
+                        <a:cs typeface="Times New Roman" panose="02020603050405020304" pitchFamily="18" charset="0"/>
+                      </a:endParaRPr>
+                    </a:p>
+                  </a:txBody>
+                  <a:tcPr marL="9525" marR="9525" marT="9525" marB="9525" anchor="ctr"/>
+                </a:tc>
+                <a:extLst>
+                  <a:ext uri="{0D108BD9-81ED-4DB2-BD59-A6C34878D82A}">
+                    <a16:rowId xmlns:a16="http://schemas.microsoft.com/office/drawing/2014/main" val="3958657788"/>
+                  </a:ext>
+                </a:extLst>
+              </a:tr>
+              <a:tr h="0">
+                <a:tc>
+                  <a:txBody>
+                    <a:bodyPr/>
+                    <a:lstStyle/>
+                    <a:p>
+                      <a:pPr algn="ctr">
+                        <a:lnSpc>
+                          <a:spcPct val="115000"/>
+                        </a:lnSpc>
+                        <a:spcAft>
+                          <a:spcPts val="0"/>
+                        </a:spcAft>
+                      </a:pPr>
+                      <a:r>
+                        <a:rPr lang="hu-HU" sz="1600">
+                          <a:effectLst/>
+                        </a:rPr>
+                        <a:t>std</a:t>
+                      </a:r>
+                      <a:endParaRPr lang="hu-HU" sz="2000">
+                        <a:effectLst/>
+                        <a:latin typeface="Calibri" panose="020F0502020204030204" pitchFamily="34" charset="0"/>
+                        <a:ea typeface="Calibri" panose="020F0502020204030204" pitchFamily="34" charset="0"/>
+                        <a:cs typeface="Times New Roman" panose="02020603050405020304" pitchFamily="18" charset="0"/>
+                      </a:endParaRPr>
+                    </a:p>
+                  </a:txBody>
+                  <a:tcPr marL="9525" marR="9525" marT="9525" marB="9525" anchor="ctr"/>
+                </a:tc>
+                <a:tc>
+                  <a:txBody>
+                    <a:bodyPr/>
+                    <a:lstStyle/>
+                    <a:p>
+                      <a:pPr>
+                        <a:lnSpc>
+                          <a:spcPct val="115000"/>
+                        </a:lnSpc>
+                        <a:spcAft>
+                          <a:spcPts val="0"/>
+                        </a:spcAft>
+                      </a:pPr>
+                      <a:r>
+                        <a:rPr lang="hu-HU" sz="1600">
+                          <a:effectLst/>
+                        </a:rPr>
+                        <a:t>6109.041673</a:t>
+                      </a:r>
+                      <a:endParaRPr lang="hu-HU" sz="2000">
+                        <a:effectLst/>
+                        <a:latin typeface="Calibri" panose="020F0502020204030204" pitchFamily="34" charset="0"/>
+                        <a:ea typeface="Calibri" panose="020F0502020204030204" pitchFamily="34" charset="0"/>
+                        <a:cs typeface="Times New Roman" panose="02020603050405020304" pitchFamily="18" charset="0"/>
+                      </a:endParaRPr>
+                    </a:p>
+                  </a:txBody>
+                  <a:tcPr marL="9525" marR="9525" marT="9525" marB="9525" anchor="ctr"/>
+                </a:tc>
+                <a:tc>
+                  <a:txBody>
+                    <a:bodyPr/>
+                    <a:lstStyle/>
+                    <a:p>
+                      <a:pPr>
+                        <a:lnSpc>
+                          <a:spcPct val="115000"/>
+                        </a:lnSpc>
+                        <a:spcAft>
+                          <a:spcPts val="0"/>
+                        </a:spcAft>
+                      </a:pPr>
+                      <a:r>
+                        <a:rPr lang="hu-HU" sz="1600">
+                          <a:effectLst/>
+                        </a:rPr>
+                        <a:t>2926.248369</a:t>
+                      </a:r>
+                      <a:endParaRPr lang="hu-HU" sz="2000">
+                        <a:effectLst/>
+                        <a:latin typeface="Calibri" panose="020F0502020204030204" pitchFamily="34" charset="0"/>
+                        <a:ea typeface="Calibri" panose="020F0502020204030204" pitchFamily="34" charset="0"/>
+                        <a:cs typeface="Times New Roman" panose="02020603050405020304" pitchFamily="18" charset="0"/>
+                      </a:endParaRPr>
+                    </a:p>
+                  </a:txBody>
+                  <a:tcPr marL="9525" marR="9525" marT="9525" marB="9525" anchor="ctr"/>
+                </a:tc>
+                <a:tc>
+                  <a:txBody>
+                    <a:bodyPr/>
+                    <a:lstStyle/>
+                    <a:p>
+                      <a:pPr>
+                        <a:lnSpc>
+                          <a:spcPct val="115000"/>
+                        </a:lnSpc>
+                        <a:spcAft>
+                          <a:spcPts val="0"/>
+                        </a:spcAft>
+                      </a:pPr>
+                      <a:r>
+                        <a:rPr lang="hu-HU" sz="1600">
+                          <a:effectLst/>
+                        </a:rPr>
+                        <a:t>85.587325</a:t>
+                      </a:r>
+                      <a:endParaRPr lang="hu-HU" sz="2000">
+                        <a:effectLst/>
+                        <a:latin typeface="Calibri" panose="020F0502020204030204" pitchFamily="34" charset="0"/>
+                        <a:ea typeface="Calibri" panose="020F0502020204030204" pitchFamily="34" charset="0"/>
+                        <a:cs typeface="Times New Roman" panose="02020603050405020304" pitchFamily="18" charset="0"/>
+                      </a:endParaRPr>
+                    </a:p>
+                  </a:txBody>
+                  <a:tcPr marL="9525" marR="9525" marT="9525" marB="9525" anchor="ctr"/>
+                </a:tc>
+                <a:tc>
+                  <a:txBody>
+                    <a:bodyPr/>
+                    <a:lstStyle/>
+                    <a:p>
+                      <a:pPr>
+                        <a:lnSpc>
+                          <a:spcPct val="115000"/>
+                        </a:lnSpc>
+                        <a:spcAft>
+                          <a:spcPts val="0"/>
+                        </a:spcAft>
+                      </a:pPr>
+                      <a:r>
+                        <a:rPr lang="hu-HU" sz="1600">
+                          <a:effectLst/>
+                        </a:rPr>
+                        <a:t>65.12041</a:t>
+                      </a:r>
+                      <a:endParaRPr lang="hu-HU" sz="2000">
+                        <a:effectLst/>
+                        <a:latin typeface="Calibri" panose="020F0502020204030204" pitchFamily="34" charset="0"/>
+                        <a:ea typeface="Calibri" panose="020F0502020204030204" pitchFamily="34" charset="0"/>
+                        <a:cs typeface="Times New Roman" panose="02020603050405020304" pitchFamily="18" charset="0"/>
+                      </a:endParaRPr>
+                    </a:p>
+                  </a:txBody>
+                  <a:tcPr marL="9525" marR="9525" marT="9525" marB="9525" anchor="ctr"/>
+                </a:tc>
+                <a:tc>
+                  <a:txBody>
+                    <a:bodyPr/>
+                    <a:lstStyle/>
+                    <a:p>
+                      <a:pPr>
+                        <a:lnSpc>
+                          <a:spcPct val="115000"/>
+                        </a:lnSpc>
+                        <a:spcAft>
+                          <a:spcPts val="0"/>
+                        </a:spcAft>
+                      </a:pPr>
+                      <a:r>
+                        <a:rPr lang="hu-HU" sz="1600">
+                          <a:effectLst/>
+                        </a:rPr>
+                        <a:t>0.364878</a:t>
+                      </a:r>
+                      <a:endParaRPr lang="hu-HU" sz="2000">
+                        <a:effectLst/>
+                        <a:latin typeface="Calibri" panose="020F0502020204030204" pitchFamily="34" charset="0"/>
+                        <a:ea typeface="Calibri" panose="020F0502020204030204" pitchFamily="34" charset="0"/>
+                        <a:cs typeface="Times New Roman" panose="02020603050405020304" pitchFamily="18" charset="0"/>
+                      </a:endParaRPr>
+                    </a:p>
+                  </a:txBody>
+                  <a:tcPr marL="9525" marR="9525" marT="9525" marB="9525" anchor="ctr"/>
+                </a:tc>
+                <a:extLst>
+                  <a:ext uri="{0D108BD9-81ED-4DB2-BD59-A6C34878D82A}">
+                    <a16:rowId xmlns:a16="http://schemas.microsoft.com/office/drawing/2014/main" val="2470415515"/>
+                  </a:ext>
+                </a:extLst>
+              </a:tr>
+              <a:tr h="0">
+                <a:tc>
+                  <a:txBody>
+                    <a:bodyPr/>
+                    <a:lstStyle/>
+                    <a:p>
+                      <a:pPr algn="ctr">
+                        <a:lnSpc>
+                          <a:spcPct val="115000"/>
+                        </a:lnSpc>
+                        <a:spcAft>
+                          <a:spcPts val="0"/>
+                        </a:spcAft>
+                      </a:pPr>
+                      <a:r>
+                        <a:rPr lang="hu-HU" sz="1600">
+                          <a:effectLst/>
+                        </a:rPr>
+                        <a:t>min</a:t>
+                      </a:r>
+                      <a:endParaRPr lang="hu-HU" sz="2000">
+                        <a:effectLst/>
+                        <a:latin typeface="Calibri" panose="020F0502020204030204" pitchFamily="34" charset="0"/>
+                        <a:ea typeface="Calibri" panose="020F0502020204030204" pitchFamily="34" charset="0"/>
+                        <a:cs typeface="Times New Roman" panose="02020603050405020304" pitchFamily="18" charset="0"/>
+                      </a:endParaRPr>
+                    </a:p>
+                  </a:txBody>
+                  <a:tcPr marL="9525" marR="9525" marT="9525" marB="9525" anchor="ctr"/>
+                </a:tc>
+                <a:tc>
+                  <a:txBody>
+                    <a:bodyPr/>
+                    <a:lstStyle/>
+                    <a:p>
+                      <a:pPr>
+                        <a:lnSpc>
+                          <a:spcPct val="115000"/>
+                        </a:lnSpc>
+                        <a:spcAft>
+                          <a:spcPts val="0"/>
+                        </a:spcAft>
+                      </a:pPr>
+                      <a:r>
+                        <a:rPr lang="hu-HU" sz="1600">
+                          <a:effectLst/>
+                        </a:rPr>
+                        <a:t>150.000000</a:t>
+                      </a:r>
+                      <a:endParaRPr lang="hu-HU" sz="2000">
+                        <a:effectLst/>
+                        <a:latin typeface="Calibri" panose="020F0502020204030204" pitchFamily="34" charset="0"/>
+                        <a:ea typeface="Calibri" panose="020F0502020204030204" pitchFamily="34" charset="0"/>
+                        <a:cs typeface="Times New Roman" panose="02020603050405020304" pitchFamily="18" charset="0"/>
+                      </a:endParaRPr>
+                    </a:p>
+                  </a:txBody>
+                  <a:tcPr marL="9525" marR="9525" marT="9525" marB="9525" anchor="ctr"/>
+                </a:tc>
+                <a:tc>
+                  <a:txBody>
+                    <a:bodyPr/>
+                    <a:lstStyle/>
+                    <a:p>
+                      <a:pPr>
+                        <a:lnSpc>
+                          <a:spcPct val="115000"/>
+                        </a:lnSpc>
+                        <a:spcAft>
+                          <a:spcPts val="0"/>
+                        </a:spcAft>
+                      </a:pPr>
+                      <a:r>
+                        <a:rPr lang="hu-HU" sz="1600">
+                          <a:effectLst/>
+                        </a:rPr>
+                        <a:t>0.000000</a:t>
+                      </a:r>
+                      <a:endParaRPr lang="hu-HU" sz="2000">
+                        <a:effectLst/>
+                        <a:latin typeface="Calibri" panose="020F0502020204030204" pitchFamily="34" charset="0"/>
+                        <a:ea typeface="Calibri" panose="020F0502020204030204" pitchFamily="34" charset="0"/>
+                        <a:cs typeface="Times New Roman" panose="02020603050405020304" pitchFamily="18" charset="0"/>
+                      </a:endParaRPr>
+                    </a:p>
+                  </a:txBody>
+                  <a:tcPr marL="9525" marR="9525" marT="9525" marB="9525" anchor="ctr"/>
+                </a:tc>
+                <a:tc>
+                  <a:txBody>
+                    <a:bodyPr/>
+                    <a:lstStyle/>
+                    <a:p>
+                      <a:pPr>
+                        <a:lnSpc>
+                          <a:spcPct val="115000"/>
+                        </a:lnSpc>
+                        <a:spcAft>
+                          <a:spcPts val="0"/>
+                        </a:spcAft>
+                      </a:pPr>
+                      <a:r>
+                        <a:rPr lang="hu-HU" sz="1600">
+                          <a:effectLst/>
+                        </a:rPr>
+                        <a:t>9.000000</a:t>
+                      </a:r>
+                      <a:endParaRPr lang="hu-HU" sz="2000">
+                        <a:effectLst/>
+                        <a:latin typeface="Calibri" panose="020F0502020204030204" pitchFamily="34" charset="0"/>
+                        <a:ea typeface="Calibri" panose="020F0502020204030204" pitchFamily="34" charset="0"/>
+                        <a:cs typeface="Times New Roman" panose="02020603050405020304" pitchFamily="18" charset="0"/>
+                      </a:endParaRPr>
+                    </a:p>
+                  </a:txBody>
+                  <a:tcPr marL="9525" marR="9525" marT="9525" marB="9525" anchor="ctr"/>
+                </a:tc>
+                <a:tc>
+                  <a:txBody>
+                    <a:bodyPr/>
+                    <a:lstStyle/>
+                    <a:p>
+                      <a:pPr>
+                        <a:lnSpc>
+                          <a:spcPct val="115000"/>
+                        </a:lnSpc>
+                        <a:spcAft>
+                          <a:spcPts val="0"/>
+                        </a:spcAft>
+                      </a:pPr>
+                      <a:r>
+                        <a:rPr lang="hu-HU" sz="1600">
+                          <a:effectLst/>
+                        </a:rPr>
+                        <a:t>12.00000</a:t>
+                      </a:r>
+                      <a:endParaRPr lang="hu-HU" sz="2000">
+                        <a:effectLst/>
+                        <a:latin typeface="Calibri" panose="020F0502020204030204" pitchFamily="34" charset="0"/>
+                        <a:ea typeface="Calibri" panose="020F0502020204030204" pitchFamily="34" charset="0"/>
+                        <a:cs typeface="Times New Roman" panose="02020603050405020304" pitchFamily="18" charset="0"/>
+                      </a:endParaRPr>
+                    </a:p>
+                  </a:txBody>
+                  <a:tcPr marL="9525" marR="9525" marT="9525" marB="9525" anchor="ctr"/>
+                </a:tc>
+                <a:tc>
+                  <a:txBody>
+                    <a:bodyPr/>
+                    <a:lstStyle/>
+                    <a:p>
+                      <a:pPr>
+                        <a:lnSpc>
+                          <a:spcPct val="115000"/>
+                        </a:lnSpc>
+                        <a:spcAft>
+                          <a:spcPts val="0"/>
+                        </a:spcAft>
+                      </a:pPr>
+                      <a:r>
+                        <a:rPr lang="hu-HU" sz="1600">
+                          <a:effectLst/>
+                        </a:rPr>
+                        <a:t>0.000000</a:t>
+                      </a:r>
+                      <a:endParaRPr lang="hu-HU" sz="2000">
+                        <a:effectLst/>
+                        <a:latin typeface="Calibri" panose="020F0502020204030204" pitchFamily="34" charset="0"/>
+                        <a:ea typeface="Calibri" panose="020F0502020204030204" pitchFamily="34" charset="0"/>
+                        <a:cs typeface="Times New Roman" panose="02020603050405020304" pitchFamily="18" charset="0"/>
+                      </a:endParaRPr>
+                    </a:p>
+                  </a:txBody>
+                  <a:tcPr marL="9525" marR="9525" marT="9525" marB="9525" anchor="ctr"/>
+                </a:tc>
+                <a:extLst>
+                  <a:ext uri="{0D108BD9-81ED-4DB2-BD59-A6C34878D82A}">
+                    <a16:rowId xmlns:a16="http://schemas.microsoft.com/office/drawing/2014/main" val="3464931841"/>
+                  </a:ext>
+                </a:extLst>
+              </a:tr>
+              <a:tr h="0">
+                <a:tc>
+                  <a:txBody>
+                    <a:bodyPr/>
+                    <a:lstStyle/>
+                    <a:p>
+                      <a:pPr algn="ctr">
+                        <a:lnSpc>
+                          <a:spcPct val="115000"/>
+                        </a:lnSpc>
+                        <a:spcAft>
+                          <a:spcPts val="0"/>
+                        </a:spcAft>
+                      </a:pPr>
+                      <a:r>
+                        <a:rPr lang="hu-HU" sz="1600">
+                          <a:effectLst/>
+                        </a:rPr>
+                        <a:t>25%</a:t>
+                      </a:r>
+                      <a:endParaRPr lang="hu-HU" sz="2000">
+                        <a:effectLst/>
+                        <a:latin typeface="Calibri" panose="020F0502020204030204" pitchFamily="34" charset="0"/>
+                        <a:ea typeface="Calibri" panose="020F0502020204030204" pitchFamily="34" charset="0"/>
+                        <a:cs typeface="Times New Roman" panose="02020603050405020304" pitchFamily="18" charset="0"/>
+                      </a:endParaRPr>
+                    </a:p>
+                  </a:txBody>
+                  <a:tcPr marL="9525" marR="9525" marT="9525" marB="9525" anchor="ctr"/>
+                </a:tc>
+                <a:tc>
+                  <a:txBody>
+                    <a:bodyPr/>
+                    <a:lstStyle/>
+                    <a:p>
+                      <a:pPr>
+                        <a:lnSpc>
+                          <a:spcPct val="115000"/>
+                        </a:lnSpc>
+                        <a:spcAft>
+                          <a:spcPts val="0"/>
+                        </a:spcAft>
+                      </a:pPr>
+                      <a:r>
+                        <a:rPr lang="hu-HU" sz="1600">
+                          <a:effectLst/>
+                        </a:rPr>
+                        <a:t>2877.500000</a:t>
+                      </a:r>
+                      <a:endParaRPr lang="hu-HU" sz="2000">
+                        <a:effectLst/>
+                        <a:latin typeface="Calibri" panose="020F0502020204030204" pitchFamily="34" charset="0"/>
+                        <a:ea typeface="Calibri" panose="020F0502020204030204" pitchFamily="34" charset="0"/>
+                        <a:cs typeface="Times New Roman" panose="02020603050405020304" pitchFamily="18" charset="0"/>
+                      </a:endParaRPr>
+                    </a:p>
+                  </a:txBody>
+                  <a:tcPr marL="9525" marR="9525" marT="9525" marB="9525" anchor="ctr"/>
+                </a:tc>
+                <a:tc>
+                  <a:txBody>
+                    <a:bodyPr/>
+                    <a:lstStyle/>
+                    <a:p>
+                      <a:pPr>
+                        <a:lnSpc>
+                          <a:spcPct val="115000"/>
+                        </a:lnSpc>
+                        <a:spcAft>
+                          <a:spcPts val="0"/>
+                        </a:spcAft>
+                      </a:pPr>
+                      <a:r>
+                        <a:rPr lang="hu-HU" sz="1600">
+                          <a:effectLst/>
+                        </a:rPr>
+                        <a:t>0.000000</a:t>
+                      </a:r>
+                      <a:endParaRPr lang="hu-HU" sz="2000">
+                        <a:effectLst/>
+                        <a:latin typeface="Calibri" panose="020F0502020204030204" pitchFamily="34" charset="0"/>
+                        <a:ea typeface="Calibri" panose="020F0502020204030204" pitchFamily="34" charset="0"/>
+                        <a:cs typeface="Times New Roman" panose="02020603050405020304" pitchFamily="18" charset="0"/>
+                      </a:endParaRPr>
+                    </a:p>
+                  </a:txBody>
+                  <a:tcPr marL="9525" marR="9525" marT="9525" marB="9525" anchor="ctr"/>
+                </a:tc>
+                <a:tc>
+                  <a:txBody>
+                    <a:bodyPr/>
+                    <a:lstStyle/>
+                    <a:p>
+                      <a:pPr>
+                        <a:lnSpc>
+                          <a:spcPct val="115000"/>
+                        </a:lnSpc>
+                        <a:spcAft>
+                          <a:spcPts val="0"/>
+                        </a:spcAft>
+                      </a:pPr>
+                      <a:r>
+                        <a:rPr lang="hu-HU" sz="1600">
+                          <a:effectLst/>
+                        </a:rPr>
+                        <a:t>100.000000</a:t>
+                      </a:r>
+                      <a:endParaRPr lang="hu-HU" sz="2000">
+                        <a:effectLst/>
+                        <a:latin typeface="Calibri" panose="020F0502020204030204" pitchFamily="34" charset="0"/>
+                        <a:ea typeface="Calibri" panose="020F0502020204030204" pitchFamily="34" charset="0"/>
+                        <a:cs typeface="Times New Roman" panose="02020603050405020304" pitchFamily="18" charset="0"/>
+                      </a:endParaRPr>
+                    </a:p>
+                  </a:txBody>
+                  <a:tcPr marL="9525" marR="9525" marT="9525" marB="9525" anchor="ctr"/>
+                </a:tc>
+                <a:tc>
+                  <a:txBody>
+                    <a:bodyPr/>
+                    <a:lstStyle/>
+                    <a:p>
+                      <a:pPr>
+                        <a:lnSpc>
+                          <a:spcPct val="115000"/>
+                        </a:lnSpc>
+                        <a:spcAft>
+                          <a:spcPts val="0"/>
+                        </a:spcAft>
+                      </a:pPr>
+                      <a:r>
+                        <a:rPr lang="hu-HU" sz="1600">
+                          <a:effectLst/>
+                        </a:rPr>
+                        <a:t>360.00000</a:t>
+                      </a:r>
+                      <a:endParaRPr lang="hu-HU" sz="2000">
+                        <a:effectLst/>
+                        <a:latin typeface="Calibri" panose="020F0502020204030204" pitchFamily="34" charset="0"/>
+                        <a:ea typeface="Calibri" panose="020F0502020204030204" pitchFamily="34" charset="0"/>
+                        <a:cs typeface="Times New Roman" panose="02020603050405020304" pitchFamily="18" charset="0"/>
+                      </a:endParaRPr>
+                    </a:p>
+                  </a:txBody>
+                  <a:tcPr marL="9525" marR="9525" marT="9525" marB="9525" anchor="ctr"/>
+                </a:tc>
+                <a:tc>
+                  <a:txBody>
+                    <a:bodyPr/>
+                    <a:lstStyle/>
+                    <a:p>
+                      <a:pPr>
+                        <a:lnSpc>
+                          <a:spcPct val="115000"/>
+                        </a:lnSpc>
+                        <a:spcAft>
+                          <a:spcPts val="0"/>
+                        </a:spcAft>
+                      </a:pPr>
+                      <a:r>
+                        <a:rPr lang="hu-HU" sz="1600">
+                          <a:effectLst/>
+                        </a:rPr>
+                        <a:t>1.000000</a:t>
+                      </a:r>
+                      <a:endParaRPr lang="hu-HU" sz="2000">
+                        <a:effectLst/>
+                        <a:latin typeface="Calibri" panose="020F0502020204030204" pitchFamily="34" charset="0"/>
+                        <a:ea typeface="Calibri" panose="020F0502020204030204" pitchFamily="34" charset="0"/>
+                        <a:cs typeface="Times New Roman" panose="02020603050405020304" pitchFamily="18" charset="0"/>
+                      </a:endParaRPr>
+                    </a:p>
+                  </a:txBody>
+                  <a:tcPr marL="9525" marR="9525" marT="9525" marB="9525" anchor="ctr"/>
+                </a:tc>
+                <a:extLst>
+                  <a:ext uri="{0D108BD9-81ED-4DB2-BD59-A6C34878D82A}">
+                    <a16:rowId xmlns:a16="http://schemas.microsoft.com/office/drawing/2014/main" val="38238672"/>
+                  </a:ext>
+                </a:extLst>
+              </a:tr>
+              <a:tr h="0">
+                <a:tc>
+                  <a:txBody>
+                    <a:bodyPr/>
+                    <a:lstStyle/>
+                    <a:p>
+                      <a:pPr algn="ctr">
+                        <a:lnSpc>
+                          <a:spcPct val="115000"/>
+                        </a:lnSpc>
+                        <a:spcAft>
+                          <a:spcPts val="0"/>
+                        </a:spcAft>
+                      </a:pPr>
+                      <a:r>
+                        <a:rPr lang="hu-HU" sz="1600">
+                          <a:effectLst/>
+                        </a:rPr>
+                        <a:t>50%</a:t>
+                      </a:r>
+                      <a:endParaRPr lang="hu-HU" sz="2000">
+                        <a:effectLst/>
+                        <a:latin typeface="Calibri" panose="020F0502020204030204" pitchFamily="34" charset="0"/>
+                        <a:ea typeface="Calibri" panose="020F0502020204030204" pitchFamily="34" charset="0"/>
+                        <a:cs typeface="Times New Roman" panose="02020603050405020304" pitchFamily="18" charset="0"/>
+                      </a:endParaRPr>
+                    </a:p>
+                  </a:txBody>
+                  <a:tcPr marL="9525" marR="9525" marT="9525" marB="9525" anchor="ctr"/>
+                </a:tc>
+                <a:tc>
+                  <a:txBody>
+                    <a:bodyPr/>
+                    <a:lstStyle/>
+                    <a:p>
+                      <a:pPr>
+                        <a:lnSpc>
+                          <a:spcPct val="115000"/>
+                        </a:lnSpc>
+                        <a:spcAft>
+                          <a:spcPts val="0"/>
+                        </a:spcAft>
+                      </a:pPr>
+                      <a:r>
+                        <a:rPr lang="hu-HU" sz="1600">
+                          <a:effectLst/>
+                        </a:rPr>
+                        <a:t>3812.500000</a:t>
+                      </a:r>
+                      <a:endParaRPr lang="hu-HU" sz="2000">
+                        <a:effectLst/>
+                        <a:latin typeface="Calibri" panose="020F0502020204030204" pitchFamily="34" charset="0"/>
+                        <a:ea typeface="Calibri" panose="020F0502020204030204" pitchFamily="34" charset="0"/>
+                        <a:cs typeface="Times New Roman" panose="02020603050405020304" pitchFamily="18" charset="0"/>
+                      </a:endParaRPr>
+                    </a:p>
+                  </a:txBody>
+                  <a:tcPr marL="9525" marR="9525" marT="9525" marB="9525" anchor="ctr"/>
+                </a:tc>
+                <a:tc>
+                  <a:txBody>
+                    <a:bodyPr/>
+                    <a:lstStyle/>
+                    <a:p>
+                      <a:pPr>
+                        <a:lnSpc>
+                          <a:spcPct val="115000"/>
+                        </a:lnSpc>
+                        <a:spcAft>
+                          <a:spcPts val="0"/>
+                        </a:spcAft>
+                      </a:pPr>
+                      <a:r>
+                        <a:rPr lang="hu-HU" sz="1600">
+                          <a:effectLst/>
+                        </a:rPr>
+                        <a:t>1188.500000</a:t>
+                      </a:r>
+                      <a:endParaRPr lang="hu-HU" sz="2000">
+                        <a:effectLst/>
+                        <a:latin typeface="Calibri" panose="020F0502020204030204" pitchFamily="34" charset="0"/>
+                        <a:ea typeface="Calibri" panose="020F0502020204030204" pitchFamily="34" charset="0"/>
+                        <a:cs typeface="Times New Roman" panose="02020603050405020304" pitchFamily="18" charset="0"/>
+                      </a:endParaRPr>
+                    </a:p>
+                  </a:txBody>
+                  <a:tcPr marL="9525" marR="9525" marT="9525" marB="9525" anchor="ctr"/>
+                </a:tc>
+                <a:tc>
+                  <a:txBody>
+                    <a:bodyPr/>
+                    <a:lstStyle/>
+                    <a:p>
+                      <a:pPr>
+                        <a:lnSpc>
+                          <a:spcPct val="115000"/>
+                        </a:lnSpc>
+                        <a:spcAft>
+                          <a:spcPts val="0"/>
+                        </a:spcAft>
+                      </a:pPr>
+                      <a:r>
+                        <a:rPr lang="hu-HU" sz="1600">
+                          <a:effectLst/>
+                        </a:rPr>
+                        <a:t>128.000000</a:t>
+                      </a:r>
+                      <a:endParaRPr lang="hu-HU" sz="2000">
+                        <a:effectLst/>
+                        <a:latin typeface="Calibri" panose="020F0502020204030204" pitchFamily="34" charset="0"/>
+                        <a:ea typeface="Calibri" panose="020F0502020204030204" pitchFamily="34" charset="0"/>
+                        <a:cs typeface="Times New Roman" panose="02020603050405020304" pitchFamily="18" charset="0"/>
+                      </a:endParaRPr>
+                    </a:p>
+                  </a:txBody>
+                  <a:tcPr marL="9525" marR="9525" marT="9525" marB="9525" anchor="ctr"/>
+                </a:tc>
+                <a:tc>
+                  <a:txBody>
+                    <a:bodyPr/>
+                    <a:lstStyle/>
+                    <a:p>
+                      <a:pPr>
+                        <a:lnSpc>
+                          <a:spcPct val="115000"/>
+                        </a:lnSpc>
+                        <a:spcAft>
+                          <a:spcPts val="0"/>
+                        </a:spcAft>
+                      </a:pPr>
+                      <a:r>
+                        <a:rPr lang="hu-HU" sz="1600">
+                          <a:effectLst/>
+                        </a:rPr>
+                        <a:t>360.00000</a:t>
+                      </a:r>
+                      <a:endParaRPr lang="hu-HU" sz="2000">
+                        <a:effectLst/>
+                        <a:latin typeface="Calibri" panose="020F0502020204030204" pitchFamily="34" charset="0"/>
+                        <a:ea typeface="Calibri" panose="020F0502020204030204" pitchFamily="34" charset="0"/>
+                        <a:cs typeface="Times New Roman" panose="02020603050405020304" pitchFamily="18" charset="0"/>
+                      </a:endParaRPr>
+                    </a:p>
+                  </a:txBody>
+                  <a:tcPr marL="9525" marR="9525" marT="9525" marB="9525" anchor="ctr"/>
+                </a:tc>
+                <a:tc>
+                  <a:txBody>
+                    <a:bodyPr/>
+                    <a:lstStyle/>
+                    <a:p>
+                      <a:pPr>
+                        <a:lnSpc>
+                          <a:spcPct val="115000"/>
+                        </a:lnSpc>
+                        <a:spcAft>
+                          <a:spcPts val="0"/>
+                        </a:spcAft>
+                      </a:pPr>
+                      <a:r>
+                        <a:rPr lang="hu-HU" sz="1600">
+                          <a:effectLst/>
+                        </a:rPr>
+                        <a:t>1.000000</a:t>
+                      </a:r>
+                      <a:endParaRPr lang="hu-HU" sz="2000">
+                        <a:effectLst/>
+                        <a:latin typeface="Calibri" panose="020F0502020204030204" pitchFamily="34" charset="0"/>
+                        <a:ea typeface="Calibri" panose="020F0502020204030204" pitchFamily="34" charset="0"/>
+                        <a:cs typeface="Times New Roman" panose="02020603050405020304" pitchFamily="18" charset="0"/>
+                      </a:endParaRPr>
+                    </a:p>
+                  </a:txBody>
+                  <a:tcPr marL="9525" marR="9525" marT="9525" marB="9525" anchor="ctr"/>
+                </a:tc>
+                <a:extLst>
+                  <a:ext uri="{0D108BD9-81ED-4DB2-BD59-A6C34878D82A}">
+                    <a16:rowId xmlns:a16="http://schemas.microsoft.com/office/drawing/2014/main" val="490373621"/>
+                  </a:ext>
+                </a:extLst>
+              </a:tr>
+              <a:tr h="0">
+                <a:tc>
+                  <a:txBody>
+                    <a:bodyPr/>
+                    <a:lstStyle/>
+                    <a:p>
+                      <a:pPr algn="ctr">
+                        <a:lnSpc>
+                          <a:spcPct val="115000"/>
+                        </a:lnSpc>
+                        <a:spcAft>
+                          <a:spcPts val="0"/>
+                        </a:spcAft>
+                      </a:pPr>
+                      <a:r>
+                        <a:rPr lang="hu-HU" sz="1600">
+                          <a:effectLst/>
+                        </a:rPr>
+                        <a:t>75%</a:t>
+                      </a:r>
+                      <a:endParaRPr lang="hu-HU" sz="2000">
+                        <a:effectLst/>
+                        <a:latin typeface="Calibri" panose="020F0502020204030204" pitchFamily="34" charset="0"/>
+                        <a:ea typeface="Calibri" panose="020F0502020204030204" pitchFamily="34" charset="0"/>
+                        <a:cs typeface="Times New Roman" panose="02020603050405020304" pitchFamily="18" charset="0"/>
+                      </a:endParaRPr>
+                    </a:p>
+                  </a:txBody>
+                  <a:tcPr marL="9525" marR="9525" marT="9525" marB="9525" anchor="ctr"/>
+                </a:tc>
+                <a:tc>
+                  <a:txBody>
+                    <a:bodyPr/>
+                    <a:lstStyle/>
+                    <a:p>
+                      <a:pPr>
+                        <a:lnSpc>
+                          <a:spcPct val="115000"/>
+                        </a:lnSpc>
+                        <a:spcAft>
+                          <a:spcPts val="0"/>
+                        </a:spcAft>
+                      </a:pPr>
+                      <a:r>
+                        <a:rPr lang="hu-HU" sz="1600">
+                          <a:effectLst/>
+                        </a:rPr>
+                        <a:t>5795.000000</a:t>
+                      </a:r>
+                      <a:endParaRPr lang="hu-HU" sz="2000">
+                        <a:effectLst/>
+                        <a:latin typeface="Calibri" panose="020F0502020204030204" pitchFamily="34" charset="0"/>
+                        <a:ea typeface="Calibri" panose="020F0502020204030204" pitchFamily="34" charset="0"/>
+                        <a:cs typeface="Times New Roman" panose="02020603050405020304" pitchFamily="18" charset="0"/>
+                      </a:endParaRPr>
+                    </a:p>
+                  </a:txBody>
+                  <a:tcPr marL="9525" marR="9525" marT="9525" marB="9525" anchor="ctr"/>
+                </a:tc>
+                <a:tc>
+                  <a:txBody>
+                    <a:bodyPr/>
+                    <a:lstStyle/>
+                    <a:p>
+                      <a:pPr>
+                        <a:lnSpc>
+                          <a:spcPct val="115000"/>
+                        </a:lnSpc>
+                        <a:spcAft>
+                          <a:spcPts val="0"/>
+                        </a:spcAft>
+                      </a:pPr>
+                      <a:r>
+                        <a:rPr lang="hu-HU" sz="1600">
+                          <a:effectLst/>
+                        </a:rPr>
+                        <a:t>2297.250000</a:t>
+                      </a:r>
+                      <a:endParaRPr lang="hu-HU" sz="2000">
+                        <a:effectLst/>
+                        <a:latin typeface="Calibri" panose="020F0502020204030204" pitchFamily="34" charset="0"/>
+                        <a:ea typeface="Calibri" panose="020F0502020204030204" pitchFamily="34" charset="0"/>
+                        <a:cs typeface="Times New Roman" panose="02020603050405020304" pitchFamily="18" charset="0"/>
+                      </a:endParaRPr>
+                    </a:p>
+                  </a:txBody>
+                  <a:tcPr marL="9525" marR="9525" marT="9525" marB="9525" anchor="ctr"/>
+                </a:tc>
+                <a:tc>
+                  <a:txBody>
+                    <a:bodyPr/>
+                    <a:lstStyle/>
+                    <a:p>
+                      <a:pPr>
+                        <a:lnSpc>
+                          <a:spcPct val="115000"/>
+                        </a:lnSpc>
+                        <a:spcAft>
+                          <a:spcPts val="0"/>
+                        </a:spcAft>
+                      </a:pPr>
+                      <a:r>
+                        <a:rPr lang="hu-HU" sz="1600">
+                          <a:effectLst/>
+                        </a:rPr>
+                        <a:t>168.000000</a:t>
+                      </a:r>
+                      <a:endParaRPr lang="hu-HU" sz="2000">
+                        <a:effectLst/>
+                        <a:latin typeface="Calibri" panose="020F0502020204030204" pitchFamily="34" charset="0"/>
+                        <a:ea typeface="Calibri" panose="020F0502020204030204" pitchFamily="34" charset="0"/>
+                        <a:cs typeface="Times New Roman" panose="02020603050405020304" pitchFamily="18" charset="0"/>
+                      </a:endParaRPr>
+                    </a:p>
+                  </a:txBody>
+                  <a:tcPr marL="9525" marR="9525" marT="9525" marB="9525" anchor="ctr"/>
+                </a:tc>
+                <a:tc>
+                  <a:txBody>
+                    <a:bodyPr/>
+                    <a:lstStyle/>
+                    <a:p>
+                      <a:pPr>
+                        <a:lnSpc>
+                          <a:spcPct val="115000"/>
+                        </a:lnSpc>
+                        <a:spcAft>
+                          <a:spcPts val="0"/>
+                        </a:spcAft>
+                      </a:pPr>
+                      <a:r>
+                        <a:rPr lang="hu-HU" sz="1600">
+                          <a:effectLst/>
+                        </a:rPr>
+                        <a:t>360.00000</a:t>
+                      </a:r>
+                      <a:endParaRPr lang="hu-HU" sz="2000">
+                        <a:effectLst/>
+                        <a:latin typeface="Calibri" panose="020F0502020204030204" pitchFamily="34" charset="0"/>
+                        <a:ea typeface="Calibri" panose="020F0502020204030204" pitchFamily="34" charset="0"/>
+                        <a:cs typeface="Times New Roman" panose="02020603050405020304" pitchFamily="18" charset="0"/>
+                      </a:endParaRPr>
+                    </a:p>
+                  </a:txBody>
+                  <a:tcPr marL="9525" marR="9525" marT="9525" marB="9525" anchor="ctr"/>
+                </a:tc>
+                <a:tc>
+                  <a:txBody>
+                    <a:bodyPr/>
+                    <a:lstStyle/>
+                    <a:p>
+                      <a:pPr>
+                        <a:lnSpc>
+                          <a:spcPct val="115000"/>
+                        </a:lnSpc>
+                        <a:spcAft>
+                          <a:spcPts val="0"/>
+                        </a:spcAft>
+                      </a:pPr>
+                      <a:r>
+                        <a:rPr lang="hu-HU" sz="1600">
+                          <a:effectLst/>
+                        </a:rPr>
+                        <a:t>1.000000</a:t>
+                      </a:r>
+                      <a:endParaRPr lang="hu-HU" sz="2000">
+                        <a:effectLst/>
+                        <a:latin typeface="Calibri" panose="020F0502020204030204" pitchFamily="34" charset="0"/>
+                        <a:ea typeface="Calibri" panose="020F0502020204030204" pitchFamily="34" charset="0"/>
+                        <a:cs typeface="Times New Roman" panose="02020603050405020304" pitchFamily="18" charset="0"/>
+                      </a:endParaRPr>
+                    </a:p>
+                  </a:txBody>
+                  <a:tcPr marL="9525" marR="9525" marT="9525" marB="9525" anchor="ctr"/>
+                </a:tc>
+                <a:extLst>
+                  <a:ext uri="{0D108BD9-81ED-4DB2-BD59-A6C34878D82A}">
+                    <a16:rowId xmlns:a16="http://schemas.microsoft.com/office/drawing/2014/main" val="1212929310"/>
+                  </a:ext>
+                </a:extLst>
+              </a:tr>
+              <a:tr h="0">
+                <a:tc>
+                  <a:txBody>
+                    <a:bodyPr/>
+                    <a:lstStyle/>
+                    <a:p>
+                      <a:pPr algn="ctr">
+                        <a:lnSpc>
+                          <a:spcPct val="115000"/>
+                        </a:lnSpc>
+                        <a:spcAft>
+                          <a:spcPts val="0"/>
+                        </a:spcAft>
+                      </a:pPr>
+                      <a:r>
+                        <a:rPr lang="hu-HU" sz="1600">
+                          <a:effectLst/>
+                        </a:rPr>
+                        <a:t>max</a:t>
+                      </a:r>
+                      <a:endParaRPr lang="hu-HU" sz="2000">
+                        <a:effectLst/>
+                        <a:latin typeface="Calibri" panose="020F0502020204030204" pitchFamily="34" charset="0"/>
+                        <a:ea typeface="Calibri" panose="020F0502020204030204" pitchFamily="34" charset="0"/>
+                        <a:cs typeface="Times New Roman" panose="02020603050405020304" pitchFamily="18" charset="0"/>
+                      </a:endParaRPr>
+                    </a:p>
+                  </a:txBody>
+                  <a:tcPr marL="9525" marR="9525" marT="9525" marB="9525" anchor="ctr"/>
+                </a:tc>
+                <a:tc>
+                  <a:txBody>
+                    <a:bodyPr/>
+                    <a:lstStyle/>
+                    <a:p>
+                      <a:pPr>
+                        <a:lnSpc>
+                          <a:spcPct val="115000"/>
+                        </a:lnSpc>
+                        <a:spcAft>
+                          <a:spcPts val="0"/>
+                        </a:spcAft>
+                      </a:pPr>
+                      <a:r>
+                        <a:rPr lang="hu-HU" sz="1600">
+                          <a:effectLst/>
+                        </a:rPr>
+                        <a:t>81000.000000</a:t>
+                      </a:r>
+                      <a:endParaRPr lang="hu-HU" sz="2000">
+                        <a:effectLst/>
+                        <a:latin typeface="Calibri" panose="020F0502020204030204" pitchFamily="34" charset="0"/>
+                        <a:ea typeface="Calibri" panose="020F0502020204030204" pitchFamily="34" charset="0"/>
+                        <a:cs typeface="Times New Roman" panose="02020603050405020304" pitchFamily="18" charset="0"/>
+                      </a:endParaRPr>
+                    </a:p>
+                  </a:txBody>
+                  <a:tcPr marL="9525" marR="9525" marT="9525" marB="9525" anchor="ctr"/>
+                </a:tc>
+                <a:tc>
+                  <a:txBody>
+                    <a:bodyPr/>
+                    <a:lstStyle/>
+                    <a:p>
+                      <a:pPr>
+                        <a:lnSpc>
+                          <a:spcPct val="115000"/>
+                        </a:lnSpc>
+                        <a:spcAft>
+                          <a:spcPts val="0"/>
+                        </a:spcAft>
+                      </a:pPr>
+                      <a:r>
+                        <a:rPr lang="hu-HU" sz="1600">
+                          <a:effectLst/>
+                        </a:rPr>
+                        <a:t>41667.000000</a:t>
+                      </a:r>
+                      <a:endParaRPr lang="hu-HU" sz="2000">
+                        <a:effectLst/>
+                        <a:latin typeface="Calibri" panose="020F0502020204030204" pitchFamily="34" charset="0"/>
+                        <a:ea typeface="Calibri" panose="020F0502020204030204" pitchFamily="34" charset="0"/>
+                        <a:cs typeface="Times New Roman" panose="02020603050405020304" pitchFamily="18" charset="0"/>
+                      </a:endParaRPr>
+                    </a:p>
+                  </a:txBody>
+                  <a:tcPr marL="9525" marR="9525" marT="9525" marB="9525" anchor="ctr"/>
+                </a:tc>
+                <a:tc>
+                  <a:txBody>
+                    <a:bodyPr/>
+                    <a:lstStyle/>
+                    <a:p>
+                      <a:pPr>
+                        <a:lnSpc>
+                          <a:spcPct val="115000"/>
+                        </a:lnSpc>
+                        <a:spcAft>
+                          <a:spcPts val="0"/>
+                        </a:spcAft>
+                      </a:pPr>
+                      <a:r>
+                        <a:rPr lang="hu-HU" sz="1600">
+                          <a:effectLst/>
+                        </a:rPr>
+                        <a:t>700.000000</a:t>
+                      </a:r>
+                      <a:endParaRPr lang="hu-HU" sz="2000">
+                        <a:effectLst/>
+                        <a:latin typeface="Calibri" panose="020F0502020204030204" pitchFamily="34" charset="0"/>
+                        <a:ea typeface="Calibri" panose="020F0502020204030204" pitchFamily="34" charset="0"/>
+                        <a:cs typeface="Times New Roman" panose="02020603050405020304" pitchFamily="18" charset="0"/>
+                      </a:endParaRPr>
+                    </a:p>
+                  </a:txBody>
+                  <a:tcPr marL="9525" marR="9525" marT="9525" marB="9525" anchor="ctr"/>
+                </a:tc>
+                <a:tc>
+                  <a:txBody>
+                    <a:bodyPr/>
+                    <a:lstStyle/>
+                    <a:p>
+                      <a:pPr>
+                        <a:lnSpc>
+                          <a:spcPct val="115000"/>
+                        </a:lnSpc>
+                        <a:spcAft>
+                          <a:spcPts val="0"/>
+                        </a:spcAft>
+                      </a:pPr>
+                      <a:r>
+                        <a:rPr lang="hu-HU" sz="1600">
+                          <a:effectLst/>
+                        </a:rPr>
+                        <a:t>480.00000</a:t>
+                      </a:r>
+                      <a:endParaRPr lang="hu-HU" sz="2000">
+                        <a:effectLst/>
+                        <a:latin typeface="Calibri" panose="020F0502020204030204" pitchFamily="34" charset="0"/>
+                        <a:ea typeface="Calibri" panose="020F0502020204030204" pitchFamily="34" charset="0"/>
+                        <a:cs typeface="Times New Roman" panose="02020603050405020304" pitchFamily="18" charset="0"/>
+                      </a:endParaRPr>
+                    </a:p>
+                  </a:txBody>
+                  <a:tcPr marL="9525" marR="9525" marT="9525" marB="9525" anchor="ctr"/>
+                </a:tc>
+                <a:tc>
+                  <a:txBody>
+                    <a:bodyPr/>
+                    <a:lstStyle/>
+                    <a:p>
+                      <a:pPr>
+                        <a:lnSpc>
+                          <a:spcPct val="115000"/>
+                        </a:lnSpc>
+                        <a:spcAft>
+                          <a:spcPts val="0"/>
+                        </a:spcAft>
+                      </a:pPr>
+                      <a:r>
+                        <a:rPr lang="hu-HU" sz="1600" dirty="0">
+                          <a:effectLst/>
+                        </a:rPr>
+                        <a:t>1.000000</a:t>
+                      </a:r>
+                      <a:endParaRPr lang="hu-HU" sz="2000" dirty="0">
+                        <a:effectLst/>
+                        <a:latin typeface="Calibri" panose="020F0502020204030204" pitchFamily="34" charset="0"/>
+                        <a:ea typeface="Calibri" panose="020F0502020204030204" pitchFamily="34" charset="0"/>
+                        <a:cs typeface="Times New Roman" panose="02020603050405020304" pitchFamily="18" charset="0"/>
+                      </a:endParaRPr>
+                    </a:p>
+                  </a:txBody>
+                  <a:tcPr marL="9525" marR="9525" marT="9525" marB="9525" anchor="ctr"/>
+                </a:tc>
+                <a:extLst>
+                  <a:ext uri="{0D108BD9-81ED-4DB2-BD59-A6C34878D82A}">
+                    <a16:rowId xmlns:a16="http://schemas.microsoft.com/office/drawing/2014/main" val="105245746"/>
+                  </a:ext>
+                </a:extLst>
+              </a:tr>
+            </a:tbl>
+          </a:graphicData>
+        </a:graphic>
+      </p:graphicFrame>
+    </p:spTree>
+    <p:extLst>
+      <p:ext uri="{BB962C8B-B14F-4D97-AF65-F5344CB8AC3E}">
+        <p14:creationId xmlns:p14="http://schemas.microsoft.com/office/powerpoint/2010/main" val="844521274"/>
+      </p:ext>
+    </p:extLst>
+  </p:cSld>
+  <p:clrMapOvr>
+    <a:masterClrMapping/>
+  </p:clrMapOvr>
+</p:sld>
+</file>
+
+<file path=ppt/slides/slide28.xml><?xml version="1.0" encoding="utf-8"?>
+<p:sld xmlns:a="http://schemas.openxmlformats.org/drawingml/2006/main" xmlns:r="http://schemas.openxmlformats.org/officeDocument/2006/relationships" xmlns:p="http://schemas.openxmlformats.org/presentationml/2006/main">
+  <p:cSld>
+    <p:spTree>
+      <p:nvGrpSpPr>
+        <p:cNvPr id="1" name=""/>
+        <p:cNvGrpSpPr/>
+        <p:nvPr/>
+      </p:nvGrpSpPr>
+      <p:grpSpPr>
+        <a:xfrm>
+          <a:off x="0" y="0"/>
+          <a:ext cx="0" cy="0"/>
+          <a:chOff x="0" y="0"/>
+          <a:chExt cx="0" cy="0"/>
+        </a:xfrm>
+      </p:grpSpPr>
+      <p:sp>
+        <p:nvSpPr>
+          <p:cNvPr id="2" name="Cím 1">
+            <a:extLst>
+              <a:ext uri="{FF2B5EF4-FFF2-40B4-BE49-F238E27FC236}">
+                <a16:creationId xmlns:a16="http://schemas.microsoft.com/office/drawing/2014/main" id="{34D491A9-EC47-4C89-8253-C7876D73C15D}"/>
+              </a:ext>
+            </a:extLst>
+          </p:cNvPr>
+          <p:cNvSpPr>
+            <a:spLocks noGrp="1"/>
+          </p:cNvSpPr>
+          <p:nvPr>
+            <p:ph type="title"/>
+          </p:nvPr>
+        </p:nvSpPr>
+        <p:spPr/>
+        <p:txBody>
+          <a:bodyPr>
+            <a:normAutofit fontScale="90000"/>
+          </a:bodyPr>
+          <a:lstStyle/>
+          <a:p>
+            <a:r>
+              <a:rPr lang="hu-HU" dirty="0"/>
+              <a:t>Hiányzó értékek és alapvető statisztikai információk</a:t>
+            </a:r>
+          </a:p>
+        </p:txBody>
+      </p:sp>
+      <p:sp>
+        <p:nvSpPr>
+          <p:cNvPr id="3" name="Tartalom helye 2">
+            <a:extLst>
+              <a:ext uri="{FF2B5EF4-FFF2-40B4-BE49-F238E27FC236}">
+                <a16:creationId xmlns:a16="http://schemas.microsoft.com/office/drawing/2014/main" id="{48525A29-43D8-4911-A41A-70EE62793F03}"/>
+              </a:ext>
+            </a:extLst>
+          </p:cNvPr>
+          <p:cNvSpPr>
+            <a:spLocks noGrp="1"/>
+          </p:cNvSpPr>
+          <p:nvPr>
+            <p:ph idx="1"/>
+          </p:nvPr>
+        </p:nvSpPr>
+        <p:spPr/>
+        <p:txBody>
+          <a:bodyPr/>
+          <a:lstStyle/>
+          <a:p>
+            <a:r>
+              <a:rPr lang="hu-HU" dirty="0"/>
+              <a:t>Amit rögtön észre </a:t>
+            </a:r>
+            <a:r>
+              <a:rPr lang="hu-HU" dirty="0" err="1"/>
+              <a:t>vehetünk</a:t>
+            </a:r>
+            <a:r>
+              <a:rPr lang="hu-HU" dirty="0"/>
+              <a:t>:</a:t>
+            </a:r>
+          </a:p>
+          <a:p>
+            <a:pPr lvl="1"/>
+            <a:r>
+              <a:rPr lang="hu-HU" dirty="0" err="1"/>
+              <a:t>LoanAmount</a:t>
+            </a:r>
+            <a:r>
+              <a:rPr lang="hu-HU" dirty="0"/>
+              <a:t> (614 – 592) 22 hiányzó érték.</a:t>
+            </a:r>
+          </a:p>
+          <a:p>
+            <a:pPr lvl="1"/>
+            <a:r>
+              <a:rPr lang="hu-HU" dirty="0" err="1"/>
+              <a:t>Loan_Amount_Term</a:t>
+            </a:r>
+            <a:r>
+              <a:rPr lang="hu-HU" dirty="0"/>
+              <a:t> (614 – 600) 14 hiányzó érték.</a:t>
+            </a:r>
+          </a:p>
+          <a:p>
+            <a:pPr lvl="1"/>
+            <a:r>
+              <a:rPr lang="hu-HU" dirty="0" err="1"/>
+              <a:t>Credit_History</a:t>
+            </a:r>
+            <a:r>
+              <a:rPr lang="hu-HU" dirty="0"/>
+              <a:t> (614 – 564) 50 hiányzó érték.</a:t>
+            </a:r>
+          </a:p>
+          <a:p>
+            <a:pPr lvl="1"/>
+            <a:r>
+              <a:rPr lang="hu-HU" dirty="0"/>
+              <a:t>A hitelfelvevők 84%-</a:t>
+            </a:r>
+            <a:r>
+              <a:rPr lang="hu-HU" dirty="0" err="1"/>
+              <a:t>nak</a:t>
+            </a:r>
+            <a:r>
+              <a:rPr lang="hu-HU" dirty="0"/>
+              <a:t> van hiteltörténete (a credit </a:t>
+            </a:r>
+            <a:r>
+              <a:rPr lang="hu-HU" dirty="0" err="1"/>
+              <a:t>history</a:t>
+            </a:r>
+            <a:r>
+              <a:rPr lang="hu-HU" dirty="0"/>
+              <a:t> átlaga 0,84). </a:t>
+            </a:r>
+          </a:p>
+          <a:p>
+            <a:pPr lvl="1"/>
+            <a:r>
+              <a:rPr lang="hu-HU" dirty="0"/>
+              <a:t>Úgy tűnik, hogy a hitel pályázó jövedelmének (</a:t>
+            </a:r>
+            <a:r>
+              <a:rPr lang="hu-HU" dirty="0" err="1"/>
+              <a:t>ApplicantIncome</a:t>
+            </a:r>
+            <a:r>
+              <a:rPr lang="hu-HU" dirty="0"/>
+              <a:t>) eloszlása megfelel a várakozásoknak. Hasonlóan ugyanez igaz a </a:t>
+            </a:r>
+            <a:r>
+              <a:rPr lang="hu-HU" dirty="0" err="1"/>
+              <a:t>CoapplicantIncome</a:t>
+            </a:r>
+            <a:r>
+              <a:rPr lang="hu-HU" dirty="0"/>
+              <a:t>-mezőre.</a:t>
+            </a:r>
+          </a:p>
+          <a:p>
+            <a:endParaRPr lang="hu-HU" dirty="0"/>
+          </a:p>
+        </p:txBody>
+      </p:sp>
+      <p:sp>
+        <p:nvSpPr>
+          <p:cNvPr id="4" name="Dia számának helye 3">
+            <a:extLst>
+              <a:ext uri="{FF2B5EF4-FFF2-40B4-BE49-F238E27FC236}">
+                <a16:creationId xmlns:a16="http://schemas.microsoft.com/office/drawing/2014/main" id="{FC76CC8E-020B-451C-94D8-6165CE97A6CF}"/>
+              </a:ext>
+            </a:extLst>
+          </p:cNvPr>
+          <p:cNvSpPr>
+            <a:spLocks noGrp="1"/>
+          </p:cNvSpPr>
+          <p:nvPr>
+            <p:ph type="sldNum" sz="quarter" idx="12"/>
+          </p:nvPr>
+        </p:nvSpPr>
+        <p:spPr/>
+        <p:txBody>
+          <a:bodyPr/>
+          <a:lstStyle/>
+          <a:p>
+            <a:fld id="{6D22F896-40B5-4ADD-8801-0D06FADFA095}" type="slidenum">
+              <a:rPr lang="en-US" smtClean="0"/>
+              <a:t>28</a:t>
+            </a:fld>
+            <a:endParaRPr lang="en-US" dirty="0"/>
+          </a:p>
+        </p:txBody>
+      </p:sp>
+    </p:spTree>
+    <p:extLst>
+      <p:ext uri="{BB962C8B-B14F-4D97-AF65-F5344CB8AC3E}">
+        <p14:creationId xmlns:p14="http://schemas.microsoft.com/office/powerpoint/2010/main" val="2570168660"/>
+      </p:ext>
+    </p:extLst>
+  </p:cSld>
+  <p:clrMapOvr>
+    <a:masterClrMapping/>
+  </p:clrMapOvr>
+</p:sld>
+</file>
+
+<file path=ppt/slides/slide29.xml><?xml version="1.0" encoding="utf-8"?>
+<p:sld xmlns:a="http://schemas.openxmlformats.org/drawingml/2006/main" xmlns:r="http://schemas.openxmlformats.org/officeDocument/2006/relationships" xmlns:p="http://schemas.openxmlformats.org/presentationml/2006/main">
+  <p:cSld>
+    <p:spTree>
+      <p:nvGrpSpPr>
+        <p:cNvPr id="1" name=""/>
+        <p:cNvGrpSpPr/>
+        <p:nvPr/>
+      </p:nvGrpSpPr>
+      <p:grpSpPr>
+        <a:xfrm>
+          <a:off x="0" y="0"/>
+          <a:ext cx="0" cy="0"/>
+          <a:chOff x="0" y="0"/>
+          <a:chExt cx="0" cy="0"/>
+        </a:xfrm>
+      </p:grpSpPr>
+      <p:sp>
+        <p:nvSpPr>
+          <p:cNvPr id="2" name="Cím 1">
+            <a:extLst>
+              <a:ext uri="{FF2B5EF4-FFF2-40B4-BE49-F238E27FC236}">
+                <a16:creationId xmlns:a16="http://schemas.microsoft.com/office/drawing/2014/main" id="{CC7B2639-9FAB-4231-915A-00BADA603223}"/>
+              </a:ext>
+            </a:extLst>
+          </p:cNvPr>
+          <p:cNvSpPr>
+            <a:spLocks noGrp="1"/>
+          </p:cNvSpPr>
+          <p:nvPr>
+            <p:ph type="title"/>
+          </p:nvPr>
+        </p:nvSpPr>
+        <p:spPr/>
+        <p:txBody>
+          <a:bodyPr/>
+          <a:lstStyle/>
+          <a:p>
+            <a:r>
+              <a:rPr lang="hu-HU" dirty="0"/>
+              <a:t>Nem numerikusok eloszlása</a:t>
+            </a:r>
+          </a:p>
+        </p:txBody>
+      </p:sp>
+      <p:sp>
+        <p:nvSpPr>
+          <p:cNvPr id="3" name="Tartalom helye 2">
+            <a:extLst>
+              <a:ext uri="{FF2B5EF4-FFF2-40B4-BE49-F238E27FC236}">
+                <a16:creationId xmlns:a16="http://schemas.microsoft.com/office/drawing/2014/main" id="{AA837898-0F2F-4E3F-9A25-EA452C8E2529}"/>
+              </a:ext>
+            </a:extLst>
+          </p:cNvPr>
+          <p:cNvSpPr>
+            <a:spLocks noGrp="1"/>
+          </p:cNvSpPr>
+          <p:nvPr>
+            <p:ph idx="1"/>
+          </p:nvPr>
+        </p:nvSpPr>
+        <p:spPr/>
+        <p:txBody>
+          <a:bodyPr/>
+          <a:lstStyle/>
+          <a:p>
+            <a:r>
+              <a:rPr lang="hu-HU" dirty="0"/>
+              <a:t>A nem numerikus értékek (például </a:t>
+            </a:r>
+            <a:r>
+              <a:rPr lang="hu-HU" dirty="0" err="1"/>
+              <a:t>Property_Area</a:t>
+            </a:r>
+            <a:r>
+              <a:rPr lang="hu-HU" dirty="0"/>
+              <a:t> stb.) frekvencia eloszlását is érdemes áttekinteni annak megértéséhez, hogy értelme van-e vagy sem. Számoljuk meg, hogy az ingatlan lakókörnyezet értékeknek milyen előfordulásai vannak:</a:t>
+            </a:r>
+          </a:p>
+          <a:p>
+            <a:r>
+              <a:rPr lang="hu-HU" dirty="0" err="1">
+                <a:latin typeface="Courier New" panose="02070309020205020404" pitchFamily="49" charset="0"/>
+                <a:cs typeface="Courier New" panose="02070309020205020404" pitchFamily="49" charset="0"/>
+              </a:rPr>
+              <a:t>df</a:t>
+            </a:r>
+            <a:r>
+              <a:rPr lang="hu-HU" dirty="0">
+                <a:latin typeface="Courier New" panose="02070309020205020404" pitchFamily="49" charset="0"/>
+                <a:cs typeface="Courier New" panose="02070309020205020404" pitchFamily="49" charset="0"/>
+              </a:rPr>
+              <a:t>['</a:t>
+            </a:r>
+            <a:r>
+              <a:rPr lang="hu-HU" dirty="0" err="1">
+                <a:latin typeface="Courier New" panose="02070309020205020404" pitchFamily="49" charset="0"/>
+                <a:cs typeface="Courier New" panose="02070309020205020404" pitchFamily="49" charset="0"/>
+              </a:rPr>
+              <a:t>Property_Area</a:t>
+            </a:r>
+            <a:r>
+              <a:rPr lang="hu-HU" dirty="0">
+                <a:latin typeface="Courier New" panose="02070309020205020404" pitchFamily="49" charset="0"/>
+                <a:cs typeface="Courier New" panose="02070309020205020404" pitchFamily="49" charset="0"/>
+              </a:rPr>
+              <a:t>'].</a:t>
+            </a:r>
+            <a:r>
+              <a:rPr lang="hu-HU" dirty="0" err="1">
+                <a:latin typeface="Courier New" panose="02070309020205020404" pitchFamily="49" charset="0"/>
+                <a:cs typeface="Courier New" panose="02070309020205020404" pitchFamily="49" charset="0"/>
+              </a:rPr>
+              <a:t>value_counts</a:t>
+            </a:r>
+            <a:r>
+              <a:rPr lang="hu-HU" dirty="0">
+                <a:latin typeface="Courier New" panose="02070309020205020404" pitchFamily="49" charset="0"/>
+                <a:cs typeface="Courier New" panose="02070309020205020404" pitchFamily="49" charset="0"/>
+              </a:rPr>
+              <a:t>()</a:t>
+            </a:r>
+          </a:p>
+          <a:p>
+            <a:endParaRPr lang="hu-HU" dirty="0"/>
+          </a:p>
+          <a:p>
+            <a:pPr marL="0" indent="0">
+              <a:buNone/>
+            </a:pPr>
+            <a:r>
+              <a:rPr lang="hu-HU" dirty="0"/>
+              <a:t>Eredmény:</a:t>
+            </a:r>
+          </a:p>
+          <a:p>
+            <a:r>
+              <a:rPr lang="hu-HU" dirty="0" err="1"/>
+              <a:t>Semiurban</a:t>
+            </a:r>
+            <a:r>
+              <a:rPr lang="hu-HU" dirty="0"/>
+              <a:t> 233</a:t>
+            </a:r>
+          </a:p>
+          <a:p>
+            <a:r>
+              <a:rPr lang="hu-HU" dirty="0"/>
+              <a:t>Urban 202</a:t>
+            </a:r>
+          </a:p>
+          <a:p>
+            <a:r>
+              <a:rPr lang="hu-HU" dirty="0" err="1"/>
+              <a:t>Rural</a:t>
+            </a:r>
+            <a:r>
+              <a:rPr lang="hu-HU" dirty="0"/>
+              <a:t> 179</a:t>
+            </a:r>
+          </a:p>
+          <a:p>
+            <a:r>
+              <a:rPr lang="hu-HU" dirty="0" err="1"/>
+              <a:t>Name</a:t>
+            </a:r>
+            <a:r>
+              <a:rPr lang="hu-HU" dirty="0"/>
+              <a:t>: </a:t>
+            </a:r>
+            <a:r>
+              <a:rPr lang="hu-HU" dirty="0" err="1"/>
+              <a:t>Property_Area</a:t>
+            </a:r>
+            <a:r>
+              <a:rPr lang="hu-HU" dirty="0"/>
+              <a:t>, </a:t>
+            </a:r>
+            <a:r>
+              <a:rPr lang="hu-HU" dirty="0" err="1"/>
+              <a:t>dtype</a:t>
+            </a:r>
+            <a:r>
+              <a:rPr lang="hu-HU" dirty="0"/>
+              <a:t>: int64</a:t>
+            </a:r>
+          </a:p>
+          <a:p>
+            <a:endParaRPr lang="hu-HU" dirty="0"/>
+          </a:p>
+        </p:txBody>
+      </p:sp>
+      <p:sp>
+        <p:nvSpPr>
+          <p:cNvPr id="4" name="Dia számának helye 3">
+            <a:extLst>
+              <a:ext uri="{FF2B5EF4-FFF2-40B4-BE49-F238E27FC236}">
+                <a16:creationId xmlns:a16="http://schemas.microsoft.com/office/drawing/2014/main" id="{6D85AD2D-4859-473A-9429-B4DF2ACB9E79}"/>
+              </a:ext>
+            </a:extLst>
+          </p:cNvPr>
+          <p:cNvSpPr>
+            <a:spLocks noGrp="1"/>
+          </p:cNvSpPr>
+          <p:nvPr>
+            <p:ph type="sldNum" sz="quarter" idx="12"/>
+          </p:nvPr>
+        </p:nvSpPr>
+        <p:spPr/>
+        <p:txBody>
+          <a:bodyPr/>
+          <a:lstStyle/>
+          <a:p>
+            <a:fld id="{6D22F896-40B5-4ADD-8801-0D06FADFA095}" type="slidenum">
+              <a:rPr lang="en-US" smtClean="0"/>
+              <a:t>29</a:t>
+            </a:fld>
+            <a:endParaRPr lang="en-US" dirty="0"/>
+          </a:p>
+        </p:txBody>
+      </p:sp>
+    </p:spTree>
+    <p:extLst>
+      <p:ext uri="{BB962C8B-B14F-4D97-AF65-F5344CB8AC3E}">
+        <p14:creationId xmlns:p14="http://schemas.microsoft.com/office/powerpoint/2010/main" val="1191887617"/>
+      </p:ext>
+    </p:extLst>
+  </p:cSld>
+  <p:clrMapOvr>
+    <a:masterClrMapping/>
+  </p:clrMapOvr>
 </p:sld>
 </file>
 
@@ -14280,6 +18090,1884 @@
     <p:extLst>
       <p:ext uri="{BB962C8B-B14F-4D97-AF65-F5344CB8AC3E}">
         <p14:creationId xmlns:p14="http://schemas.microsoft.com/office/powerpoint/2010/main" val="3506126097"/>
+      </p:ext>
+    </p:extLst>
+  </p:cSld>
+  <p:clrMapOvr>
+    <a:masterClrMapping/>
+  </p:clrMapOvr>
+</p:sld>
+</file>
+
+<file path=ppt/slides/slide30.xml><?xml version="1.0" encoding="utf-8"?>
+<p:sld xmlns:a="http://schemas.openxmlformats.org/drawingml/2006/main" xmlns:r="http://schemas.openxmlformats.org/officeDocument/2006/relationships" xmlns:p="http://schemas.openxmlformats.org/presentationml/2006/main">
+  <p:cSld>
+    <p:spTree>
+      <p:nvGrpSpPr>
+        <p:cNvPr id="1" name=""/>
+        <p:cNvGrpSpPr/>
+        <p:nvPr/>
+      </p:nvGrpSpPr>
+      <p:grpSpPr>
+        <a:xfrm>
+          <a:off x="0" y="0"/>
+          <a:ext cx="0" cy="0"/>
+          <a:chOff x="0" y="0"/>
+          <a:chExt cx="0" cy="0"/>
+        </a:xfrm>
+      </p:grpSpPr>
+      <p:sp>
+        <p:nvSpPr>
+          <p:cNvPr id="2" name="Cím 1">
+            <a:extLst>
+              <a:ext uri="{FF2B5EF4-FFF2-40B4-BE49-F238E27FC236}">
+                <a16:creationId xmlns:a16="http://schemas.microsoft.com/office/drawing/2014/main" id="{3BBCD1AD-AD6E-400F-9CC3-E56A5668A344}"/>
+              </a:ext>
+            </a:extLst>
+          </p:cNvPr>
+          <p:cNvSpPr>
+            <a:spLocks noGrp="1"/>
+          </p:cNvSpPr>
+          <p:nvPr>
+            <p:ph type="title"/>
+          </p:nvPr>
+        </p:nvSpPr>
+        <p:spPr/>
+        <p:txBody>
+          <a:bodyPr/>
+          <a:lstStyle/>
+          <a:p>
+            <a:r>
+              <a:rPr lang="hu-HU" dirty="0"/>
+              <a:t>Eloszláselemzés</a:t>
+            </a:r>
+          </a:p>
+        </p:txBody>
+      </p:sp>
+      <p:sp>
+        <p:nvSpPr>
+          <p:cNvPr id="3" name="Tartalom helye 2">
+            <a:extLst>
+              <a:ext uri="{FF2B5EF4-FFF2-40B4-BE49-F238E27FC236}">
+                <a16:creationId xmlns:a16="http://schemas.microsoft.com/office/drawing/2014/main" id="{82645326-8B5A-4DE4-AFCF-77499EBDE2A1}"/>
+              </a:ext>
+            </a:extLst>
+          </p:cNvPr>
+          <p:cNvSpPr>
+            <a:spLocks noGrp="1"/>
+          </p:cNvSpPr>
+          <p:nvPr>
+            <p:ph idx="1"/>
+          </p:nvPr>
+        </p:nvSpPr>
+        <p:spPr/>
+        <p:txBody>
+          <a:bodyPr/>
+          <a:lstStyle/>
+          <a:p>
+            <a:r>
+              <a:rPr lang="hu-HU" dirty="0"/>
+              <a:t>A bevételeket osszuk 50 csoportba:</a:t>
+            </a:r>
+          </a:p>
+          <a:p>
+            <a:endParaRPr lang="hu-HU" dirty="0"/>
+          </a:p>
+          <a:p>
+            <a:endParaRPr lang="hu-HU" dirty="0"/>
+          </a:p>
+          <a:p>
+            <a:endParaRPr lang="hu-HU" dirty="0"/>
+          </a:p>
+          <a:p>
+            <a:endParaRPr lang="hu-HU" dirty="0"/>
+          </a:p>
+          <a:p>
+            <a:endParaRPr lang="hu-HU" dirty="0"/>
+          </a:p>
+          <a:p>
+            <a:endParaRPr lang="hu-HU" dirty="0"/>
+          </a:p>
+          <a:p>
+            <a:endParaRPr lang="hu-HU" dirty="0"/>
+          </a:p>
+          <a:p>
+            <a:endParaRPr lang="hu-HU" dirty="0"/>
+          </a:p>
+          <a:p>
+            <a:endParaRPr lang="hu-HU" dirty="0"/>
+          </a:p>
+          <a:p>
+            <a:endParaRPr lang="hu-HU" dirty="0"/>
+          </a:p>
+          <a:p>
+            <a:r>
+              <a:rPr lang="hu-HU" dirty="0"/>
+              <a:t>Megfigyelhetjük, hogy van néhány extrém érték. Ezért is kellett 50 kategória. Ahhoz, hogy megértsük az eloszlást, dolgozzunk tovább </a:t>
+            </a:r>
+            <a:r>
+              <a:rPr lang="hu-HU" dirty="0" err="1"/>
+              <a:t>ún</a:t>
+            </a:r>
+            <a:r>
+              <a:rPr lang="hu-HU" dirty="0"/>
+              <a:t> </a:t>
+            </a:r>
+            <a:r>
+              <a:rPr lang="hu-HU" dirty="0" err="1"/>
+              <a:t>blox</a:t>
+            </a:r>
+            <a:r>
+              <a:rPr lang="hu-HU" dirty="0"/>
+              <a:t> </a:t>
+            </a:r>
+            <a:r>
+              <a:rPr lang="hu-HU" dirty="0" err="1"/>
+              <a:t>plot</a:t>
+            </a:r>
+            <a:r>
+              <a:rPr lang="hu-HU" dirty="0"/>
+              <a:t> diagrammal:</a:t>
+            </a:r>
+          </a:p>
+          <a:p>
+            <a:endParaRPr lang="hu-HU" dirty="0"/>
+          </a:p>
+          <a:p>
+            <a:endParaRPr lang="hu-HU" dirty="0"/>
+          </a:p>
+          <a:p>
+            <a:endParaRPr lang="hu-HU" dirty="0"/>
+          </a:p>
+        </p:txBody>
+      </p:sp>
+      <p:sp>
+        <p:nvSpPr>
+          <p:cNvPr id="4" name="Dia számának helye 3">
+            <a:extLst>
+              <a:ext uri="{FF2B5EF4-FFF2-40B4-BE49-F238E27FC236}">
+                <a16:creationId xmlns:a16="http://schemas.microsoft.com/office/drawing/2014/main" id="{FF630293-D4B8-416A-92A5-8E30020F97DF}"/>
+              </a:ext>
+            </a:extLst>
+          </p:cNvPr>
+          <p:cNvSpPr>
+            <a:spLocks noGrp="1"/>
+          </p:cNvSpPr>
+          <p:nvPr>
+            <p:ph type="sldNum" sz="quarter" idx="12"/>
+          </p:nvPr>
+        </p:nvSpPr>
+        <p:spPr/>
+        <p:txBody>
+          <a:bodyPr/>
+          <a:lstStyle/>
+          <a:p>
+            <a:fld id="{6D22F896-40B5-4ADD-8801-0D06FADFA095}" type="slidenum">
+              <a:rPr lang="en-US" smtClean="0"/>
+              <a:t>30</a:t>
+            </a:fld>
+            <a:endParaRPr lang="en-US" dirty="0"/>
+          </a:p>
+        </p:txBody>
+      </p:sp>
+      <p:pic>
+        <p:nvPicPr>
+          <p:cNvPr id="5" name="Kép 4" descr="https://www.analyticsvidhya.com/wp-content/uploads/2016/01/output_6_1.png">
+            <a:extLst>
+              <a:ext uri="{FF2B5EF4-FFF2-40B4-BE49-F238E27FC236}">
+                <a16:creationId xmlns:a16="http://schemas.microsoft.com/office/drawing/2014/main" id="{4C938E8B-32D7-4527-B9A0-2B772413D6B7}"/>
+              </a:ext>
+            </a:extLst>
+          </p:cNvPr>
+          <p:cNvPicPr/>
+          <p:nvPr/>
+        </p:nvPicPr>
+        <p:blipFill>
+          <a:blip r:embed="rId2">
+            <a:extLst>
+              <a:ext uri="{28A0092B-C50C-407E-A947-70E740481C1C}">
+                <a14:useLocalDpi xmlns:a14="http://schemas.microsoft.com/office/drawing/2010/main" val="0"/>
+              </a:ext>
+            </a:extLst>
+          </a:blip>
+          <a:srcRect/>
+          <a:stretch>
+            <a:fillRect/>
+          </a:stretch>
+        </p:blipFill>
+        <p:spPr bwMode="auto">
+          <a:xfrm>
+            <a:off x="811568" y="1538515"/>
+            <a:ext cx="4457118" cy="3106056"/>
+          </a:xfrm>
+          <a:prstGeom prst="rect">
+            <a:avLst/>
+          </a:prstGeom>
+          <a:noFill/>
+          <a:ln>
+            <a:noFill/>
+          </a:ln>
+        </p:spPr>
+      </p:pic>
+    </p:spTree>
+    <p:extLst>
+      <p:ext uri="{BB962C8B-B14F-4D97-AF65-F5344CB8AC3E}">
+        <p14:creationId xmlns:p14="http://schemas.microsoft.com/office/powerpoint/2010/main" val="2120553436"/>
+      </p:ext>
+    </p:extLst>
+  </p:cSld>
+  <p:clrMapOvr>
+    <a:masterClrMapping/>
+  </p:clrMapOvr>
+</p:sld>
+</file>
+
+<file path=ppt/slides/slide31.xml><?xml version="1.0" encoding="utf-8"?>
+<p:sld xmlns:a="http://schemas.openxmlformats.org/drawingml/2006/main" xmlns:r="http://schemas.openxmlformats.org/officeDocument/2006/relationships" xmlns:p="http://schemas.openxmlformats.org/presentationml/2006/main">
+  <p:cSld>
+    <p:spTree>
+      <p:nvGrpSpPr>
+        <p:cNvPr id="1" name=""/>
+        <p:cNvGrpSpPr/>
+        <p:nvPr/>
+      </p:nvGrpSpPr>
+      <p:grpSpPr>
+        <a:xfrm>
+          <a:off x="0" y="0"/>
+          <a:ext cx="0" cy="0"/>
+          <a:chOff x="0" y="0"/>
+          <a:chExt cx="0" cy="0"/>
+        </a:xfrm>
+      </p:grpSpPr>
+      <p:sp>
+        <p:nvSpPr>
+          <p:cNvPr id="2" name="Cím 1">
+            <a:extLst>
+              <a:ext uri="{FF2B5EF4-FFF2-40B4-BE49-F238E27FC236}">
+                <a16:creationId xmlns:a16="http://schemas.microsoft.com/office/drawing/2014/main" id="{036EFCDD-5963-44A4-90CE-C94DC68E5AFB}"/>
+              </a:ext>
+            </a:extLst>
+          </p:cNvPr>
+          <p:cNvSpPr>
+            <a:spLocks noGrp="1"/>
+          </p:cNvSpPr>
+          <p:nvPr>
+            <p:ph type="title"/>
+          </p:nvPr>
+        </p:nvSpPr>
+        <p:spPr/>
+        <p:txBody>
+          <a:bodyPr/>
+          <a:lstStyle/>
+          <a:p>
+            <a:r>
+              <a:rPr lang="hu-HU" dirty="0"/>
+              <a:t>Bevételek gyorselemzése - </a:t>
+            </a:r>
+            <a:r>
+              <a:rPr lang="hu-HU" dirty="0" err="1"/>
+              <a:t>outlier</a:t>
+            </a:r>
+            <a:endParaRPr lang="hu-HU" dirty="0"/>
+          </a:p>
+        </p:txBody>
+      </p:sp>
+      <p:sp>
+        <p:nvSpPr>
+          <p:cNvPr id="3" name="Tartalom helye 2">
+            <a:extLst>
+              <a:ext uri="{FF2B5EF4-FFF2-40B4-BE49-F238E27FC236}">
+                <a16:creationId xmlns:a16="http://schemas.microsoft.com/office/drawing/2014/main" id="{00F41B1D-782E-481C-8F63-EF907DC6F1AD}"/>
+              </a:ext>
+            </a:extLst>
+          </p:cNvPr>
+          <p:cNvSpPr>
+            <a:spLocks noGrp="1"/>
+          </p:cNvSpPr>
+          <p:nvPr>
+            <p:ph idx="1"/>
+          </p:nvPr>
+        </p:nvSpPr>
+        <p:spPr/>
+        <p:txBody>
+          <a:bodyPr/>
+          <a:lstStyle/>
+          <a:p>
+            <a:r>
+              <a:rPr lang="hu-HU" dirty="0"/>
+              <a:t>Ez megerősítheti azt a feltevésünket, hogy több extrém érték (</a:t>
+            </a:r>
+            <a:r>
+              <a:rPr lang="hu-HU" dirty="0" err="1"/>
+              <a:t>outlier</a:t>
+            </a:r>
+            <a:r>
+              <a:rPr lang="hu-HU" dirty="0"/>
+              <a:t>) jövedelmi érték is lehet. Mindez a társadalom jövedelmi egyenlőtlenségeinek tulajdonítható be.</a:t>
+            </a:r>
+          </a:p>
+          <a:p>
+            <a:endParaRPr lang="hu-HU" dirty="0"/>
+          </a:p>
+        </p:txBody>
+      </p:sp>
+      <p:sp>
+        <p:nvSpPr>
+          <p:cNvPr id="4" name="Dia számának helye 3">
+            <a:extLst>
+              <a:ext uri="{FF2B5EF4-FFF2-40B4-BE49-F238E27FC236}">
+                <a16:creationId xmlns:a16="http://schemas.microsoft.com/office/drawing/2014/main" id="{E9134A03-B2CC-48E0-8D74-26AC28A823A8}"/>
+              </a:ext>
+            </a:extLst>
+          </p:cNvPr>
+          <p:cNvSpPr>
+            <a:spLocks noGrp="1"/>
+          </p:cNvSpPr>
+          <p:nvPr>
+            <p:ph type="sldNum" sz="quarter" idx="12"/>
+          </p:nvPr>
+        </p:nvSpPr>
+        <p:spPr/>
+        <p:txBody>
+          <a:bodyPr/>
+          <a:lstStyle/>
+          <a:p>
+            <a:fld id="{6D22F896-40B5-4ADD-8801-0D06FADFA095}" type="slidenum">
+              <a:rPr lang="en-US" smtClean="0"/>
+              <a:t>31</a:t>
+            </a:fld>
+            <a:endParaRPr lang="en-US" dirty="0"/>
+          </a:p>
+        </p:txBody>
+      </p:sp>
+      <p:pic>
+        <p:nvPicPr>
+          <p:cNvPr id="5" name="Kép 4" descr="https://www.analyticsvidhya.com/wp-content/uploads/2016/01/output_7_1.png">
+            <a:extLst>
+              <a:ext uri="{FF2B5EF4-FFF2-40B4-BE49-F238E27FC236}">
+                <a16:creationId xmlns:a16="http://schemas.microsoft.com/office/drawing/2014/main" id="{CD7824A1-A3F9-4A75-8B3D-C379454B96E2}"/>
+              </a:ext>
+            </a:extLst>
+          </p:cNvPr>
+          <p:cNvPicPr/>
+          <p:nvPr/>
+        </p:nvPicPr>
+        <p:blipFill>
+          <a:blip r:embed="rId2">
+            <a:extLst>
+              <a:ext uri="{28A0092B-C50C-407E-A947-70E740481C1C}">
+                <a14:useLocalDpi xmlns:a14="http://schemas.microsoft.com/office/drawing/2010/main" val="0"/>
+              </a:ext>
+            </a:extLst>
+          </a:blip>
+          <a:srcRect/>
+          <a:stretch>
+            <a:fillRect/>
+          </a:stretch>
+        </p:blipFill>
+        <p:spPr bwMode="auto">
+          <a:xfrm>
+            <a:off x="3062513" y="2211070"/>
+            <a:ext cx="5533753" cy="3840738"/>
+          </a:xfrm>
+          <a:prstGeom prst="rect">
+            <a:avLst/>
+          </a:prstGeom>
+          <a:noFill/>
+          <a:ln>
+            <a:noFill/>
+          </a:ln>
+        </p:spPr>
+      </p:pic>
+    </p:spTree>
+    <p:extLst>
+      <p:ext uri="{BB962C8B-B14F-4D97-AF65-F5344CB8AC3E}">
+        <p14:creationId xmlns:p14="http://schemas.microsoft.com/office/powerpoint/2010/main" val="4185648694"/>
+      </p:ext>
+    </p:extLst>
+  </p:cSld>
+  <p:clrMapOvr>
+    <a:masterClrMapping/>
+  </p:clrMapOvr>
+</p:sld>
+</file>
+
+<file path=ppt/slides/slide32.xml><?xml version="1.0" encoding="utf-8"?>
+<p:sld xmlns:a="http://schemas.openxmlformats.org/drawingml/2006/main" xmlns:r="http://schemas.openxmlformats.org/officeDocument/2006/relationships" xmlns:p="http://schemas.openxmlformats.org/presentationml/2006/main">
+  <p:cSld>
+    <p:spTree>
+      <p:nvGrpSpPr>
+        <p:cNvPr id="1" name=""/>
+        <p:cNvGrpSpPr/>
+        <p:nvPr/>
+      </p:nvGrpSpPr>
+      <p:grpSpPr>
+        <a:xfrm>
+          <a:off x="0" y="0"/>
+          <a:ext cx="0" cy="0"/>
+          <a:chOff x="0" y="0"/>
+          <a:chExt cx="0" cy="0"/>
+        </a:xfrm>
+      </p:grpSpPr>
+      <p:sp>
+        <p:nvSpPr>
+          <p:cNvPr id="2" name="Cím 1">
+            <a:extLst>
+              <a:ext uri="{FF2B5EF4-FFF2-40B4-BE49-F238E27FC236}">
+                <a16:creationId xmlns:a16="http://schemas.microsoft.com/office/drawing/2014/main" id="{1B9B8FBC-45F3-42E8-AC69-7C21DF7AFB94}"/>
+              </a:ext>
+            </a:extLst>
+          </p:cNvPr>
+          <p:cNvSpPr>
+            <a:spLocks noGrp="1"/>
+          </p:cNvSpPr>
+          <p:nvPr>
+            <p:ph type="title"/>
+          </p:nvPr>
+        </p:nvSpPr>
+        <p:spPr>
+          <a:xfrm>
+            <a:off x="791679" y="105794"/>
+            <a:ext cx="9577084" cy="946529"/>
+          </a:xfrm>
+        </p:spPr>
+        <p:txBody>
+          <a:bodyPr/>
+          <a:lstStyle/>
+          <a:p>
+            <a:r>
+              <a:rPr lang="hu-HU" dirty="0"/>
+              <a:t>Iskolai végzettség, nem szerinti alábontás</a:t>
+            </a:r>
+          </a:p>
+        </p:txBody>
+      </p:sp>
+      <p:sp>
+        <p:nvSpPr>
+          <p:cNvPr id="3" name="Tartalom helye 2">
+            <a:extLst>
+              <a:ext uri="{FF2B5EF4-FFF2-40B4-BE49-F238E27FC236}">
+                <a16:creationId xmlns:a16="http://schemas.microsoft.com/office/drawing/2014/main" id="{05193C4B-1519-4370-801E-F4FBB5D8C0F3}"/>
+              </a:ext>
+            </a:extLst>
+          </p:cNvPr>
+          <p:cNvSpPr>
+            <a:spLocks noGrp="1"/>
+          </p:cNvSpPr>
+          <p:nvPr>
+            <p:ph idx="1"/>
+          </p:nvPr>
+        </p:nvSpPr>
+        <p:spPr/>
+        <p:txBody>
+          <a:bodyPr/>
+          <a:lstStyle/>
+          <a:p>
+            <a:r>
+              <a:rPr lang="hu-HU" dirty="0"/>
+              <a:t>Ahhoz, hogy a különböző paraméterek hatásait is tudjuk vizsgálni bontsuk szét az adatsort nem, iskolai végzettség szerint:</a:t>
+            </a:r>
+          </a:p>
+          <a:p>
+            <a:endParaRPr lang="hu-HU" dirty="0"/>
+          </a:p>
+        </p:txBody>
+      </p:sp>
+      <p:sp>
+        <p:nvSpPr>
+          <p:cNvPr id="4" name="Dia számának helye 3">
+            <a:extLst>
+              <a:ext uri="{FF2B5EF4-FFF2-40B4-BE49-F238E27FC236}">
+                <a16:creationId xmlns:a16="http://schemas.microsoft.com/office/drawing/2014/main" id="{D34548CC-6412-4344-A27F-8E125809261F}"/>
+              </a:ext>
+            </a:extLst>
+          </p:cNvPr>
+          <p:cNvSpPr>
+            <a:spLocks noGrp="1"/>
+          </p:cNvSpPr>
+          <p:nvPr>
+            <p:ph type="sldNum" sz="quarter" idx="12"/>
+          </p:nvPr>
+        </p:nvSpPr>
+        <p:spPr/>
+        <p:txBody>
+          <a:bodyPr/>
+          <a:lstStyle/>
+          <a:p>
+            <a:fld id="{6D22F896-40B5-4ADD-8801-0D06FADFA095}" type="slidenum">
+              <a:rPr lang="en-US" smtClean="0"/>
+              <a:t>32</a:t>
+            </a:fld>
+            <a:endParaRPr lang="en-US" dirty="0"/>
+          </a:p>
+        </p:txBody>
+      </p:sp>
+      <p:pic>
+        <p:nvPicPr>
+          <p:cNvPr id="5" name="Kép 4">
+            <a:extLst>
+              <a:ext uri="{FF2B5EF4-FFF2-40B4-BE49-F238E27FC236}">
+                <a16:creationId xmlns:a16="http://schemas.microsoft.com/office/drawing/2014/main" id="{2170CE5D-8F2A-441C-AC37-D4615579159D}"/>
+              </a:ext>
+            </a:extLst>
+          </p:cNvPr>
+          <p:cNvPicPr/>
+          <p:nvPr/>
+        </p:nvPicPr>
+        <p:blipFill>
+          <a:blip r:embed="rId2"/>
+          <a:stretch>
+            <a:fillRect/>
+          </a:stretch>
+        </p:blipFill>
+        <p:spPr>
+          <a:xfrm>
+            <a:off x="1073240" y="2303786"/>
+            <a:ext cx="5022760" cy="3238592"/>
+          </a:xfrm>
+          <a:prstGeom prst="rect">
+            <a:avLst/>
+          </a:prstGeom>
+        </p:spPr>
+      </p:pic>
+      <p:pic>
+        <p:nvPicPr>
+          <p:cNvPr id="6" name="Kép 5" descr="https://www.analyticsvidhya.com/wp-content/uploads/2016/01/output_9_1.png">
+            <a:extLst>
+              <a:ext uri="{FF2B5EF4-FFF2-40B4-BE49-F238E27FC236}">
+                <a16:creationId xmlns:a16="http://schemas.microsoft.com/office/drawing/2014/main" id="{661CA6E6-5946-44C4-B607-4DCC3C1C3B4F}"/>
+              </a:ext>
+            </a:extLst>
+          </p:cNvPr>
+          <p:cNvPicPr/>
+          <p:nvPr/>
+        </p:nvPicPr>
+        <p:blipFill>
+          <a:blip r:embed="rId3">
+            <a:extLst>
+              <a:ext uri="{28A0092B-C50C-407E-A947-70E740481C1C}">
+                <a14:useLocalDpi xmlns:a14="http://schemas.microsoft.com/office/drawing/2010/main" val="0"/>
+              </a:ext>
+            </a:extLst>
+          </a:blip>
+          <a:srcRect/>
+          <a:stretch>
+            <a:fillRect/>
+          </a:stretch>
+        </p:blipFill>
+        <p:spPr bwMode="auto">
+          <a:xfrm>
+            <a:off x="6495643" y="2303786"/>
+            <a:ext cx="4594089" cy="3238592"/>
+          </a:xfrm>
+          <a:prstGeom prst="rect">
+            <a:avLst/>
+          </a:prstGeom>
+          <a:noFill/>
+          <a:ln>
+            <a:noFill/>
+          </a:ln>
+        </p:spPr>
+      </p:pic>
+    </p:spTree>
+    <p:extLst>
+      <p:ext uri="{BB962C8B-B14F-4D97-AF65-F5344CB8AC3E}">
+        <p14:creationId xmlns:p14="http://schemas.microsoft.com/office/powerpoint/2010/main" val="4010543003"/>
+      </p:ext>
+    </p:extLst>
+  </p:cSld>
+  <p:clrMapOvr>
+    <a:masterClrMapping/>
+  </p:clrMapOvr>
+</p:sld>
+</file>
+
+<file path=ppt/slides/slide33.xml><?xml version="1.0" encoding="utf-8"?>
+<p:sld xmlns:a="http://schemas.openxmlformats.org/drawingml/2006/main" xmlns:r="http://schemas.openxmlformats.org/officeDocument/2006/relationships" xmlns:p="http://schemas.openxmlformats.org/presentationml/2006/main">
+  <p:cSld>
+    <p:spTree>
+      <p:nvGrpSpPr>
+        <p:cNvPr id="1" name=""/>
+        <p:cNvGrpSpPr/>
+        <p:nvPr/>
+      </p:nvGrpSpPr>
+      <p:grpSpPr>
+        <a:xfrm>
+          <a:off x="0" y="0"/>
+          <a:ext cx="0" cy="0"/>
+          <a:chOff x="0" y="0"/>
+          <a:chExt cx="0" cy="0"/>
+        </a:xfrm>
+      </p:grpSpPr>
+      <p:sp>
+        <p:nvSpPr>
+          <p:cNvPr id="2" name="Cím 1">
+            <a:extLst>
+              <a:ext uri="{FF2B5EF4-FFF2-40B4-BE49-F238E27FC236}">
+                <a16:creationId xmlns:a16="http://schemas.microsoft.com/office/drawing/2014/main" id="{B9C709C2-521D-407A-B6E1-C775D7D22AB9}"/>
+              </a:ext>
+            </a:extLst>
+          </p:cNvPr>
+          <p:cNvSpPr>
+            <a:spLocks noGrp="1"/>
+          </p:cNvSpPr>
+          <p:nvPr>
+            <p:ph type="title"/>
+          </p:nvPr>
+        </p:nvSpPr>
+        <p:spPr/>
+        <p:txBody>
+          <a:bodyPr/>
+          <a:lstStyle/>
+          <a:p>
+            <a:r>
+              <a:rPr lang="hu-HU" dirty="0"/>
+              <a:t>Iskolai végzettség, nem szerinti alábontás</a:t>
+            </a:r>
+          </a:p>
+        </p:txBody>
+      </p:sp>
+      <p:sp>
+        <p:nvSpPr>
+          <p:cNvPr id="3" name="Tartalom helye 2">
+            <a:extLst>
+              <a:ext uri="{FF2B5EF4-FFF2-40B4-BE49-F238E27FC236}">
+                <a16:creationId xmlns:a16="http://schemas.microsoft.com/office/drawing/2014/main" id="{FA290B85-7524-495D-B285-58A40176A1BB}"/>
+              </a:ext>
+            </a:extLst>
+          </p:cNvPr>
+          <p:cNvSpPr>
+            <a:spLocks noGrp="1"/>
+          </p:cNvSpPr>
+          <p:nvPr>
+            <p:ph idx="1"/>
+          </p:nvPr>
+        </p:nvSpPr>
+        <p:spPr/>
+        <p:txBody>
+          <a:bodyPr/>
+          <a:lstStyle/>
+          <a:p>
+            <a:r>
+              <a:rPr lang="hu-HU" dirty="0"/>
+              <a:t>Látható, hogy a diplomások többet keresnek, ugyanakkor van közöttük néhány nagyon kiugró érték (</a:t>
+            </a:r>
+            <a:r>
+              <a:rPr lang="hu-HU" dirty="0" err="1"/>
+              <a:t>outlier</a:t>
+            </a:r>
+            <a:r>
+              <a:rPr lang="hu-HU" dirty="0"/>
+              <a:t>).</a:t>
+            </a:r>
+          </a:p>
+          <a:p>
+            <a:r>
+              <a:rPr lang="hu-HU" dirty="0"/>
+              <a:t>Nézzük meg a hitelösszeg eloszlását is (hisztogrammal és </a:t>
+            </a:r>
+            <a:r>
+              <a:rPr lang="hu-HU" dirty="0" err="1"/>
+              <a:t>boxplottal</a:t>
+            </a:r>
+            <a:r>
+              <a:rPr lang="hu-HU" dirty="0"/>
+              <a:t>):</a:t>
+            </a:r>
+          </a:p>
+          <a:p>
+            <a:endParaRPr lang="hu-HU" dirty="0"/>
+          </a:p>
+          <a:p>
+            <a:endParaRPr lang="hu-HU" dirty="0"/>
+          </a:p>
+        </p:txBody>
+      </p:sp>
+      <p:sp>
+        <p:nvSpPr>
+          <p:cNvPr id="4" name="Dia számának helye 3">
+            <a:extLst>
+              <a:ext uri="{FF2B5EF4-FFF2-40B4-BE49-F238E27FC236}">
+                <a16:creationId xmlns:a16="http://schemas.microsoft.com/office/drawing/2014/main" id="{DE8A445C-7C75-4EE1-97CC-36E1C24B46E4}"/>
+              </a:ext>
+            </a:extLst>
+          </p:cNvPr>
+          <p:cNvSpPr>
+            <a:spLocks noGrp="1"/>
+          </p:cNvSpPr>
+          <p:nvPr>
+            <p:ph type="sldNum" sz="quarter" idx="12"/>
+          </p:nvPr>
+        </p:nvSpPr>
+        <p:spPr/>
+        <p:txBody>
+          <a:bodyPr/>
+          <a:lstStyle/>
+          <a:p>
+            <a:fld id="{6D22F896-40B5-4ADD-8801-0D06FADFA095}" type="slidenum">
+              <a:rPr lang="en-US" smtClean="0"/>
+              <a:t>33</a:t>
+            </a:fld>
+            <a:endParaRPr lang="en-US" dirty="0"/>
+          </a:p>
+        </p:txBody>
+      </p:sp>
+      <p:pic>
+        <p:nvPicPr>
+          <p:cNvPr id="5" name="Kép 4" descr="https://www.analyticsvidhya.com/wp-content/uploads/2016/01/output_13_1.png">
+            <a:extLst>
+              <a:ext uri="{FF2B5EF4-FFF2-40B4-BE49-F238E27FC236}">
+                <a16:creationId xmlns:a16="http://schemas.microsoft.com/office/drawing/2014/main" id="{2E9D7349-AC3A-4BE1-8937-503B896340A2}"/>
+              </a:ext>
+            </a:extLst>
+          </p:cNvPr>
+          <p:cNvPicPr/>
+          <p:nvPr/>
+        </p:nvPicPr>
+        <p:blipFill>
+          <a:blip r:embed="rId2">
+            <a:extLst>
+              <a:ext uri="{28A0092B-C50C-407E-A947-70E740481C1C}">
+                <a14:useLocalDpi xmlns:a14="http://schemas.microsoft.com/office/drawing/2010/main" val="0"/>
+              </a:ext>
+            </a:extLst>
+          </a:blip>
+          <a:srcRect/>
+          <a:stretch>
+            <a:fillRect/>
+          </a:stretch>
+        </p:blipFill>
+        <p:spPr bwMode="auto">
+          <a:xfrm>
+            <a:off x="1001485" y="2515612"/>
+            <a:ext cx="5108756" cy="3840738"/>
+          </a:xfrm>
+          <a:prstGeom prst="rect">
+            <a:avLst/>
+          </a:prstGeom>
+          <a:noFill/>
+          <a:ln>
+            <a:noFill/>
+          </a:ln>
+        </p:spPr>
+      </p:pic>
+      <p:pic>
+        <p:nvPicPr>
+          <p:cNvPr id="6" name="Kép 5" descr="https://www.analyticsvidhya.com/wp-content/uploads/2016/01/output_14_1.png">
+            <a:extLst>
+              <a:ext uri="{FF2B5EF4-FFF2-40B4-BE49-F238E27FC236}">
+                <a16:creationId xmlns:a16="http://schemas.microsoft.com/office/drawing/2014/main" id="{2D3DF1FF-83F2-4186-9339-934B43B49CC4}"/>
+              </a:ext>
+            </a:extLst>
+          </p:cNvPr>
+          <p:cNvPicPr/>
+          <p:nvPr/>
+        </p:nvPicPr>
+        <p:blipFill>
+          <a:blip r:embed="rId3">
+            <a:extLst>
+              <a:ext uri="{28A0092B-C50C-407E-A947-70E740481C1C}">
+                <a14:useLocalDpi xmlns:a14="http://schemas.microsoft.com/office/drawing/2010/main" val="0"/>
+              </a:ext>
+            </a:extLst>
+          </a:blip>
+          <a:srcRect/>
+          <a:stretch>
+            <a:fillRect/>
+          </a:stretch>
+        </p:blipFill>
+        <p:spPr bwMode="auto">
+          <a:xfrm>
+            <a:off x="6139269" y="2515612"/>
+            <a:ext cx="4882635" cy="3712409"/>
+          </a:xfrm>
+          <a:prstGeom prst="rect">
+            <a:avLst/>
+          </a:prstGeom>
+          <a:noFill/>
+          <a:ln>
+            <a:noFill/>
+          </a:ln>
+        </p:spPr>
+      </p:pic>
+    </p:spTree>
+    <p:extLst>
+      <p:ext uri="{BB962C8B-B14F-4D97-AF65-F5344CB8AC3E}">
+        <p14:creationId xmlns:p14="http://schemas.microsoft.com/office/powerpoint/2010/main" val="4231058940"/>
+      </p:ext>
+    </p:extLst>
+  </p:cSld>
+  <p:clrMapOvr>
+    <a:masterClrMapping/>
+  </p:clrMapOvr>
+</p:sld>
+</file>
+
+<file path=ppt/slides/slide34.xml><?xml version="1.0" encoding="utf-8"?>
+<p:sld xmlns:a="http://schemas.openxmlformats.org/drawingml/2006/main" xmlns:r="http://schemas.openxmlformats.org/officeDocument/2006/relationships" xmlns:p="http://schemas.openxmlformats.org/presentationml/2006/main">
+  <p:cSld>
+    <p:spTree>
+      <p:nvGrpSpPr>
+        <p:cNvPr id="1" name=""/>
+        <p:cNvGrpSpPr/>
+        <p:nvPr/>
+      </p:nvGrpSpPr>
+      <p:grpSpPr>
+        <a:xfrm>
+          <a:off x="0" y="0"/>
+          <a:ext cx="0" cy="0"/>
+          <a:chOff x="0" y="0"/>
+          <a:chExt cx="0" cy="0"/>
+        </a:xfrm>
+      </p:grpSpPr>
+      <p:sp>
+        <p:nvSpPr>
+          <p:cNvPr id="2" name="Cím 1">
+            <a:extLst>
+              <a:ext uri="{FF2B5EF4-FFF2-40B4-BE49-F238E27FC236}">
+                <a16:creationId xmlns:a16="http://schemas.microsoft.com/office/drawing/2014/main" id="{FB2E4EB4-1B00-402E-98A7-3CC92BDEC0FA}"/>
+              </a:ext>
+            </a:extLst>
+          </p:cNvPr>
+          <p:cNvSpPr>
+            <a:spLocks noGrp="1"/>
+          </p:cNvSpPr>
+          <p:nvPr>
+            <p:ph type="title"/>
+          </p:nvPr>
+        </p:nvSpPr>
+        <p:spPr/>
+        <p:txBody>
+          <a:bodyPr/>
+          <a:lstStyle/>
+          <a:p>
+            <a:r>
+              <a:rPr lang="hu-HU" dirty="0"/>
+              <a:t>Excel </a:t>
+            </a:r>
+            <a:r>
+              <a:rPr lang="hu-HU" dirty="0" err="1"/>
+              <a:t>Pivot</a:t>
+            </a:r>
+            <a:endParaRPr lang="hu-HU" dirty="0"/>
+          </a:p>
+        </p:txBody>
+      </p:sp>
+      <p:sp>
+        <p:nvSpPr>
+          <p:cNvPr id="3" name="Tartalom helye 2">
+            <a:extLst>
+              <a:ext uri="{FF2B5EF4-FFF2-40B4-BE49-F238E27FC236}">
+                <a16:creationId xmlns:a16="http://schemas.microsoft.com/office/drawing/2014/main" id="{7B846896-B2CB-4DC9-94DA-51A7BDDD2CC8}"/>
+              </a:ext>
+            </a:extLst>
+          </p:cNvPr>
+          <p:cNvSpPr>
+            <a:spLocks noGrp="1"/>
+          </p:cNvSpPr>
+          <p:nvPr>
+            <p:ph idx="1"/>
+          </p:nvPr>
+        </p:nvSpPr>
+        <p:spPr/>
+        <p:txBody>
+          <a:bodyPr/>
+          <a:lstStyle/>
+          <a:p>
+            <a:r>
+              <a:rPr lang="hu-HU" dirty="0"/>
+              <a:t>Látható, hogy itt is van néhány kiugró érték. Haladjunk picit tovább, nézzük meg, hogy milyen hatása van a hiteltörténetnek. Ezt Excel </a:t>
+            </a:r>
+            <a:r>
+              <a:rPr lang="hu-HU" dirty="0" err="1"/>
+              <a:t>pivot</a:t>
+            </a:r>
+            <a:r>
+              <a:rPr lang="hu-HU" dirty="0"/>
+              <a:t> táblával is meg lehetne vizsgálni?</a:t>
+            </a:r>
+          </a:p>
+          <a:p>
+            <a:endParaRPr lang="hu-HU" dirty="0"/>
+          </a:p>
+          <a:p>
+            <a:r>
+              <a:rPr lang="hu-HU" dirty="0"/>
+              <a:t>Mivel a Hitel státusz értéke 0 vagy 1 lehet, ezért ennek az átlaga mutathatja hitelkérelem esélyét.</a:t>
+            </a:r>
+          </a:p>
+          <a:p>
+            <a:endParaRPr lang="hu-HU" dirty="0"/>
+          </a:p>
+        </p:txBody>
+      </p:sp>
+      <p:sp>
+        <p:nvSpPr>
+          <p:cNvPr id="4" name="Dia számának helye 3">
+            <a:extLst>
+              <a:ext uri="{FF2B5EF4-FFF2-40B4-BE49-F238E27FC236}">
+                <a16:creationId xmlns:a16="http://schemas.microsoft.com/office/drawing/2014/main" id="{4F24B8F7-7502-4612-8DB1-00A80C4DD1DF}"/>
+              </a:ext>
+            </a:extLst>
+          </p:cNvPr>
+          <p:cNvSpPr>
+            <a:spLocks noGrp="1"/>
+          </p:cNvSpPr>
+          <p:nvPr>
+            <p:ph type="sldNum" sz="quarter" idx="12"/>
+          </p:nvPr>
+        </p:nvSpPr>
+        <p:spPr/>
+        <p:txBody>
+          <a:bodyPr/>
+          <a:lstStyle/>
+          <a:p>
+            <a:fld id="{6D22F896-40B5-4ADD-8801-0D06FADFA095}" type="slidenum">
+              <a:rPr lang="en-US" smtClean="0"/>
+              <a:t>34</a:t>
+            </a:fld>
+            <a:endParaRPr lang="en-US" dirty="0"/>
+          </a:p>
+        </p:txBody>
+      </p:sp>
+      <p:pic>
+        <p:nvPicPr>
+          <p:cNvPr id="6" name="Kép 5" descr="https://www.analyticsvidhya.com/wp-content/uploads/2016/01/10.-pivot_table3.png">
+            <a:extLst>
+              <a:ext uri="{FF2B5EF4-FFF2-40B4-BE49-F238E27FC236}">
+                <a16:creationId xmlns:a16="http://schemas.microsoft.com/office/drawing/2014/main" id="{B9D4EDBA-656D-4BA5-BD43-68C92C365399}"/>
+              </a:ext>
+            </a:extLst>
+          </p:cNvPr>
+          <p:cNvPicPr/>
+          <p:nvPr/>
+        </p:nvPicPr>
+        <p:blipFill>
+          <a:blip r:embed="rId2">
+            <a:extLst>
+              <a:ext uri="{28A0092B-C50C-407E-A947-70E740481C1C}">
+                <a14:useLocalDpi xmlns:a14="http://schemas.microsoft.com/office/drawing/2010/main" val="0"/>
+              </a:ext>
+            </a:extLst>
+          </a:blip>
+          <a:srcRect/>
+          <a:stretch>
+            <a:fillRect/>
+          </a:stretch>
+        </p:blipFill>
+        <p:spPr bwMode="auto">
+          <a:xfrm>
+            <a:off x="2699861" y="3233724"/>
+            <a:ext cx="5760720" cy="3012440"/>
+          </a:xfrm>
+          <a:prstGeom prst="rect">
+            <a:avLst/>
+          </a:prstGeom>
+          <a:noFill/>
+          <a:ln>
+            <a:noFill/>
+          </a:ln>
+        </p:spPr>
+      </p:pic>
+    </p:spTree>
+    <p:extLst>
+      <p:ext uri="{BB962C8B-B14F-4D97-AF65-F5344CB8AC3E}">
+        <p14:creationId xmlns:p14="http://schemas.microsoft.com/office/powerpoint/2010/main" val="931944158"/>
+      </p:ext>
+    </p:extLst>
+  </p:cSld>
+  <p:clrMapOvr>
+    <a:masterClrMapping/>
+  </p:clrMapOvr>
+</p:sld>
+</file>
+
+<file path=ppt/slides/slide35.xml><?xml version="1.0" encoding="utf-8"?>
+<p:sld xmlns:a="http://schemas.openxmlformats.org/drawingml/2006/main" xmlns:r="http://schemas.openxmlformats.org/officeDocument/2006/relationships" xmlns:p="http://schemas.openxmlformats.org/presentationml/2006/main">
+  <p:cSld>
+    <p:spTree>
+      <p:nvGrpSpPr>
+        <p:cNvPr id="1" name=""/>
+        <p:cNvGrpSpPr/>
+        <p:nvPr/>
+      </p:nvGrpSpPr>
+      <p:grpSpPr>
+        <a:xfrm>
+          <a:off x="0" y="0"/>
+          <a:ext cx="0" cy="0"/>
+          <a:chOff x="0" y="0"/>
+          <a:chExt cx="0" cy="0"/>
+        </a:xfrm>
+      </p:grpSpPr>
+      <p:sp>
+        <p:nvSpPr>
+          <p:cNvPr id="2" name="Cím 1">
+            <a:extLst>
+              <a:ext uri="{FF2B5EF4-FFF2-40B4-BE49-F238E27FC236}">
+                <a16:creationId xmlns:a16="http://schemas.microsoft.com/office/drawing/2014/main" id="{D91DF345-A162-405F-939F-F69E8E6C053A}"/>
+              </a:ext>
+            </a:extLst>
+          </p:cNvPr>
+          <p:cNvSpPr>
+            <a:spLocks noGrp="1"/>
+          </p:cNvSpPr>
+          <p:nvPr>
+            <p:ph type="title"/>
+          </p:nvPr>
+        </p:nvSpPr>
+        <p:spPr/>
+        <p:txBody>
+          <a:bodyPr/>
+          <a:lstStyle/>
+          <a:p>
+            <a:r>
+              <a:rPr lang="hu-HU" dirty="0"/>
+              <a:t>Gyakorisági eloszlás, valószínűség:</a:t>
+            </a:r>
+          </a:p>
+        </p:txBody>
+      </p:sp>
+      <p:sp>
+        <p:nvSpPr>
+          <p:cNvPr id="3" name="Tartalom helye 2">
+            <a:extLst>
+              <a:ext uri="{FF2B5EF4-FFF2-40B4-BE49-F238E27FC236}">
+                <a16:creationId xmlns:a16="http://schemas.microsoft.com/office/drawing/2014/main" id="{9749DAD7-EC16-47F4-95E5-9D6458F40248}"/>
+              </a:ext>
+            </a:extLst>
+          </p:cNvPr>
+          <p:cNvSpPr>
+            <a:spLocks noGrp="1"/>
+          </p:cNvSpPr>
+          <p:nvPr>
+            <p:ph idx="1"/>
+          </p:nvPr>
+        </p:nvSpPr>
+        <p:spPr/>
+        <p:txBody>
+          <a:bodyPr/>
+          <a:lstStyle/>
+          <a:p>
+            <a:r>
+              <a:rPr lang="hu-HU" dirty="0"/>
+              <a:t>Számítsuk ki, hogy azok, akik már korábban kaptak hitelt (azaz már van </a:t>
+            </a:r>
+            <a:r>
+              <a:rPr lang="hu-HU" dirty="0" err="1"/>
+              <a:t>credit_history</a:t>
+            </a:r>
+            <a:r>
+              <a:rPr lang="hu-HU" dirty="0"/>
+              <a:t>) értékük, milyen valószínűséggel kapnak hitelt?</a:t>
+            </a:r>
+          </a:p>
+          <a:p>
+            <a:r>
+              <a:rPr lang="hu-HU" dirty="0"/>
+              <a:t>Rajzoljuk ezt ki egy Excelhez hasonló kimutatással:</a:t>
+            </a:r>
+          </a:p>
+        </p:txBody>
+      </p:sp>
+      <p:sp>
+        <p:nvSpPr>
+          <p:cNvPr id="4" name="Dia számának helye 3">
+            <a:extLst>
+              <a:ext uri="{FF2B5EF4-FFF2-40B4-BE49-F238E27FC236}">
+                <a16:creationId xmlns:a16="http://schemas.microsoft.com/office/drawing/2014/main" id="{4FEB10C9-FD06-49A6-9395-CEC550B98EC0}"/>
+              </a:ext>
+            </a:extLst>
+          </p:cNvPr>
+          <p:cNvSpPr>
+            <a:spLocks noGrp="1"/>
+          </p:cNvSpPr>
+          <p:nvPr>
+            <p:ph type="sldNum" sz="quarter" idx="12"/>
+          </p:nvPr>
+        </p:nvSpPr>
+        <p:spPr/>
+        <p:txBody>
+          <a:bodyPr/>
+          <a:lstStyle/>
+          <a:p>
+            <a:fld id="{6D22F896-40B5-4ADD-8801-0D06FADFA095}" type="slidenum">
+              <a:rPr lang="en-US" smtClean="0"/>
+              <a:t>35</a:t>
+            </a:fld>
+            <a:endParaRPr lang="en-US" dirty="0"/>
+          </a:p>
+        </p:txBody>
+      </p:sp>
+      <p:pic>
+        <p:nvPicPr>
+          <p:cNvPr id="6" name="Kép 5" descr="A képen képernyőkép látható&#10;&#10;A leírás teljesen megbízható">
+            <a:extLst>
+              <a:ext uri="{FF2B5EF4-FFF2-40B4-BE49-F238E27FC236}">
+                <a16:creationId xmlns:a16="http://schemas.microsoft.com/office/drawing/2014/main" id="{A547B46A-0FF6-4C3C-A531-4054923955F3}"/>
+              </a:ext>
+            </a:extLst>
+          </p:cNvPr>
+          <p:cNvPicPr/>
+          <p:nvPr/>
+        </p:nvPicPr>
+        <p:blipFill>
+          <a:blip r:embed="rId2">
+            <a:extLst>
+              <a:ext uri="{28A0092B-C50C-407E-A947-70E740481C1C}">
+                <a14:useLocalDpi xmlns:a14="http://schemas.microsoft.com/office/drawing/2010/main" val="0"/>
+              </a:ext>
+            </a:extLst>
+          </a:blip>
+          <a:stretch>
+            <a:fillRect/>
+          </a:stretch>
+        </p:blipFill>
+        <p:spPr>
+          <a:xfrm>
+            <a:off x="791678" y="3033486"/>
+            <a:ext cx="5899407" cy="3505426"/>
+          </a:xfrm>
+          <a:prstGeom prst="rect">
+            <a:avLst/>
+          </a:prstGeom>
+        </p:spPr>
+      </p:pic>
+      <p:pic>
+        <p:nvPicPr>
+          <p:cNvPr id="7" name="Kép 6" descr="A képen képernyőkép látható&#10;&#10;A leírás teljesen megbízható">
+            <a:extLst>
+              <a:ext uri="{FF2B5EF4-FFF2-40B4-BE49-F238E27FC236}">
+                <a16:creationId xmlns:a16="http://schemas.microsoft.com/office/drawing/2014/main" id="{B083456A-237D-4B0D-AB7B-987F5D15C313}"/>
+              </a:ext>
+            </a:extLst>
+          </p:cNvPr>
+          <p:cNvPicPr/>
+          <p:nvPr/>
+        </p:nvPicPr>
+        <p:blipFill>
+          <a:blip r:embed="rId3">
+            <a:extLst>
+              <a:ext uri="{28A0092B-C50C-407E-A947-70E740481C1C}">
+                <a14:useLocalDpi xmlns:a14="http://schemas.microsoft.com/office/drawing/2010/main" val="0"/>
+              </a:ext>
+            </a:extLst>
+          </a:blip>
+          <a:stretch>
+            <a:fillRect/>
+          </a:stretch>
+        </p:blipFill>
+        <p:spPr>
+          <a:xfrm>
+            <a:off x="6923888" y="3033486"/>
+            <a:ext cx="4429912" cy="3322864"/>
+          </a:xfrm>
+          <a:prstGeom prst="rect">
+            <a:avLst/>
+          </a:prstGeom>
+        </p:spPr>
+      </p:pic>
+    </p:spTree>
+    <p:extLst>
+      <p:ext uri="{BB962C8B-B14F-4D97-AF65-F5344CB8AC3E}">
+        <p14:creationId xmlns:p14="http://schemas.microsoft.com/office/powerpoint/2010/main" val="3862200361"/>
+      </p:ext>
+    </p:extLst>
+  </p:cSld>
+  <p:clrMapOvr>
+    <a:masterClrMapping/>
+  </p:clrMapOvr>
+</p:sld>
+</file>
+
+<file path=ppt/slides/slide36.xml><?xml version="1.0" encoding="utf-8"?>
+<p:sld xmlns:a="http://schemas.openxmlformats.org/drawingml/2006/main" xmlns:r="http://schemas.openxmlformats.org/officeDocument/2006/relationships" xmlns:p="http://schemas.openxmlformats.org/presentationml/2006/main">
+  <p:cSld>
+    <p:spTree>
+      <p:nvGrpSpPr>
+        <p:cNvPr id="1" name=""/>
+        <p:cNvGrpSpPr/>
+        <p:nvPr/>
+      </p:nvGrpSpPr>
+      <p:grpSpPr>
+        <a:xfrm>
+          <a:off x="0" y="0"/>
+          <a:ext cx="0" cy="0"/>
+          <a:chOff x="0" y="0"/>
+          <a:chExt cx="0" cy="0"/>
+        </a:xfrm>
+      </p:grpSpPr>
+      <p:sp>
+        <p:nvSpPr>
+          <p:cNvPr id="2" name="Cím 1">
+            <a:extLst>
+              <a:ext uri="{FF2B5EF4-FFF2-40B4-BE49-F238E27FC236}">
+                <a16:creationId xmlns:a16="http://schemas.microsoft.com/office/drawing/2014/main" id="{CEF4B276-2E50-4183-B821-A698FEC78906}"/>
+              </a:ext>
+            </a:extLst>
+          </p:cNvPr>
+          <p:cNvSpPr>
+            <a:spLocks noGrp="1"/>
+          </p:cNvSpPr>
+          <p:nvPr>
+            <p:ph type="title"/>
+          </p:nvPr>
+        </p:nvSpPr>
+        <p:spPr/>
+        <p:txBody>
+          <a:bodyPr/>
+          <a:lstStyle/>
+          <a:p>
+            <a:r>
+              <a:rPr lang="hu-HU" dirty="0"/>
+              <a:t>Megállapítások</a:t>
+            </a:r>
+          </a:p>
+        </p:txBody>
+      </p:sp>
+      <p:sp>
+        <p:nvSpPr>
+          <p:cNvPr id="3" name="Tartalom helye 2">
+            <a:extLst>
+              <a:ext uri="{FF2B5EF4-FFF2-40B4-BE49-F238E27FC236}">
+                <a16:creationId xmlns:a16="http://schemas.microsoft.com/office/drawing/2014/main" id="{97B87F10-99D8-40DB-8C1D-2D5F9FB4AEF7}"/>
+              </a:ext>
+            </a:extLst>
+          </p:cNvPr>
+          <p:cNvSpPr>
+            <a:spLocks noGrp="1"/>
+          </p:cNvSpPr>
+          <p:nvPr>
+            <p:ph idx="1"/>
+          </p:nvPr>
+        </p:nvSpPr>
+        <p:spPr/>
+        <p:txBody>
+          <a:bodyPr/>
+          <a:lstStyle/>
+          <a:p>
+            <a:r>
+              <a:rPr lang="hu-HU" dirty="0"/>
+              <a:t>Látható, hogy a hiteltörténettel rendelkezők közel 8-szor nagyobb eséllyel kapnak újra hitelt Hasonlóan vizsgálhatunk más paramétereket is: családi állapot, lakókörnyezet, stb.</a:t>
+            </a:r>
+          </a:p>
+          <a:p>
+            <a:r>
+              <a:rPr lang="hu-HU" dirty="0"/>
+              <a:t>Halmozott oszlopdiagrammal akár össze is vonhatjuk a kettőt:</a:t>
+            </a:r>
+          </a:p>
+          <a:p>
+            <a:endParaRPr lang="hu-HU" dirty="0"/>
+          </a:p>
+        </p:txBody>
+      </p:sp>
+      <p:sp>
+        <p:nvSpPr>
+          <p:cNvPr id="4" name="Dia számának helye 3">
+            <a:extLst>
+              <a:ext uri="{FF2B5EF4-FFF2-40B4-BE49-F238E27FC236}">
+                <a16:creationId xmlns:a16="http://schemas.microsoft.com/office/drawing/2014/main" id="{7CEFCF72-7C22-4BF9-9483-576BE83EDD31}"/>
+              </a:ext>
+            </a:extLst>
+          </p:cNvPr>
+          <p:cNvSpPr>
+            <a:spLocks noGrp="1"/>
+          </p:cNvSpPr>
+          <p:nvPr>
+            <p:ph type="sldNum" sz="quarter" idx="12"/>
+          </p:nvPr>
+        </p:nvSpPr>
+        <p:spPr/>
+        <p:txBody>
+          <a:bodyPr/>
+          <a:lstStyle/>
+          <a:p>
+            <a:fld id="{6D22F896-40B5-4ADD-8801-0D06FADFA095}" type="slidenum">
+              <a:rPr lang="en-US" smtClean="0"/>
+              <a:t>36</a:t>
+            </a:fld>
+            <a:endParaRPr lang="en-US" dirty="0"/>
+          </a:p>
+        </p:txBody>
+      </p:sp>
+      <p:pic>
+        <p:nvPicPr>
+          <p:cNvPr id="5" name="Kép 4" descr="https://www.analyticsvidhya.com/wp-content/uploads/2016/01/output_17_1.png">
+            <a:extLst>
+              <a:ext uri="{FF2B5EF4-FFF2-40B4-BE49-F238E27FC236}">
+                <a16:creationId xmlns:a16="http://schemas.microsoft.com/office/drawing/2014/main" id="{2CEC6052-0BB2-41A4-962E-CDF834244D72}"/>
+              </a:ext>
+            </a:extLst>
+          </p:cNvPr>
+          <p:cNvPicPr/>
+          <p:nvPr/>
+        </p:nvPicPr>
+        <p:blipFill>
+          <a:blip r:embed="rId2">
+            <a:extLst>
+              <a:ext uri="{28A0092B-C50C-407E-A947-70E740481C1C}">
+                <a14:useLocalDpi xmlns:a14="http://schemas.microsoft.com/office/drawing/2010/main" val="0"/>
+              </a:ext>
+            </a:extLst>
+          </a:blip>
+          <a:srcRect/>
+          <a:stretch>
+            <a:fillRect/>
+          </a:stretch>
+        </p:blipFill>
+        <p:spPr bwMode="auto">
+          <a:xfrm>
+            <a:off x="3483429" y="2413795"/>
+            <a:ext cx="4919980" cy="4251325"/>
+          </a:xfrm>
+          <a:prstGeom prst="rect">
+            <a:avLst/>
+          </a:prstGeom>
+          <a:noFill/>
+          <a:ln>
+            <a:noFill/>
+          </a:ln>
+        </p:spPr>
+      </p:pic>
+    </p:spTree>
+    <p:extLst>
+      <p:ext uri="{BB962C8B-B14F-4D97-AF65-F5344CB8AC3E}">
+        <p14:creationId xmlns:p14="http://schemas.microsoft.com/office/powerpoint/2010/main" val="351013919"/>
+      </p:ext>
+    </p:extLst>
+  </p:cSld>
+  <p:clrMapOvr>
+    <a:masterClrMapping/>
+  </p:clrMapOvr>
+</p:sld>
+</file>
+
+<file path=ppt/slides/slide37.xml><?xml version="1.0" encoding="utf-8"?>
+<p:sld xmlns:a="http://schemas.openxmlformats.org/drawingml/2006/main" xmlns:r="http://schemas.openxmlformats.org/officeDocument/2006/relationships" xmlns:p="http://schemas.openxmlformats.org/presentationml/2006/main">
+  <p:cSld>
+    <p:spTree>
+      <p:nvGrpSpPr>
+        <p:cNvPr id="1" name=""/>
+        <p:cNvGrpSpPr/>
+        <p:nvPr/>
+      </p:nvGrpSpPr>
+      <p:grpSpPr>
+        <a:xfrm>
+          <a:off x="0" y="0"/>
+          <a:ext cx="0" cy="0"/>
+          <a:chOff x="0" y="0"/>
+          <a:chExt cx="0" cy="0"/>
+        </a:xfrm>
+      </p:grpSpPr>
+      <p:sp>
+        <p:nvSpPr>
+          <p:cNvPr id="2" name="Cím 1">
+            <a:extLst>
+              <a:ext uri="{FF2B5EF4-FFF2-40B4-BE49-F238E27FC236}">
+                <a16:creationId xmlns:a16="http://schemas.microsoft.com/office/drawing/2014/main" id="{A734DC09-5042-4C2F-8196-6DA64E256AFB}"/>
+              </a:ext>
+            </a:extLst>
+          </p:cNvPr>
+          <p:cNvSpPr>
+            <a:spLocks noGrp="1"/>
+          </p:cNvSpPr>
+          <p:nvPr>
+            <p:ph type="title"/>
+          </p:nvPr>
+        </p:nvSpPr>
+        <p:spPr/>
+        <p:txBody>
+          <a:bodyPr/>
+          <a:lstStyle/>
+          <a:p>
+            <a:r>
+              <a:rPr lang="hu-HU" dirty="0"/>
+              <a:t>Nem</a:t>
+            </a:r>
+          </a:p>
+        </p:txBody>
+      </p:sp>
+      <p:sp>
+        <p:nvSpPr>
+          <p:cNvPr id="3" name="Tartalom helye 2">
+            <a:extLst>
+              <a:ext uri="{FF2B5EF4-FFF2-40B4-BE49-F238E27FC236}">
+                <a16:creationId xmlns:a16="http://schemas.microsoft.com/office/drawing/2014/main" id="{D655590C-76FA-4BB4-8001-F501C35C2195}"/>
+              </a:ext>
+            </a:extLst>
+          </p:cNvPr>
+          <p:cNvSpPr>
+            <a:spLocks noGrp="1"/>
+          </p:cNvSpPr>
+          <p:nvPr>
+            <p:ph idx="1"/>
+          </p:nvPr>
+        </p:nvSpPr>
+        <p:spPr/>
+        <p:txBody>
+          <a:bodyPr/>
+          <a:lstStyle/>
+          <a:p>
+            <a:r>
+              <a:rPr lang="hu-HU" dirty="0"/>
+              <a:t>Az elemzésbe a </a:t>
+            </a:r>
+            <a:r>
+              <a:rPr lang="hu-HU" dirty="0" err="1"/>
+              <a:t>Pivot</a:t>
+            </a:r>
+            <a:r>
+              <a:rPr lang="hu-HU" dirty="0"/>
+              <a:t> táblához hasonlóan </a:t>
+            </a:r>
+            <a:r>
+              <a:rPr lang="hu-HU" dirty="0" err="1"/>
+              <a:t>belevehetjük</a:t>
+            </a:r>
+            <a:r>
+              <a:rPr lang="hu-HU" dirty="0"/>
+              <a:t> a nem mezőt (</a:t>
+            </a:r>
+            <a:r>
+              <a:rPr lang="hu-HU" dirty="0" err="1"/>
+              <a:t>Gender</a:t>
+            </a:r>
+            <a:r>
+              <a:rPr lang="hu-HU" dirty="0"/>
+              <a:t>) is (a </a:t>
+            </a:r>
+            <a:r>
+              <a:rPr lang="hu-HU" dirty="0" err="1"/>
+              <a:t>crosstab</a:t>
+            </a:r>
+            <a:r>
+              <a:rPr lang="hu-HU" dirty="0"/>
+              <a:t> </a:t>
+            </a:r>
+            <a:r>
+              <a:rPr lang="hu-HU" u="sng" dirty="0">
+                <a:hlinkClick r:id="rId3"/>
+              </a:rPr>
+              <a:t>https://pandas.pydata.org/pandas-docs/stable/generated/pandas.crosstab.html</a:t>
+            </a:r>
+            <a:r>
+              <a:rPr lang="hu-HU" dirty="0"/>
+              <a:t> – kereszttábla segítségével – ez utóbbi Accessből lehet még ismerős):</a:t>
+            </a:r>
+          </a:p>
+          <a:p>
+            <a:endParaRPr lang="hu-HU" dirty="0"/>
+          </a:p>
+        </p:txBody>
+      </p:sp>
+      <p:sp>
+        <p:nvSpPr>
+          <p:cNvPr id="4" name="Dia számának helye 3">
+            <a:extLst>
+              <a:ext uri="{FF2B5EF4-FFF2-40B4-BE49-F238E27FC236}">
+                <a16:creationId xmlns:a16="http://schemas.microsoft.com/office/drawing/2014/main" id="{823E10E7-D552-48EA-9C95-25C0A8A34AA0}"/>
+              </a:ext>
+            </a:extLst>
+          </p:cNvPr>
+          <p:cNvSpPr>
+            <a:spLocks noGrp="1"/>
+          </p:cNvSpPr>
+          <p:nvPr>
+            <p:ph type="sldNum" sz="quarter" idx="12"/>
+          </p:nvPr>
+        </p:nvSpPr>
+        <p:spPr/>
+        <p:txBody>
+          <a:bodyPr/>
+          <a:lstStyle/>
+          <a:p>
+            <a:fld id="{6D22F896-40B5-4ADD-8801-0D06FADFA095}" type="slidenum">
+              <a:rPr lang="en-US" smtClean="0"/>
+              <a:t>37</a:t>
+            </a:fld>
+            <a:endParaRPr lang="en-US" dirty="0"/>
+          </a:p>
+        </p:txBody>
+      </p:sp>
+      <p:pic>
+        <p:nvPicPr>
+          <p:cNvPr id="5" name="Kép 4">
+            <a:extLst>
+              <a:ext uri="{FF2B5EF4-FFF2-40B4-BE49-F238E27FC236}">
+                <a16:creationId xmlns:a16="http://schemas.microsoft.com/office/drawing/2014/main" id="{7A8A081A-8439-4FF6-A4B5-A6DA06C4E697}"/>
+              </a:ext>
+            </a:extLst>
+          </p:cNvPr>
+          <p:cNvPicPr/>
+          <p:nvPr/>
+        </p:nvPicPr>
+        <p:blipFill>
+          <a:blip r:embed="rId4"/>
+          <a:stretch>
+            <a:fillRect/>
+          </a:stretch>
+        </p:blipFill>
+        <p:spPr>
+          <a:xfrm>
+            <a:off x="3425370" y="2452913"/>
+            <a:ext cx="4833257" cy="4107544"/>
+          </a:xfrm>
+          <a:prstGeom prst="rect">
+            <a:avLst/>
+          </a:prstGeom>
+        </p:spPr>
+      </p:pic>
+    </p:spTree>
+    <p:extLst>
+      <p:ext uri="{BB962C8B-B14F-4D97-AF65-F5344CB8AC3E}">
+        <p14:creationId xmlns:p14="http://schemas.microsoft.com/office/powerpoint/2010/main" val="2126097741"/>
+      </p:ext>
+    </p:extLst>
+  </p:cSld>
+  <p:clrMapOvr>
+    <a:masterClrMapping/>
+  </p:clrMapOvr>
+</p:sld>
+</file>
+
+<file path=ppt/slides/slide38.xml><?xml version="1.0" encoding="utf-8"?>
+<p:sld xmlns:a="http://schemas.openxmlformats.org/drawingml/2006/main" xmlns:r="http://schemas.openxmlformats.org/officeDocument/2006/relationships" xmlns:p="http://schemas.openxmlformats.org/presentationml/2006/main">
+  <p:cSld>
+    <p:spTree>
+      <p:nvGrpSpPr>
+        <p:cNvPr id="1" name=""/>
+        <p:cNvGrpSpPr/>
+        <p:nvPr/>
+      </p:nvGrpSpPr>
+      <p:grpSpPr>
+        <a:xfrm>
+          <a:off x="0" y="0"/>
+          <a:ext cx="0" cy="0"/>
+          <a:chOff x="0" y="0"/>
+          <a:chExt cx="0" cy="0"/>
+        </a:xfrm>
+      </p:grpSpPr>
+      <p:sp>
+        <p:nvSpPr>
+          <p:cNvPr id="2" name="Cím 1">
+            <a:extLst>
+              <a:ext uri="{FF2B5EF4-FFF2-40B4-BE49-F238E27FC236}">
+                <a16:creationId xmlns:a16="http://schemas.microsoft.com/office/drawing/2014/main" id="{EC5D58E8-3E3D-4B48-B35B-75AA75C784F9}"/>
+              </a:ext>
+            </a:extLst>
+          </p:cNvPr>
+          <p:cNvSpPr>
+            <a:spLocks noGrp="1"/>
+          </p:cNvSpPr>
+          <p:nvPr>
+            <p:ph type="title"/>
+          </p:nvPr>
+        </p:nvSpPr>
+        <p:spPr>
+          <a:xfrm>
+            <a:off x="791679" y="192880"/>
+            <a:ext cx="9577084" cy="946529"/>
+          </a:xfrm>
+        </p:spPr>
+        <p:txBody>
+          <a:bodyPr/>
+          <a:lstStyle/>
+          <a:p>
+            <a:r>
+              <a:rPr lang="hu-HU" dirty="0"/>
+              <a:t>Adatvizualizáció - kitekintés</a:t>
+            </a:r>
+          </a:p>
+        </p:txBody>
+      </p:sp>
+      <p:sp>
+        <p:nvSpPr>
+          <p:cNvPr id="3" name="Tartalom helye 2">
+            <a:extLst>
+              <a:ext uri="{FF2B5EF4-FFF2-40B4-BE49-F238E27FC236}">
+                <a16:creationId xmlns:a16="http://schemas.microsoft.com/office/drawing/2014/main" id="{FBF960B9-CB42-4097-91A0-60B6796C39A5}"/>
+              </a:ext>
+            </a:extLst>
+          </p:cNvPr>
+          <p:cNvSpPr>
+            <a:spLocks noGrp="1"/>
+          </p:cNvSpPr>
+          <p:nvPr>
+            <p:ph idx="1"/>
+          </p:nvPr>
+        </p:nvSpPr>
+        <p:spPr/>
+        <p:txBody>
+          <a:bodyPr/>
+          <a:lstStyle/>
+          <a:p>
+            <a:r>
+              <a:rPr lang="hu-HU" dirty="0" err="1"/>
+              <a:t>Matplotlib</a:t>
+            </a:r>
+            <a:r>
+              <a:rPr lang="hu-HU" dirty="0"/>
+              <a:t> </a:t>
+            </a:r>
+            <a:r>
+              <a:rPr lang="hu-HU" dirty="0" err="1"/>
+              <a:t>Pyplot</a:t>
+            </a:r>
+            <a:r>
+              <a:rPr lang="hu-HU" dirty="0"/>
+              <a:t> </a:t>
+            </a:r>
+            <a:r>
+              <a:rPr lang="hu-HU" dirty="0" err="1"/>
+              <a:t>tutorial</a:t>
+            </a:r>
+            <a:r>
+              <a:rPr lang="hu-HU" dirty="0"/>
+              <a:t>: </a:t>
+            </a:r>
+            <a:r>
+              <a:rPr lang="hu-HU" u="sng" dirty="0">
+                <a:hlinkClick r:id="rId2"/>
+              </a:rPr>
+              <a:t>https://matplotlib.org/users/pyplot_tutorial.html</a:t>
+            </a:r>
+            <a:r>
+              <a:rPr lang="hu-HU" dirty="0"/>
+              <a:t> </a:t>
+            </a:r>
+          </a:p>
+          <a:p>
+            <a:r>
+              <a:rPr lang="hu-HU" dirty="0" err="1"/>
+              <a:t>Malplotlib</a:t>
+            </a:r>
+            <a:r>
+              <a:rPr lang="hu-HU" dirty="0"/>
+              <a:t> grafikonok listája: </a:t>
+            </a:r>
+            <a:r>
+              <a:rPr lang="hu-HU" u="sng" dirty="0">
+                <a:hlinkClick r:id="rId3"/>
+              </a:rPr>
+              <a:t>https://matplotlib.org/gallery.html</a:t>
+            </a:r>
+            <a:r>
+              <a:rPr lang="hu-HU" dirty="0"/>
+              <a:t> </a:t>
+            </a:r>
+          </a:p>
+          <a:p>
+            <a:r>
+              <a:rPr lang="hu-HU" dirty="0"/>
+              <a:t>Két nagyon hasznos portál az egyes diagrammtípusok megértéséhez:</a:t>
+            </a:r>
+          </a:p>
+          <a:p>
+            <a:r>
+              <a:rPr lang="hu-HU" u="sng" dirty="0">
+                <a:hlinkClick r:id="rId4"/>
+              </a:rPr>
+              <a:t>https://datavizcatalogue.com/</a:t>
+            </a:r>
+            <a:endParaRPr lang="hu-HU" dirty="0"/>
+          </a:p>
+          <a:p>
+            <a:r>
+              <a:rPr lang="hu-HU" u="sng" dirty="0">
+                <a:hlinkClick r:id="rId5"/>
+              </a:rPr>
+              <a:t>http://datavizproject.com/</a:t>
+            </a:r>
+            <a:endParaRPr lang="hu-HU" dirty="0"/>
+          </a:p>
+          <a:p>
+            <a:endParaRPr lang="hu-HU" dirty="0"/>
+          </a:p>
+        </p:txBody>
+      </p:sp>
+      <p:sp>
+        <p:nvSpPr>
+          <p:cNvPr id="4" name="Dia számának helye 3">
+            <a:extLst>
+              <a:ext uri="{FF2B5EF4-FFF2-40B4-BE49-F238E27FC236}">
+                <a16:creationId xmlns:a16="http://schemas.microsoft.com/office/drawing/2014/main" id="{3C5AEA26-025A-4ADC-ADDF-06EFBC93389D}"/>
+              </a:ext>
+            </a:extLst>
+          </p:cNvPr>
+          <p:cNvSpPr>
+            <a:spLocks noGrp="1"/>
+          </p:cNvSpPr>
+          <p:nvPr>
+            <p:ph type="sldNum" sz="quarter" idx="12"/>
+          </p:nvPr>
+        </p:nvSpPr>
+        <p:spPr/>
+        <p:txBody>
+          <a:bodyPr/>
+          <a:lstStyle/>
+          <a:p>
+            <a:fld id="{6D22F896-40B5-4ADD-8801-0D06FADFA095}" type="slidenum">
+              <a:rPr lang="en-US" smtClean="0"/>
+              <a:t>38</a:t>
+            </a:fld>
+            <a:endParaRPr lang="en-US" dirty="0"/>
+          </a:p>
+        </p:txBody>
+      </p:sp>
+    </p:spTree>
+    <p:extLst>
+      <p:ext uri="{BB962C8B-B14F-4D97-AF65-F5344CB8AC3E}">
+        <p14:creationId xmlns:p14="http://schemas.microsoft.com/office/powerpoint/2010/main" val="2650296202"/>
+      </p:ext>
+    </p:extLst>
+  </p:cSld>
+  <p:clrMapOvr>
+    <a:masterClrMapping/>
+  </p:clrMapOvr>
+</p:sld>
+</file>
+
+<file path=ppt/slides/slide39.xml><?xml version="1.0" encoding="utf-8"?>
+<p:sld xmlns:a="http://schemas.openxmlformats.org/drawingml/2006/main" xmlns:r="http://schemas.openxmlformats.org/officeDocument/2006/relationships" xmlns:p="http://schemas.openxmlformats.org/presentationml/2006/main">
+  <p:cSld>
+    <p:spTree>
+      <p:nvGrpSpPr>
+        <p:cNvPr id="1" name=""/>
+        <p:cNvGrpSpPr/>
+        <p:nvPr/>
+      </p:nvGrpSpPr>
+      <p:grpSpPr>
+        <a:xfrm>
+          <a:off x="0" y="0"/>
+          <a:ext cx="0" cy="0"/>
+          <a:chOff x="0" y="0"/>
+          <a:chExt cx="0" cy="0"/>
+        </a:xfrm>
+      </p:grpSpPr>
+      <p:sp>
+        <p:nvSpPr>
+          <p:cNvPr id="2" name="Cím 1">
+            <a:extLst>
+              <a:ext uri="{FF2B5EF4-FFF2-40B4-BE49-F238E27FC236}">
+                <a16:creationId xmlns:a16="http://schemas.microsoft.com/office/drawing/2014/main" id="{88529ED5-92FF-491B-812F-E666F6137BBF}"/>
+              </a:ext>
+            </a:extLst>
+          </p:cNvPr>
+          <p:cNvSpPr>
+            <a:spLocks noGrp="1"/>
+          </p:cNvSpPr>
+          <p:nvPr>
+            <p:ph type="title"/>
+          </p:nvPr>
+        </p:nvSpPr>
+        <p:spPr/>
+        <p:txBody>
+          <a:bodyPr/>
+          <a:lstStyle/>
+          <a:p>
+            <a:r>
+              <a:rPr lang="hu-HU" dirty="0"/>
+              <a:t>Hiányzó értékek</a:t>
+            </a:r>
+          </a:p>
+        </p:txBody>
+      </p:sp>
+      <p:sp>
+        <p:nvSpPr>
+          <p:cNvPr id="3" name="Tartalom helye 2">
+            <a:extLst>
+              <a:ext uri="{FF2B5EF4-FFF2-40B4-BE49-F238E27FC236}">
+                <a16:creationId xmlns:a16="http://schemas.microsoft.com/office/drawing/2014/main" id="{AC8635EE-0AD4-4180-BCA8-591FBEB744AE}"/>
+              </a:ext>
+            </a:extLst>
+          </p:cNvPr>
+          <p:cNvSpPr>
+            <a:spLocks noGrp="1"/>
+          </p:cNvSpPr>
+          <p:nvPr>
+            <p:ph idx="1"/>
+          </p:nvPr>
+        </p:nvSpPr>
+        <p:spPr/>
+        <p:txBody>
+          <a:bodyPr/>
+          <a:lstStyle/>
+          <a:p>
+            <a:r>
+              <a:rPr lang="hu-HU" dirty="0"/>
+              <a:t>Bár a hiányzó értékek nem nagyon magas számban vannak, de számos változónak esetén előfordulnak, és mindegyiküket meg kell becsülni és hozzá kell adni az adatokhoz. Részletesebb leírás itt található az alkalmazható technikákról: </a:t>
+            </a:r>
+            <a:r>
+              <a:rPr lang="hu-HU" u="sng" dirty="0">
+                <a:hlinkClick r:id="rId2"/>
+              </a:rPr>
+              <a:t>https://www.analyticsvidhya.com/blog/2016/01/guide-data-exploration/</a:t>
+            </a:r>
+            <a:endParaRPr lang="hu-HU" dirty="0"/>
+          </a:p>
+          <a:p>
+            <a:r>
+              <a:rPr lang="hu-HU" dirty="0"/>
+              <a:t>Nem mindig a </a:t>
+            </a:r>
+            <a:r>
+              <a:rPr lang="hu-HU" dirty="0" err="1"/>
+              <a:t>NaN</a:t>
+            </a:r>
+            <a:r>
+              <a:rPr lang="hu-HU" dirty="0"/>
+              <a:t> jelent hiányzó értéket, lásd a </a:t>
+            </a:r>
+            <a:r>
+              <a:rPr lang="hu-HU" dirty="0" err="1"/>
+              <a:t>Loan_Amount_Term</a:t>
+            </a:r>
+            <a:r>
+              <a:rPr lang="hu-HU" dirty="0"/>
+              <a:t>=0 esetet!</a:t>
+            </a:r>
+          </a:p>
+          <a:p>
+            <a:r>
+              <a:rPr lang="hu-HU" dirty="0"/>
+              <a:t>Számos módon lehet kitölteni a hitel összegének hiányzó értékeit - a legegyszerűbb lenne a helyettesítés átlaggal</a:t>
+            </a:r>
+          </a:p>
+        </p:txBody>
+      </p:sp>
+      <p:sp>
+        <p:nvSpPr>
+          <p:cNvPr id="4" name="Dia számának helye 3">
+            <a:extLst>
+              <a:ext uri="{FF2B5EF4-FFF2-40B4-BE49-F238E27FC236}">
+                <a16:creationId xmlns:a16="http://schemas.microsoft.com/office/drawing/2014/main" id="{0CA02E89-D02B-4EB8-8B5E-6390F1097750}"/>
+              </a:ext>
+            </a:extLst>
+          </p:cNvPr>
+          <p:cNvSpPr>
+            <a:spLocks noGrp="1"/>
+          </p:cNvSpPr>
+          <p:nvPr>
+            <p:ph type="sldNum" sz="quarter" idx="12"/>
+          </p:nvPr>
+        </p:nvSpPr>
+        <p:spPr/>
+        <p:txBody>
+          <a:bodyPr/>
+          <a:lstStyle/>
+          <a:p>
+            <a:fld id="{6D22F896-40B5-4ADD-8801-0D06FADFA095}" type="slidenum">
+              <a:rPr lang="en-US" smtClean="0"/>
+              <a:t>39</a:t>
+            </a:fld>
+            <a:endParaRPr lang="en-US" dirty="0"/>
+          </a:p>
+        </p:txBody>
+      </p:sp>
+    </p:spTree>
+    <p:extLst>
+      <p:ext uri="{BB962C8B-B14F-4D97-AF65-F5344CB8AC3E}">
+        <p14:creationId xmlns:p14="http://schemas.microsoft.com/office/powerpoint/2010/main" val="2742478015"/>
       </p:ext>
     </p:extLst>
   </p:cSld>
@@ -14496,6 +20184,1300 @@
   <p:clrMapOvr>
     <a:masterClrMapping/>
   </p:clrMapOvr>
+</p:sld>
+</file>
+
+<file path=ppt/slides/slide40.xml><?xml version="1.0" encoding="utf-8"?>
+<p:sld xmlns:a="http://schemas.openxmlformats.org/drawingml/2006/main" xmlns:r="http://schemas.openxmlformats.org/officeDocument/2006/relationships" xmlns:p="http://schemas.openxmlformats.org/presentationml/2006/main">
+  <p:cSld>
+    <p:spTree>
+      <p:nvGrpSpPr>
+        <p:cNvPr id="1" name=""/>
+        <p:cNvGrpSpPr/>
+        <p:nvPr/>
+      </p:nvGrpSpPr>
+      <p:grpSpPr>
+        <a:xfrm>
+          <a:off x="0" y="0"/>
+          <a:ext cx="0" cy="0"/>
+          <a:chOff x="0" y="0"/>
+          <a:chExt cx="0" cy="0"/>
+        </a:xfrm>
+      </p:grpSpPr>
+      <p:sp>
+        <p:nvSpPr>
+          <p:cNvPr id="2" name="Cím 1">
+            <a:extLst>
+              <a:ext uri="{FF2B5EF4-FFF2-40B4-BE49-F238E27FC236}">
+                <a16:creationId xmlns:a16="http://schemas.microsoft.com/office/drawing/2014/main" id="{CAB0CB45-CA75-43B9-927B-906464792B4C}"/>
+              </a:ext>
+            </a:extLst>
+          </p:cNvPr>
+          <p:cNvSpPr>
+            <a:spLocks noGrp="1"/>
+          </p:cNvSpPr>
+          <p:nvPr>
+            <p:ph type="title"/>
+          </p:nvPr>
+        </p:nvSpPr>
+        <p:spPr/>
+        <p:txBody>
+          <a:bodyPr/>
+          <a:lstStyle/>
+          <a:p>
+            <a:r>
+              <a:rPr lang="hu-HU" dirty="0"/>
+              <a:t>Leírók kiválasztása</a:t>
+            </a:r>
+          </a:p>
+        </p:txBody>
+      </p:sp>
+      <p:sp>
+        <p:nvSpPr>
+          <p:cNvPr id="3" name="Tartalom helye 2">
+            <a:extLst>
+              <a:ext uri="{FF2B5EF4-FFF2-40B4-BE49-F238E27FC236}">
+                <a16:creationId xmlns:a16="http://schemas.microsoft.com/office/drawing/2014/main" id="{81EE31E9-473C-4A3F-BEC2-952EB0CA68DE}"/>
+              </a:ext>
+            </a:extLst>
+          </p:cNvPr>
+          <p:cNvSpPr>
+            <a:spLocks noGrp="1"/>
+          </p:cNvSpPr>
+          <p:nvPr>
+            <p:ph idx="1"/>
+          </p:nvPr>
+        </p:nvSpPr>
+        <p:spPr/>
+        <p:txBody>
+          <a:bodyPr/>
+          <a:lstStyle/>
+          <a:p>
+            <a:r>
+              <a:rPr lang="hu-HU" dirty="0"/>
+              <a:t>Azt feltételezhetjük, hogy a végzettségnek és annak, hogy valaki vállalkozó-e, nagy hatása van a hitel összegére (ezt egy diagrammal érdemes is leellenőrizni).</a:t>
+            </a:r>
+          </a:p>
+          <a:p>
+            <a:endParaRPr lang="hu-HU" dirty="0"/>
+          </a:p>
+          <a:p>
+            <a:r>
+              <a:rPr lang="hu-HU" dirty="0"/>
+              <a:t>Nézzük meg az iskolázottság és a vállalkozó/</a:t>
+            </a:r>
+            <a:r>
+              <a:rPr lang="hu-HU" dirty="0" err="1"/>
+              <a:t>beosztottság</a:t>
+            </a:r>
+            <a:r>
+              <a:rPr lang="hu-HU" dirty="0"/>
+              <a:t> közötti összefüggéseket, egy </a:t>
+            </a:r>
+            <a:r>
+              <a:rPr lang="hu-HU" dirty="0" err="1"/>
+              <a:t>pivot</a:t>
+            </a:r>
+            <a:r>
+              <a:rPr lang="hu-HU" dirty="0"/>
+              <a:t> tábla segítségével nézzük meg a hitelösszegek mediánját az egyes csoportokban (miért? </a:t>
+            </a:r>
+            <a:r>
+              <a:rPr lang="hu-HU" u="sng" dirty="0">
+                <a:hlinkClick r:id="rId2"/>
+              </a:rPr>
+              <a:t>https://kiszamolo.hu/a-median-jelentese/</a:t>
+            </a:r>
+            <a:r>
+              <a:rPr lang="hu-HU" dirty="0"/>
+              <a:t>).</a:t>
+            </a:r>
+          </a:p>
+          <a:p>
+            <a:endParaRPr lang="hu-HU" dirty="0"/>
+          </a:p>
+          <a:p>
+            <a:endParaRPr lang="hu-HU" dirty="0"/>
+          </a:p>
+        </p:txBody>
+      </p:sp>
+      <p:sp>
+        <p:nvSpPr>
+          <p:cNvPr id="4" name="Dia számának helye 3">
+            <a:extLst>
+              <a:ext uri="{FF2B5EF4-FFF2-40B4-BE49-F238E27FC236}">
+                <a16:creationId xmlns:a16="http://schemas.microsoft.com/office/drawing/2014/main" id="{B1DBD17C-05C8-46EF-A800-94B4488AB2E7}"/>
+              </a:ext>
+            </a:extLst>
+          </p:cNvPr>
+          <p:cNvSpPr>
+            <a:spLocks noGrp="1"/>
+          </p:cNvSpPr>
+          <p:nvPr>
+            <p:ph type="sldNum" sz="quarter" idx="12"/>
+          </p:nvPr>
+        </p:nvSpPr>
+        <p:spPr/>
+        <p:txBody>
+          <a:bodyPr/>
+          <a:lstStyle/>
+          <a:p>
+            <a:fld id="{6D22F896-40B5-4ADD-8801-0D06FADFA095}" type="slidenum">
+              <a:rPr lang="en-US" smtClean="0"/>
+              <a:t>40</a:t>
+            </a:fld>
+            <a:endParaRPr lang="en-US" dirty="0"/>
+          </a:p>
+        </p:txBody>
+      </p:sp>
+    </p:spTree>
+    <p:extLst>
+      <p:ext uri="{BB962C8B-B14F-4D97-AF65-F5344CB8AC3E}">
+        <p14:creationId xmlns:p14="http://schemas.microsoft.com/office/powerpoint/2010/main" val="210561907"/>
+      </p:ext>
+    </p:extLst>
+  </p:cSld>
+  <p:clrMapOvr>
+    <a:masterClrMapping/>
+  </p:clrMapOvr>
+</p:sld>
+</file>
+
+<file path=ppt/slides/slide41.xml><?xml version="1.0" encoding="utf-8"?>
+<p:sld xmlns:a="http://schemas.openxmlformats.org/drawingml/2006/main" xmlns:r="http://schemas.openxmlformats.org/officeDocument/2006/relationships" xmlns:p="http://schemas.openxmlformats.org/presentationml/2006/main">
+  <p:cSld>
+    <p:spTree>
+      <p:nvGrpSpPr>
+        <p:cNvPr id="1" name=""/>
+        <p:cNvGrpSpPr/>
+        <p:nvPr/>
+      </p:nvGrpSpPr>
+      <p:grpSpPr>
+        <a:xfrm>
+          <a:off x="0" y="0"/>
+          <a:ext cx="0" cy="0"/>
+          <a:chOff x="0" y="0"/>
+          <a:chExt cx="0" cy="0"/>
+        </a:xfrm>
+      </p:grpSpPr>
+      <p:sp>
+        <p:nvSpPr>
+          <p:cNvPr id="2" name="Cím 1">
+            <a:extLst>
+              <a:ext uri="{FF2B5EF4-FFF2-40B4-BE49-F238E27FC236}">
+                <a16:creationId xmlns:a16="http://schemas.microsoft.com/office/drawing/2014/main" id="{B8835990-AAA4-4DC0-89F1-6767C594E25F}"/>
+              </a:ext>
+            </a:extLst>
+          </p:cNvPr>
+          <p:cNvSpPr>
+            <a:spLocks noGrp="1"/>
+          </p:cNvSpPr>
+          <p:nvPr>
+            <p:ph type="title"/>
+          </p:nvPr>
+        </p:nvSpPr>
+        <p:spPr/>
+        <p:txBody>
+          <a:bodyPr/>
+          <a:lstStyle/>
+          <a:p>
+            <a:r>
+              <a:rPr lang="hu-HU" dirty="0"/>
+              <a:t>Kiugró értékek</a:t>
+            </a:r>
+          </a:p>
+        </p:txBody>
+      </p:sp>
+      <p:sp>
+        <p:nvSpPr>
+          <p:cNvPr id="3" name="Tartalom helye 2">
+            <a:extLst>
+              <a:ext uri="{FF2B5EF4-FFF2-40B4-BE49-F238E27FC236}">
+                <a16:creationId xmlns:a16="http://schemas.microsoft.com/office/drawing/2014/main" id="{E0B3A070-09AF-4658-9F36-8616890D5472}"/>
+              </a:ext>
+            </a:extLst>
+          </p:cNvPr>
+          <p:cNvSpPr>
+            <a:spLocks noGrp="1"/>
+          </p:cNvSpPr>
+          <p:nvPr>
+            <p:ph idx="1"/>
+          </p:nvPr>
+        </p:nvSpPr>
+        <p:spPr/>
+        <p:txBody>
+          <a:bodyPr/>
+          <a:lstStyle/>
+          <a:p>
+            <a:r>
+              <a:rPr lang="hu-HU" dirty="0"/>
+              <a:t>Gyakori probléma, hogy a szélsőségesen kiugró értékek torzítják az elemzéseinket. Ezeket mindenképpen meg kell vizsgálnunk, számos esetben tekinthetjük ezeket hibás értékeknek, ún. </a:t>
+            </a:r>
+            <a:r>
+              <a:rPr lang="hu-HU" dirty="0" err="1"/>
+              <a:t>outliereknek</a:t>
+            </a:r>
+            <a:r>
+              <a:rPr lang="hu-HU" dirty="0"/>
+              <a:t>, s eldobhatjuk őket. Elsőre úgy tűnik, hogy a hitelösszegben is vannak ilyenek, de miért ne lehetne, hogy valaki, a többiekhez képest kiugrónak látszó összegű hitelt igényeljen? </a:t>
+            </a:r>
+          </a:p>
+        </p:txBody>
+      </p:sp>
+      <p:sp>
+        <p:nvSpPr>
+          <p:cNvPr id="4" name="Dia számának helye 3">
+            <a:extLst>
+              <a:ext uri="{FF2B5EF4-FFF2-40B4-BE49-F238E27FC236}">
+                <a16:creationId xmlns:a16="http://schemas.microsoft.com/office/drawing/2014/main" id="{8263DED7-C3CA-4133-959D-6136EBB94DF4}"/>
+              </a:ext>
+            </a:extLst>
+          </p:cNvPr>
+          <p:cNvSpPr>
+            <a:spLocks noGrp="1"/>
+          </p:cNvSpPr>
+          <p:nvPr>
+            <p:ph type="sldNum" sz="quarter" idx="12"/>
+          </p:nvPr>
+        </p:nvSpPr>
+        <p:spPr/>
+        <p:txBody>
+          <a:bodyPr/>
+          <a:lstStyle/>
+          <a:p>
+            <a:fld id="{6D22F896-40B5-4ADD-8801-0D06FADFA095}" type="slidenum">
+              <a:rPr lang="en-US" smtClean="0"/>
+              <a:t>41</a:t>
+            </a:fld>
+            <a:endParaRPr lang="en-US" dirty="0"/>
+          </a:p>
+        </p:txBody>
+      </p:sp>
+    </p:spTree>
+    <p:extLst>
+      <p:ext uri="{BB962C8B-B14F-4D97-AF65-F5344CB8AC3E}">
+        <p14:creationId xmlns:p14="http://schemas.microsoft.com/office/powerpoint/2010/main" val="1564003690"/>
+      </p:ext>
+    </p:extLst>
+  </p:cSld>
+  <p:clrMapOvr>
+    <a:masterClrMapping/>
+  </p:clrMapOvr>
+</p:sld>
+</file>
+
+<file path=ppt/slides/slide42.xml><?xml version="1.0" encoding="utf-8"?>
+<p:sld xmlns:a="http://schemas.openxmlformats.org/drawingml/2006/main" xmlns:r="http://schemas.openxmlformats.org/officeDocument/2006/relationships" xmlns:p="http://schemas.openxmlformats.org/presentationml/2006/main">
+  <p:cSld>
+    <p:spTree>
+      <p:nvGrpSpPr>
+        <p:cNvPr id="1" name=""/>
+        <p:cNvGrpSpPr/>
+        <p:nvPr/>
+      </p:nvGrpSpPr>
+      <p:grpSpPr>
+        <a:xfrm>
+          <a:off x="0" y="0"/>
+          <a:ext cx="0" cy="0"/>
+          <a:chOff x="0" y="0"/>
+          <a:chExt cx="0" cy="0"/>
+        </a:xfrm>
+      </p:grpSpPr>
+      <p:sp>
+        <p:nvSpPr>
+          <p:cNvPr id="2" name="Cím 1">
+            <a:extLst>
+              <a:ext uri="{FF2B5EF4-FFF2-40B4-BE49-F238E27FC236}">
+                <a16:creationId xmlns:a16="http://schemas.microsoft.com/office/drawing/2014/main" id="{AD1CEAF4-2688-4685-B94F-32B4800961B3}"/>
+              </a:ext>
+            </a:extLst>
+          </p:cNvPr>
+          <p:cNvSpPr>
+            <a:spLocks noGrp="1"/>
+          </p:cNvSpPr>
+          <p:nvPr>
+            <p:ph type="title"/>
+          </p:nvPr>
+        </p:nvSpPr>
+        <p:spPr/>
+        <p:txBody>
+          <a:bodyPr/>
+          <a:lstStyle/>
+          <a:p>
+            <a:r>
+              <a:rPr lang="hu-HU" dirty="0"/>
+              <a:t>Prediktív modell készítése</a:t>
+            </a:r>
+          </a:p>
+        </p:txBody>
+      </p:sp>
+      <p:sp>
+        <p:nvSpPr>
+          <p:cNvPr id="3" name="Tartalom helye 2">
+            <a:extLst>
+              <a:ext uri="{FF2B5EF4-FFF2-40B4-BE49-F238E27FC236}">
+                <a16:creationId xmlns:a16="http://schemas.microsoft.com/office/drawing/2014/main" id="{3178E90B-339D-4C3D-A7D9-9C0A1C5EE2D9}"/>
+              </a:ext>
+            </a:extLst>
+          </p:cNvPr>
+          <p:cNvSpPr>
+            <a:spLocks noGrp="1"/>
+          </p:cNvSpPr>
+          <p:nvPr>
+            <p:ph idx="1"/>
+          </p:nvPr>
+        </p:nvSpPr>
+        <p:spPr/>
+        <p:txBody>
+          <a:bodyPr/>
+          <a:lstStyle/>
+          <a:p>
+            <a:r>
+              <a:rPr lang="hu-HU" dirty="0"/>
+              <a:t>Importáljuk a szükséges modulokat. A következőkben meghatároznunk egy generikus osztályozási (</a:t>
+            </a:r>
+            <a:r>
+              <a:rPr lang="hu-HU" dirty="0" err="1"/>
+              <a:t>Generic</a:t>
+            </a:r>
+            <a:r>
+              <a:rPr lang="hu-HU" dirty="0"/>
+              <a:t> </a:t>
+            </a:r>
+            <a:r>
+              <a:rPr lang="hu-HU" dirty="0" err="1"/>
+              <a:t>Classification</a:t>
+            </a:r>
+            <a:r>
+              <a:rPr lang="hu-HU" dirty="0"/>
+              <a:t>) függvényt, amely bemeneti modellként veszi fel a modellt, és meghatározza a pontosságot (</a:t>
+            </a:r>
+            <a:r>
+              <a:rPr lang="hu-HU" dirty="0" err="1"/>
+              <a:t>Accuracy</a:t>
+            </a:r>
+            <a:r>
+              <a:rPr lang="hu-HU" dirty="0"/>
+              <a:t>) és a keresztellenőrzés (</a:t>
+            </a:r>
+            <a:r>
+              <a:rPr lang="hu-HU" dirty="0" err="1"/>
+              <a:t>Cross-Validation</a:t>
+            </a:r>
+            <a:r>
+              <a:rPr lang="hu-HU" dirty="0"/>
+              <a:t>) eredményeit.</a:t>
+            </a:r>
+          </a:p>
+          <a:p>
+            <a:endParaRPr lang="hu-HU" dirty="0"/>
+          </a:p>
+        </p:txBody>
+      </p:sp>
+      <p:sp>
+        <p:nvSpPr>
+          <p:cNvPr id="4" name="Dia számának helye 3">
+            <a:extLst>
+              <a:ext uri="{FF2B5EF4-FFF2-40B4-BE49-F238E27FC236}">
+                <a16:creationId xmlns:a16="http://schemas.microsoft.com/office/drawing/2014/main" id="{9F66D248-E1D6-4F65-973B-FF19C0AFB8F2}"/>
+              </a:ext>
+            </a:extLst>
+          </p:cNvPr>
+          <p:cNvSpPr>
+            <a:spLocks noGrp="1"/>
+          </p:cNvSpPr>
+          <p:nvPr>
+            <p:ph type="sldNum" sz="quarter" idx="12"/>
+          </p:nvPr>
+        </p:nvSpPr>
+        <p:spPr/>
+        <p:txBody>
+          <a:bodyPr/>
+          <a:lstStyle/>
+          <a:p>
+            <a:fld id="{6D22F896-40B5-4ADD-8801-0D06FADFA095}" type="slidenum">
+              <a:rPr lang="en-US" smtClean="0"/>
+              <a:t>42</a:t>
+            </a:fld>
+            <a:endParaRPr lang="en-US" dirty="0"/>
+          </a:p>
+        </p:txBody>
+      </p:sp>
+    </p:spTree>
+    <p:extLst>
+      <p:ext uri="{BB962C8B-B14F-4D97-AF65-F5344CB8AC3E}">
+        <p14:creationId xmlns:p14="http://schemas.microsoft.com/office/powerpoint/2010/main" val="3498881237"/>
+      </p:ext>
+    </p:extLst>
+  </p:cSld>
+  <p:clrMapOvr>
+    <a:masterClrMapping/>
+  </p:clrMapOvr>
+</p:sld>
+</file>
+
+<file path=ppt/slides/slide43.xml><?xml version="1.0" encoding="utf-8"?>
+<p:sld xmlns:a="http://schemas.openxmlformats.org/drawingml/2006/main" xmlns:r="http://schemas.openxmlformats.org/officeDocument/2006/relationships" xmlns:p="http://schemas.openxmlformats.org/presentationml/2006/main">
+  <p:cSld>
+    <p:spTree>
+      <p:nvGrpSpPr>
+        <p:cNvPr id="1" name=""/>
+        <p:cNvGrpSpPr/>
+        <p:nvPr/>
+      </p:nvGrpSpPr>
+      <p:grpSpPr>
+        <a:xfrm>
+          <a:off x="0" y="0"/>
+          <a:ext cx="0" cy="0"/>
+          <a:chOff x="0" y="0"/>
+          <a:chExt cx="0" cy="0"/>
+        </a:xfrm>
+      </p:grpSpPr>
+      <p:sp>
+        <p:nvSpPr>
+          <p:cNvPr id="2" name="Cím 1">
+            <a:extLst>
+              <a:ext uri="{FF2B5EF4-FFF2-40B4-BE49-F238E27FC236}">
+                <a16:creationId xmlns:a16="http://schemas.microsoft.com/office/drawing/2014/main" id="{473851BB-419A-4B4D-A152-0AE5A5604D34}"/>
+              </a:ext>
+            </a:extLst>
+          </p:cNvPr>
+          <p:cNvSpPr>
+            <a:spLocks noGrp="1"/>
+          </p:cNvSpPr>
+          <p:nvPr>
+            <p:ph type="title"/>
+          </p:nvPr>
+        </p:nvSpPr>
+        <p:spPr/>
+        <p:txBody>
+          <a:bodyPr/>
+          <a:lstStyle/>
+          <a:p>
+            <a:r>
+              <a:rPr lang="hu-HU" dirty="0"/>
+              <a:t>Lineáris Regresszió</a:t>
+            </a:r>
+          </a:p>
+        </p:txBody>
+      </p:sp>
+      <p:sp>
+        <p:nvSpPr>
+          <p:cNvPr id="3" name="Tartalom helye 2">
+            <a:extLst>
+              <a:ext uri="{FF2B5EF4-FFF2-40B4-BE49-F238E27FC236}">
+                <a16:creationId xmlns:a16="http://schemas.microsoft.com/office/drawing/2014/main" id="{F9C6DDA2-BA78-4B85-9F3E-4BAA23614663}"/>
+              </a:ext>
+            </a:extLst>
+          </p:cNvPr>
+          <p:cNvSpPr>
+            <a:spLocks noGrp="1"/>
+          </p:cNvSpPr>
+          <p:nvPr>
+            <p:ph idx="1"/>
+          </p:nvPr>
+        </p:nvSpPr>
+        <p:spPr/>
+        <p:txBody>
+          <a:bodyPr/>
+          <a:lstStyle/>
+          <a:p>
+            <a:r>
+              <a:rPr lang="hu-HU" dirty="0"/>
+              <a:t>Könnyen be tudunk vezetni egy kis intuitív hipotézist. A hitelszerzés esélye magasabb lesz az alábbi esetekben:</a:t>
+            </a:r>
+          </a:p>
+          <a:p>
+            <a:pPr lvl="1"/>
+            <a:r>
+              <a:rPr lang="hu-HU" dirty="0"/>
+              <a:t>A hiteligénylőknek volt már credit </a:t>
+            </a:r>
+            <a:r>
+              <a:rPr lang="hu-HU" dirty="0" err="1"/>
+              <a:t>history-juk</a:t>
+            </a:r>
+            <a:endParaRPr lang="hu-HU" dirty="0"/>
+          </a:p>
+          <a:p>
+            <a:pPr lvl="1"/>
+            <a:r>
+              <a:rPr lang="hu-HU" dirty="0"/>
+              <a:t>A kérelmezők és hozzátartozójuk magasabb bevétellel rendelkezik</a:t>
+            </a:r>
+          </a:p>
+          <a:p>
+            <a:pPr lvl="1"/>
+            <a:r>
+              <a:rPr lang="hu-HU" dirty="0"/>
+              <a:t>Magasabb iskolai végzettségük van</a:t>
+            </a:r>
+          </a:p>
+          <a:p>
+            <a:pPr lvl="1"/>
+            <a:r>
+              <a:rPr lang="hu-HU" dirty="0"/>
+              <a:t>Nagyobb növekedési perspektívával rendelkező városi övezetben élnek. </a:t>
+            </a:r>
+          </a:p>
+          <a:p>
+            <a:endParaRPr lang="hu-HU" dirty="0"/>
+          </a:p>
+          <a:p>
+            <a:r>
+              <a:rPr lang="hu-HU" dirty="0"/>
+              <a:t>Készítsük el az első modellünket a "</a:t>
+            </a:r>
+            <a:r>
+              <a:rPr lang="hu-HU" dirty="0" err="1"/>
+              <a:t>Credit_History</a:t>
+            </a:r>
+            <a:r>
+              <a:rPr lang="hu-HU" dirty="0"/>
+              <a:t>" segítségével.</a:t>
+            </a:r>
+          </a:p>
+          <a:p>
+            <a:endParaRPr lang="hu-HU" dirty="0"/>
+          </a:p>
+        </p:txBody>
+      </p:sp>
+      <p:sp>
+        <p:nvSpPr>
+          <p:cNvPr id="4" name="Dia számának helye 3">
+            <a:extLst>
+              <a:ext uri="{FF2B5EF4-FFF2-40B4-BE49-F238E27FC236}">
+                <a16:creationId xmlns:a16="http://schemas.microsoft.com/office/drawing/2014/main" id="{CB29FEA6-2498-4910-A051-3ED0C6FD00A6}"/>
+              </a:ext>
+            </a:extLst>
+          </p:cNvPr>
+          <p:cNvSpPr>
+            <a:spLocks noGrp="1"/>
+          </p:cNvSpPr>
+          <p:nvPr>
+            <p:ph type="sldNum" sz="quarter" idx="12"/>
+          </p:nvPr>
+        </p:nvSpPr>
+        <p:spPr/>
+        <p:txBody>
+          <a:bodyPr/>
+          <a:lstStyle/>
+          <a:p>
+            <a:fld id="{6D22F896-40B5-4ADD-8801-0D06FADFA095}" type="slidenum">
+              <a:rPr lang="en-US" smtClean="0"/>
+              <a:t>43</a:t>
+            </a:fld>
+            <a:endParaRPr lang="en-US" dirty="0"/>
+          </a:p>
+        </p:txBody>
+      </p:sp>
+    </p:spTree>
+    <p:extLst>
+      <p:ext uri="{BB962C8B-B14F-4D97-AF65-F5344CB8AC3E}">
+        <p14:creationId xmlns:p14="http://schemas.microsoft.com/office/powerpoint/2010/main" val="1789043238"/>
+      </p:ext>
+    </p:extLst>
+  </p:cSld>
+  <p:clrMapOvr>
+    <a:masterClrMapping/>
+  </p:clrMapOvr>
+</p:sld>
+</file>
+
+<file path=ppt/slides/slide44.xml><?xml version="1.0" encoding="utf-8"?>
+<p:sld xmlns:a="http://schemas.openxmlformats.org/drawingml/2006/main" xmlns:r="http://schemas.openxmlformats.org/officeDocument/2006/relationships" xmlns:p="http://schemas.openxmlformats.org/presentationml/2006/main">
+  <p:cSld>
+    <p:spTree>
+      <p:nvGrpSpPr>
+        <p:cNvPr id="1" name=""/>
+        <p:cNvGrpSpPr/>
+        <p:nvPr/>
+      </p:nvGrpSpPr>
+      <p:grpSpPr>
+        <a:xfrm>
+          <a:off x="0" y="0"/>
+          <a:ext cx="0" cy="0"/>
+          <a:chOff x="0" y="0"/>
+          <a:chExt cx="0" cy="0"/>
+        </a:xfrm>
+      </p:grpSpPr>
+      <p:sp>
+        <p:nvSpPr>
+          <p:cNvPr id="2" name="Cím 1">
+            <a:extLst>
+              <a:ext uri="{FF2B5EF4-FFF2-40B4-BE49-F238E27FC236}">
+                <a16:creationId xmlns:a16="http://schemas.microsoft.com/office/drawing/2014/main" id="{85C86B15-2649-40B5-903B-998D2BC932AE}"/>
+              </a:ext>
+            </a:extLst>
+          </p:cNvPr>
+          <p:cNvSpPr>
+            <a:spLocks noGrp="1"/>
+          </p:cNvSpPr>
+          <p:nvPr>
+            <p:ph type="title"/>
+          </p:nvPr>
+        </p:nvSpPr>
+        <p:spPr/>
+        <p:txBody>
+          <a:bodyPr/>
+          <a:lstStyle/>
+          <a:p>
+            <a:r>
+              <a:rPr lang="hu-HU" dirty="0"/>
+              <a:t>Lineáris regresszió</a:t>
+            </a:r>
+          </a:p>
+        </p:txBody>
+      </p:sp>
+      <p:sp>
+        <p:nvSpPr>
+          <p:cNvPr id="3" name="Tartalom helye 2">
+            <a:extLst>
+              <a:ext uri="{FF2B5EF4-FFF2-40B4-BE49-F238E27FC236}">
+                <a16:creationId xmlns:a16="http://schemas.microsoft.com/office/drawing/2014/main" id="{679E0503-3F34-4F37-854E-60850E227056}"/>
+              </a:ext>
+            </a:extLst>
+          </p:cNvPr>
+          <p:cNvSpPr>
+            <a:spLocks noGrp="1"/>
+          </p:cNvSpPr>
+          <p:nvPr>
+            <p:ph idx="1"/>
+          </p:nvPr>
+        </p:nvSpPr>
+        <p:spPr/>
+        <p:txBody>
+          <a:bodyPr/>
+          <a:lstStyle/>
+          <a:p>
+            <a:r>
+              <a:rPr lang="hu-HU" dirty="0"/>
+              <a:t>Várakozásaink szerint a pontosság növelhető a változók hozzáadásával. De ez csak látszólag segít, nem lehet mindent hozzáadni, vannak fontosabb és kevésbé fontos (sőt) változók. Nézzünk egy jobb modellezési technikát, a döntési fákat (Decision </a:t>
+            </a:r>
+            <a:r>
+              <a:rPr lang="hu-HU" dirty="0" err="1"/>
+              <a:t>Tree</a:t>
+            </a:r>
+            <a:r>
+              <a:rPr lang="hu-HU" dirty="0"/>
+              <a:t>). Egy másik lehetőség lenne a </a:t>
+            </a:r>
+            <a:r>
+              <a:rPr lang="hu-HU" dirty="0" err="1"/>
+              <a:t>Feature</a:t>
+            </a:r>
+            <a:r>
+              <a:rPr lang="hu-HU" dirty="0"/>
+              <a:t> </a:t>
+            </a:r>
+            <a:r>
+              <a:rPr lang="hu-HU" dirty="0" err="1"/>
+              <a:t>Engineering</a:t>
+            </a:r>
+            <a:r>
+              <a:rPr lang="hu-HU" dirty="0"/>
+              <a:t>.</a:t>
+            </a:r>
+            <a:br>
+              <a:rPr lang="hu-HU" dirty="0"/>
+            </a:br>
+            <a:endParaRPr lang="hu-HU" dirty="0"/>
+          </a:p>
+        </p:txBody>
+      </p:sp>
+      <p:sp>
+        <p:nvSpPr>
+          <p:cNvPr id="4" name="Dia számának helye 3">
+            <a:extLst>
+              <a:ext uri="{FF2B5EF4-FFF2-40B4-BE49-F238E27FC236}">
+                <a16:creationId xmlns:a16="http://schemas.microsoft.com/office/drawing/2014/main" id="{EAB51A9F-1EAE-47B7-AA01-D961B4B4612C}"/>
+              </a:ext>
+            </a:extLst>
+          </p:cNvPr>
+          <p:cNvSpPr>
+            <a:spLocks noGrp="1"/>
+          </p:cNvSpPr>
+          <p:nvPr>
+            <p:ph type="sldNum" sz="quarter" idx="12"/>
+          </p:nvPr>
+        </p:nvSpPr>
+        <p:spPr/>
+        <p:txBody>
+          <a:bodyPr/>
+          <a:lstStyle/>
+          <a:p>
+            <a:fld id="{6D22F896-40B5-4ADD-8801-0D06FADFA095}" type="slidenum">
+              <a:rPr lang="en-US" smtClean="0"/>
+              <a:t>44</a:t>
+            </a:fld>
+            <a:endParaRPr lang="en-US" dirty="0"/>
+          </a:p>
+        </p:txBody>
+      </p:sp>
+    </p:spTree>
+    <p:extLst>
+      <p:ext uri="{BB962C8B-B14F-4D97-AF65-F5344CB8AC3E}">
+        <p14:creationId xmlns:p14="http://schemas.microsoft.com/office/powerpoint/2010/main" val="859342663"/>
+      </p:ext>
+    </p:extLst>
+  </p:cSld>
+  <p:clrMapOvr>
+    <a:masterClrMapping/>
+  </p:clrMapOvr>
+</p:sld>
+</file>
+
+<file path=ppt/slides/slide45.xml><?xml version="1.0" encoding="utf-8"?>
+<p:sld xmlns:a="http://schemas.openxmlformats.org/drawingml/2006/main" xmlns:r="http://schemas.openxmlformats.org/officeDocument/2006/relationships" xmlns:p="http://schemas.openxmlformats.org/presentationml/2006/main">
+  <p:cSld>
+    <p:spTree>
+      <p:nvGrpSpPr>
+        <p:cNvPr id="1" name=""/>
+        <p:cNvGrpSpPr/>
+        <p:nvPr/>
+      </p:nvGrpSpPr>
+      <p:grpSpPr>
+        <a:xfrm>
+          <a:off x="0" y="0"/>
+          <a:ext cx="0" cy="0"/>
+          <a:chOff x="0" y="0"/>
+          <a:chExt cx="0" cy="0"/>
+        </a:xfrm>
+      </p:grpSpPr>
+      <p:sp>
+        <p:nvSpPr>
+          <p:cNvPr id="2" name="Cím 1">
+            <a:extLst>
+              <a:ext uri="{FF2B5EF4-FFF2-40B4-BE49-F238E27FC236}">
+                <a16:creationId xmlns:a16="http://schemas.microsoft.com/office/drawing/2014/main" id="{CAF8FA55-52B7-427F-A5AD-1ECD58B0E4F1}"/>
+              </a:ext>
+            </a:extLst>
+          </p:cNvPr>
+          <p:cNvSpPr>
+            <a:spLocks noGrp="1"/>
+          </p:cNvSpPr>
+          <p:nvPr>
+            <p:ph type="title"/>
+          </p:nvPr>
+        </p:nvSpPr>
+        <p:spPr/>
+        <p:txBody>
+          <a:bodyPr/>
+          <a:lstStyle/>
+          <a:p>
+            <a:r>
+              <a:rPr lang="hu-HU" dirty="0"/>
+              <a:t>Döntési fa</a:t>
+            </a:r>
+          </a:p>
+        </p:txBody>
+      </p:sp>
+      <p:sp>
+        <p:nvSpPr>
+          <p:cNvPr id="3" name="Tartalom helye 2">
+            <a:extLst>
+              <a:ext uri="{FF2B5EF4-FFF2-40B4-BE49-F238E27FC236}">
+                <a16:creationId xmlns:a16="http://schemas.microsoft.com/office/drawing/2014/main" id="{3FB9F7B9-227C-4FE1-90AB-906B574EC074}"/>
+              </a:ext>
+            </a:extLst>
+          </p:cNvPr>
+          <p:cNvSpPr>
+            <a:spLocks noGrp="1"/>
+          </p:cNvSpPr>
+          <p:nvPr>
+            <p:ph idx="1"/>
+          </p:nvPr>
+        </p:nvSpPr>
+        <p:spPr/>
+        <p:txBody>
+          <a:bodyPr/>
+          <a:lstStyle/>
+          <a:p>
+            <a:r>
+              <a:rPr lang="hu-HU" dirty="0"/>
+              <a:t>Egy másik </a:t>
+            </a:r>
+            <a:r>
+              <a:rPr lang="hu-HU" dirty="0" err="1"/>
+              <a:t>predikciós</a:t>
+            </a:r>
+            <a:r>
+              <a:rPr lang="hu-HU" dirty="0"/>
+              <a:t> modell, a lineáris regresszióhoz képest nagyobb pontosságot érhetünk el vele jelen esetben.</a:t>
+            </a:r>
+          </a:p>
+          <a:p>
+            <a:endParaRPr lang="hu-HU" dirty="0"/>
+          </a:p>
+          <a:p>
+            <a:r>
+              <a:rPr lang="hu-HU" dirty="0"/>
+              <a:t>Megfigyelhetjük, hogy bár a pontosság növelte a változók hozzáadását, a kereszt-érvényesítési hiba lelassult. Ez a modell túlzottan illeszkedő modelljének eredménye. Próbáljunk ki egy még kifinomultabb algoritmust, és nézzük meg, segít-e:</a:t>
+            </a:r>
+          </a:p>
+          <a:p>
+            <a:endParaRPr lang="hu-HU" dirty="0"/>
+          </a:p>
+        </p:txBody>
+      </p:sp>
+      <p:sp>
+        <p:nvSpPr>
+          <p:cNvPr id="4" name="Dia számának helye 3">
+            <a:extLst>
+              <a:ext uri="{FF2B5EF4-FFF2-40B4-BE49-F238E27FC236}">
+                <a16:creationId xmlns:a16="http://schemas.microsoft.com/office/drawing/2014/main" id="{93A9D08E-E32D-4FDC-84B3-E5C446550F3A}"/>
+              </a:ext>
+            </a:extLst>
+          </p:cNvPr>
+          <p:cNvSpPr>
+            <a:spLocks noGrp="1"/>
+          </p:cNvSpPr>
+          <p:nvPr>
+            <p:ph type="sldNum" sz="quarter" idx="12"/>
+          </p:nvPr>
+        </p:nvSpPr>
+        <p:spPr/>
+        <p:txBody>
+          <a:bodyPr/>
+          <a:lstStyle/>
+          <a:p>
+            <a:fld id="{6D22F896-40B5-4ADD-8801-0D06FADFA095}" type="slidenum">
+              <a:rPr lang="en-US" smtClean="0"/>
+              <a:t>45</a:t>
+            </a:fld>
+            <a:endParaRPr lang="en-US" dirty="0"/>
+          </a:p>
+        </p:txBody>
+      </p:sp>
+    </p:spTree>
+    <p:extLst>
+      <p:ext uri="{BB962C8B-B14F-4D97-AF65-F5344CB8AC3E}">
+        <p14:creationId xmlns:p14="http://schemas.microsoft.com/office/powerpoint/2010/main" val="1403186455"/>
+      </p:ext>
+    </p:extLst>
+  </p:cSld>
+  <p:clrMapOvr>
+    <a:masterClrMapping/>
+  </p:clrMapOvr>
+</p:sld>
+</file>
+
+<file path=ppt/slides/slide46.xml><?xml version="1.0" encoding="utf-8"?>
+<p:sld xmlns:a="http://schemas.openxmlformats.org/drawingml/2006/main" xmlns:r="http://schemas.openxmlformats.org/officeDocument/2006/relationships" xmlns:p="http://schemas.openxmlformats.org/presentationml/2006/main">
+  <p:cSld>
+    <p:spTree>
+      <p:nvGrpSpPr>
+        <p:cNvPr id="1" name=""/>
+        <p:cNvGrpSpPr/>
+        <p:nvPr/>
+      </p:nvGrpSpPr>
+      <p:grpSpPr>
+        <a:xfrm>
+          <a:off x="0" y="0"/>
+          <a:ext cx="0" cy="0"/>
+          <a:chOff x="0" y="0"/>
+          <a:chExt cx="0" cy="0"/>
+        </a:xfrm>
+      </p:grpSpPr>
+      <p:sp>
+        <p:nvSpPr>
+          <p:cNvPr id="2" name="Cím 1">
+            <a:extLst>
+              <a:ext uri="{FF2B5EF4-FFF2-40B4-BE49-F238E27FC236}">
+                <a16:creationId xmlns:a16="http://schemas.microsoft.com/office/drawing/2014/main" id="{AD493633-B6C3-4BD0-B8C3-0BFE93A446DF}"/>
+              </a:ext>
+            </a:extLst>
+          </p:cNvPr>
+          <p:cNvSpPr>
+            <a:spLocks noGrp="1"/>
+          </p:cNvSpPr>
+          <p:nvPr>
+            <p:ph type="title"/>
+          </p:nvPr>
+        </p:nvSpPr>
+        <p:spPr/>
+        <p:txBody>
+          <a:bodyPr/>
+          <a:lstStyle/>
+          <a:p>
+            <a:r>
+              <a:rPr lang="hu-HU" dirty="0"/>
+              <a:t>Random Forest</a:t>
+            </a:r>
+          </a:p>
+        </p:txBody>
+      </p:sp>
+      <p:sp>
+        <p:nvSpPr>
+          <p:cNvPr id="3" name="Tartalom helye 2">
+            <a:extLst>
+              <a:ext uri="{FF2B5EF4-FFF2-40B4-BE49-F238E27FC236}">
+                <a16:creationId xmlns:a16="http://schemas.microsoft.com/office/drawing/2014/main" id="{7FE70318-35F7-4D3F-B318-59693E954193}"/>
+              </a:ext>
+            </a:extLst>
+          </p:cNvPr>
+          <p:cNvSpPr>
+            <a:spLocks noGrp="1"/>
+          </p:cNvSpPr>
+          <p:nvPr>
+            <p:ph idx="1"/>
+          </p:nvPr>
+        </p:nvSpPr>
+        <p:spPr/>
+        <p:txBody>
+          <a:bodyPr/>
+          <a:lstStyle/>
+          <a:p>
+            <a:r>
+              <a:rPr lang="hu-HU" dirty="0"/>
+              <a:t>A Random Forest előnye, hogy minden leíró jellemzővel együtt tudunk működni, és visszaad egy ún. jellemző fontossági mátrixot, amelyet a jellemzők kiválasztására használhatunk.</a:t>
+            </a:r>
+          </a:p>
+          <a:p>
+            <a:r>
+              <a:rPr lang="hu-HU" dirty="0"/>
+              <a:t>Amennyiben 100%, vagy nagyon 100% körüli pontosság esetén érdemes gyanakodni, hogy „túltanulás” történt. Alapvetően kétféleképpen oldható meg:</a:t>
+            </a:r>
+          </a:p>
+          <a:p>
+            <a:pPr lvl="1"/>
+            <a:r>
+              <a:rPr lang="hu-HU" dirty="0"/>
+              <a:t>A </a:t>
+            </a:r>
+            <a:r>
+              <a:rPr lang="hu-HU" dirty="0" err="1"/>
+              <a:t>prediktorok</a:t>
+            </a:r>
+            <a:r>
+              <a:rPr lang="hu-HU" dirty="0"/>
+              <a:t> számának csökkentésével</a:t>
+            </a:r>
+          </a:p>
+          <a:p>
+            <a:pPr lvl="1"/>
+            <a:r>
+              <a:rPr lang="hu-HU" dirty="0"/>
+              <a:t>A modell paramétereinek hangolásával</a:t>
+            </a:r>
+          </a:p>
+          <a:p>
+            <a:endParaRPr lang="hu-HU" dirty="0"/>
+          </a:p>
+          <a:p>
+            <a:endParaRPr lang="hu-HU" dirty="0"/>
+          </a:p>
+        </p:txBody>
+      </p:sp>
+      <p:sp>
+        <p:nvSpPr>
+          <p:cNvPr id="4" name="Dia számának helye 3">
+            <a:extLst>
+              <a:ext uri="{FF2B5EF4-FFF2-40B4-BE49-F238E27FC236}">
+                <a16:creationId xmlns:a16="http://schemas.microsoft.com/office/drawing/2014/main" id="{F7DD92F8-0A98-4D5E-A89E-F4C86B9EA7B1}"/>
+              </a:ext>
+            </a:extLst>
+          </p:cNvPr>
+          <p:cNvSpPr>
+            <a:spLocks noGrp="1"/>
+          </p:cNvSpPr>
+          <p:nvPr>
+            <p:ph type="sldNum" sz="quarter" idx="12"/>
+          </p:nvPr>
+        </p:nvSpPr>
+        <p:spPr/>
+        <p:txBody>
+          <a:bodyPr/>
+          <a:lstStyle/>
+          <a:p>
+            <a:fld id="{6D22F896-40B5-4ADD-8801-0D06FADFA095}" type="slidenum">
+              <a:rPr lang="en-US" smtClean="0"/>
+              <a:t>46</a:t>
+            </a:fld>
+            <a:endParaRPr lang="en-US" dirty="0"/>
+          </a:p>
+        </p:txBody>
+      </p:sp>
+    </p:spTree>
+    <p:extLst>
+      <p:ext uri="{BB962C8B-B14F-4D97-AF65-F5344CB8AC3E}">
+        <p14:creationId xmlns:p14="http://schemas.microsoft.com/office/powerpoint/2010/main" val="3048237447"/>
+      </p:ext>
+    </p:extLst>
+  </p:cSld>
+  <p:clrMapOvr>
+    <a:masterClrMapping/>
+  </p:clrMapOvr>
+</p:sld>
+</file>
+
+<file path=ppt/slides/slide47.xml><?xml version="1.0" encoding="utf-8"?>
+<p:sld xmlns:a="http://schemas.openxmlformats.org/drawingml/2006/main" xmlns:r="http://schemas.openxmlformats.org/officeDocument/2006/relationships" xmlns:p="http://schemas.openxmlformats.org/presentationml/2006/main">
+  <p:cSld>
+    <p:spTree>
+      <p:nvGrpSpPr>
+        <p:cNvPr id="1" name=""/>
+        <p:cNvGrpSpPr/>
+        <p:nvPr/>
+      </p:nvGrpSpPr>
+      <p:grpSpPr>
+        <a:xfrm>
+          <a:off x="0" y="0"/>
+          <a:ext cx="0" cy="0"/>
+          <a:chOff x="0" y="0"/>
+          <a:chExt cx="0" cy="0"/>
+        </a:xfrm>
+      </p:grpSpPr>
+      <p:sp>
+        <p:nvSpPr>
+          <p:cNvPr id="2" name="Cím 1">
+            <a:extLst>
+              <a:ext uri="{FF2B5EF4-FFF2-40B4-BE49-F238E27FC236}">
+                <a16:creationId xmlns:a16="http://schemas.microsoft.com/office/drawing/2014/main" id="{7FE57951-62A6-4B1F-B013-50FB14505DFA}"/>
+              </a:ext>
+            </a:extLst>
+          </p:cNvPr>
+          <p:cNvSpPr>
+            <a:spLocks noGrp="1"/>
+          </p:cNvSpPr>
+          <p:nvPr>
+            <p:ph type="title"/>
+          </p:nvPr>
+        </p:nvSpPr>
+        <p:spPr/>
+        <p:txBody>
+          <a:bodyPr/>
+          <a:lstStyle/>
+          <a:p>
+            <a:r>
+              <a:rPr lang="hu-HU"/>
+              <a:t>Random Forest</a:t>
+            </a:r>
+          </a:p>
+        </p:txBody>
+      </p:sp>
+      <p:sp>
+        <p:nvSpPr>
+          <p:cNvPr id="3" name="Tartalom helye 2">
+            <a:extLst>
+              <a:ext uri="{FF2B5EF4-FFF2-40B4-BE49-F238E27FC236}">
+                <a16:creationId xmlns:a16="http://schemas.microsoft.com/office/drawing/2014/main" id="{85A2310F-53B6-4CCD-AB04-75EBB0B76B53}"/>
+              </a:ext>
+            </a:extLst>
+          </p:cNvPr>
+          <p:cNvSpPr>
+            <a:spLocks noGrp="1"/>
+          </p:cNvSpPr>
+          <p:nvPr>
+            <p:ph idx="1"/>
+          </p:nvPr>
+        </p:nvSpPr>
+        <p:spPr/>
+        <p:txBody>
+          <a:bodyPr/>
+          <a:lstStyle/>
+          <a:p>
+            <a:r>
+              <a:rPr lang="hu-HU" dirty="0"/>
+              <a:t>Vegyük észre, hogy bár a pontosság csökken, de a kereszt-érvényesítési pontszám javul, ami azt mutatja, hogy a modell jól általánosítható. Ne feledjük el, hogy a Random Forest modellek nem pontosan megismételhetők. Különböző futások kisebb eltéréseket eredményeznek a </a:t>
+            </a:r>
+            <a:r>
+              <a:rPr lang="hu-HU" dirty="0" err="1"/>
+              <a:t>randomizálás</a:t>
+            </a:r>
+            <a:r>
+              <a:rPr lang="hu-HU" dirty="0"/>
+              <a:t> miatt. De a kimenetnek a közel hasonlónak kell maradnia.</a:t>
+            </a:r>
+          </a:p>
+          <a:p>
+            <a:r>
+              <a:rPr lang="hu-HU" dirty="0"/>
+              <a:t>Amúgy a Lineáris Regresszióhoz képest a </a:t>
+            </a:r>
+            <a:r>
+              <a:rPr lang="hu-HU" dirty="0" err="1"/>
+              <a:t>Cross-Validation</a:t>
+            </a:r>
+            <a:r>
+              <a:rPr lang="hu-HU" dirty="0"/>
+              <a:t> csak picit változott. </a:t>
+            </a:r>
+          </a:p>
+          <a:p>
+            <a:r>
+              <a:rPr lang="hu-HU" dirty="0"/>
+              <a:t>Egy kifinomultabb modell használata nem garantálja a jobb eredményeket. Érdemes kerülni a komplex modellezési technikák használatát fekete dobozként anélkül, hogy megértenénk az alapfogalmakat. </a:t>
+            </a:r>
+          </a:p>
+          <a:p>
+            <a:endParaRPr lang="hu-HU" dirty="0"/>
+          </a:p>
+        </p:txBody>
+      </p:sp>
+      <p:sp>
+        <p:nvSpPr>
+          <p:cNvPr id="4" name="Dia számának helye 3">
+            <a:extLst>
+              <a:ext uri="{FF2B5EF4-FFF2-40B4-BE49-F238E27FC236}">
+                <a16:creationId xmlns:a16="http://schemas.microsoft.com/office/drawing/2014/main" id="{67F1E2E4-9ED3-43C1-9489-89DDC6EEA332}"/>
+              </a:ext>
+            </a:extLst>
+          </p:cNvPr>
+          <p:cNvSpPr>
+            <a:spLocks noGrp="1"/>
+          </p:cNvSpPr>
+          <p:nvPr>
+            <p:ph type="sldNum" sz="quarter" idx="12"/>
+          </p:nvPr>
+        </p:nvSpPr>
+        <p:spPr/>
+        <p:txBody>
+          <a:bodyPr/>
+          <a:lstStyle/>
+          <a:p>
+            <a:fld id="{6D22F896-40B5-4ADD-8801-0D06FADFA095}" type="slidenum">
+              <a:rPr lang="en-US" smtClean="0"/>
+              <a:t>47</a:t>
+            </a:fld>
+            <a:endParaRPr lang="en-US" dirty="0"/>
+          </a:p>
+        </p:txBody>
+      </p:sp>
+    </p:spTree>
+    <p:extLst>
+      <p:ext uri="{BB962C8B-B14F-4D97-AF65-F5344CB8AC3E}">
+        <p14:creationId xmlns:p14="http://schemas.microsoft.com/office/powerpoint/2010/main" val="2646890729"/>
+      </p:ext>
+    </p:extLst>
+  </p:cSld>
+  <p:clrMapOvr>
+    <a:masterClrMapping/>
+  </p:clrMapOvr>
+</p:sld>
+</file>
+
+<file path=ppt/slides/slide48.xml><?xml version="1.0" encoding="utf-8"?>
+<p:sld xmlns:a="http://schemas.openxmlformats.org/drawingml/2006/main" xmlns:r="http://schemas.openxmlformats.org/officeDocument/2006/relationships" xmlns:p="http://schemas.openxmlformats.org/presentationml/2006/main">
+  <p:cSld>
+    <p:spTree>
+      <p:nvGrpSpPr>
+        <p:cNvPr id="1" name=""/>
+        <p:cNvGrpSpPr/>
+        <p:nvPr/>
+      </p:nvGrpSpPr>
+      <p:grpSpPr>
+        <a:xfrm>
+          <a:off x="0" y="0"/>
+          <a:ext cx="0" cy="0"/>
+          <a:chOff x="0" y="0"/>
+          <a:chExt cx="0" cy="0"/>
+        </a:xfrm>
+      </p:grpSpPr>
+      <p:sp>
+        <p:nvSpPr>
+          <p:cNvPr id="3" name="Title 2"/>
+          <p:cNvSpPr>
+            <a:spLocks noGrp="1"/>
+          </p:cNvSpPr>
+          <p:nvPr>
+            <p:ph type="ctrTitle"/>
+          </p:nvPr>
+        </p:nvSpPr>
+        <p:spPr>
+          <a:xfrm>
+            <a:off x="1220632" y="3348238"/>
+            <a:ext cx="9106263" cy="1200158"/>
+          </a:xfrm>
+        </p:spPr>
+        <p:txBody>
+          <a:bodyPr/>
+          <a:lstStyle/>
+          <a:p>
+            <a:r>
+              <a:rPr lang="hu-HU" dirty="0"/>
+              <a:t>Köszönöm a figyelmet!</a:t>
+            </a:r>
+            <a:endParaRPr lang="en-US" dirty="0"/>
+          </a:p>
+        </p:txBody>
+      </p:sp>
+      <p:sp>
+        <p:nvSpPr>
+          <p:cNvPr id="4" name="Title 6">
+            <a:extLst>
+              <a:ext uri="{FF2B5EF4-FFF2-40B4-BE49-F238E27FC236}">
+                <a16:creationId xmlns:a16="http://schemas.microsoft.com/office/drawing/2014/main" id="{34BDD74C-5263-464C-AA3C-D945D23978FF}"/>
+              </a:ext>
+            </a:extLst>
+          </p:cNvPr>
+          <p:cNvSpPr txBox="1">
+            <a:spLocks/>
+          </p:cNvSpPr>
+          <p:nvPr/>
+        </p:nvSpPr>
+        <p:spPr>
+          <a:xfrm>
+            <a:off x="4448153" y="4548395"/>
+            <a:ext cx="6060413" cy="927693"/>
+          </a:xfrm>
+          <a:prstGeom prst="rect">
+            <a:avLst/>
+          </a:prstGeom>
+        </p:spPr>
+        <p:txBody>
+          <a:bodyPr vert="horz" lIns="457135" tIns="45713" rIns="457135" bIns="45713" rtlCol="0" anchor="ctr">
+            <a:noAutofit/>
+          </a:bodyPr>
+          <a:lstStyle>
+            <a:lvl1pPr algn="ctr" defTabSz="914400" rtl="0" eaLnBrk="1" latinLnBrk="0" hangingPunct="1">
+              <a:lnSpc>
+                <a:spcPct val="90000"/>
+              </a:lnSpc>
+              <a:spcBef>
+                <a:spcPct val="0"/>
+              </a:spcBef>
+              <a:buNone/>
+              <a:defRPr lang="en-US" sz="3200" b="1" i="0" kern="1200" spc="300" dirty="0">
+                <a:solidFill>
+                  <a:schemeClr val="tx1">
+                    <a:lumMod val="85000"/>
+                    <a:lumOff val="15000"/>
+                  </a:schemeClr>
+                </a:solidFill>
+                <a:latin typeface="+mj-lt"/>
+                <a:ea typeface="+mn-ea"/>
+                <a:cs typeface="Segoe UI Semilight" panose="020B0402040204020203" pitchFamily="34" charset="0"/>
+              </a:defRPr>
+            </a:lvl1pPr>
+          </a:lstStyle>
+          <a:p>
+            <a:endParaRPr lang="en-US" dirty="0"/>
+          </a:p>
+        </p:txBody>
+      </p:sp>
+    </p:spTree>
+    <p:extLst>
+      <p:ext uri="{BB962C8B-B14F-4D97-AF65-F5344CB8AC3E}">
+        <p14:creationId xmlns:p14="http://schemas.microsoft.com/office/powerpoint/2010/main" val="3492825300"/>
+      </p:ext>
+    </p:extLst>
+  </p:cSld>
+  <p:clrMapOvr>
+    <a:masterClrMapping/>
+  </p:clrMapOvr>
+  <mc:AlternateContent xmlns:mc="http://schemas.openxmlformats.org/markup-compatibility/2006" xmlns:p14="http://schemas.microsoft.com/office/powerpoint/2010/main">
+    <mc:Choice Requires="p14">
+      <p:transition spd="med" p14:dur="700">
+        <p:fade/>
+      </p:transition>
+    </mc:Choice>
+    <mc:Fallback xmlns="">
+      <p:transition spd="med">
+        <p:fade/>
+      </p:transition>
+    </mc:Fallback>
+  </mc:AlternateContent>
 </p:sld>
 </file>
 
@@ -19959,6 +26941,15 @@
 </file>
 
 <file path=customXml/item1.xml><?xml version="1.0" encoding="utf-8"?>
+<?mso-contentType ?>
+<FormTemplates xmlns="http://schemas.microsoft.com/sharepoint/v3/contenttype/forms">
+  <Display>DocumentLibraryForm</Display>
+  <Edit>DocumentLibraryForm</Edit>
+  <New>DocumentLibraryForm</New>
+</FormTemplates>
+</file>
+
+<file path=customXml/item2.xml><?xml version="1.0" encoding="utf-8"?>
 <ct:contentTypeSchema xmlns:ct="http://schemas.microsoft.com/office/2006/metadata/contentType" xmlns:ma="http://schemas.microsoft.com/office/2006/metadata/properties/metaAttributes" ct:_="" ma:_="" ma:contentTypeName="Document" ma:contentTypeID="0x010100BE8B0AB9FCF381429FB2350922936550" ma:contentTypeVersion="5" ma:contentTypeDescription="Create a new document." ma:contentTypeScope="" ma:versionID="589e65b809d9402ab8dceca0230ce288">
   <xsd:schema xmlns:xsd="http://www.w3.org/2001/XMLSchema" xmlns:xs="http://www.w3.org/2001/XMLSchema" xmlns:p="http://schemas.microsoft.com/office/2006/metadata/properties" xmlns:ns2="740ca137-556d-4ba7-9f00-9f05a5f8f8be" xmlns:ns3="9d5173b9-cce4-49bf-87fc-5ad4908b0ccf" targetNamespace="http://schemas.microsoft.com/office/2006/metadata/properties" ma:root="true" ma:fieldsID="927fbe94633d396d0a875b9787c405b2" ns2:_="" ns3:_="">
     <xsd:import namespace="740ca137-556d-4ba7-9f00-9f05a5f8f8be"/>
@@ -20129,22 +27120,21 @@
 </ct:contentTypeSchema>
 </file>
 
-<file path=customXml/item2.xml><?xml version="1.0" encoding="utf-8"?>
+<file path=customXml/item3.xml><?xml version="1.0" encoding="utf-8"?>
 <p:properties xmlns:p="http://schemas.microsoft.com/office/2006/metadata/properties" xmlns:xsi="http://www.w3.org/2001/XMLSchema-instance" xmlns:pc="http://schemas.microsoft.com/office/infopath/2007/PartnerControls">
   <documentManagement/>
 </p:properties>
 </file>
 
-<file path=customXml/item3.xml><?xml version="1.0" encoding="utf-8"?>
-<?mso-contentType ?>
-<FormTemplates xmlns="http://schemas.microsoft.com/sharepoint/v3/contenttype/forms">
-  <Display>DocumentLibraryForm</Display>
-  <Edit>DocumentLibraryForm</Edit>
-  <New>DocumentLibraryForm</New>
-</FormTemplates>
+<file path=customXml/itemProps1.xml><?xml version="1.0" encoding="utf-8"?>
+<ds:datastoreItem xmlns:ds="http://schemas.openxmlformats.org/officeDocument/2006/customXml" ds:itemID="{09509FC8-CF49-4469-B691-AB928BF2A947}">
+  <ds:schemaRefs>
+    <ds:schemaRef ds:uri="http://schemas.microsoft.com/sharepoint/v3/contenttype/forms"/>
+  </ds:schemaRefs>
+</ds:datastoreItem>
 </file>
 
-<file path=customXml/itemProps1.xml><?xml version="1.0" encoding="utf-8"?>
+<file path=customXml/itemProps2.xml><?xml version="1.0" encoding="utf-8"?>
 <ds:datastoreItem xmlns:ds="http://schemas.openxmlformats.org/officeDocument/2006/customXml" ds:itemID="{7A01FE4C-121F-4B4A-BDD7-010B08DC73A4}">
   <ds:schemaRefs>
     <ds:schemaRef ds:uri="http://schemas.microsoft.com/office/2006/metadata/contentType"/>
@@ -20163,7 +27153,7 @@
 </ds:datastoreItem>
 </file>
 
-<file path=customXml/itemProps2.xml><?xml version="1.0" encoding="utf-8"?>
+<file path=customXml/itemProps3.xml><?xml version="1.0" encoding="utf-8"?>
 <ds:datastoreItem xmlns:ds="http://schemas.openxmlformats.org/officeDocument/2006/customXml" ds:itemID="{F514F066-4366-4B85-935A-7C5D6FE0786A}">
   <ds:schemaRefs>
     <ds:schemaRef ds:uri="http://schemas.microsoft.com/office/2006/documentManagement/types"/>
@@ -20178,12 +27168,4 @@
     <ds:schemaRef ds:uri="http://www.w3.org/XML/1998/namespace"/>
   </ds:schemaRefs>
 </ds:datastoreItem>
-</file>
-
-<file path=customXml/itemProps3.xml><?xml version="1.0" encoding="utf-8"?>
-<ds:datastoreItem xmlns:ds="http://schemas.openxmlformats.org/officeDocument/2006/customXml" ds:itemID="{09509FC8-CF49-4469-B691-AB928BF2A947}">
-  <ds:schemaRefs>
-    <ds:schemaRef ds:uri="http://schemas.microsoft.com/sharepoint/v3/contenttype/forms"/>
-  </ds:schemaRefs>
-</ds:datastoreItem>
 </file>